--- a/imgs/logo/palette.pptx
+++ b/imgs/logo/palette.pptx
@@ -5,8 +5,11 @@
     <p:sldMasterId id="2147483648" r:id="rId1"/>
   </p:sldMasterIdLst>
   <p:sldIdLst>
-    <p:sldId id="256" r:id="rId2"/>
-    <p:sldId id="257" r:id="rId3"/>
+    <p:sldId id="257" r:id="rId2"/>
+    <p:sldId id="258" r:id="rId3"/>
+    <p:sldId id="256" r:id="rId4"/>
+    <p:sldId id="260" r:id="rId5"/>
+    <p:sldId id="259" r:id="rId6"/>
   </p:sldIdLst>
   <p:sldSz cx="12192000" cy="6858000"/>
   <p:notesSz cx="6858000" cy="9144000"/>
@@ -273,7 +276,7 @@
           <a:p>
             <a:fld id="{DAF512CC-698E-4592-A45E-1C2642254992}" type="datetimeFigureOut">
               <a:rPr lang="en-US" smtClean="0"/>
-              <a:t>10/19/2024</a:t>
+              <a:t>11/9/2024</a:t>
             </a:fld>
             <a:endParaRPr lang="en-US"/>
           </a:p>
@@ -473,7 +476,7 @@
           <a:p>
             <a:fld id="{DAF512CC-698E-4592-A45E-1C2642254992}" type="datetimeFigureOut">
               <a:rPr lang="en-US" smtClean="0"/>
-              <a:t>10/19/2024</a:t>
+              <a:t>11/9/2024</a:t>
             </a:fld>
             <a:endParaRPr lang="en-US"/>
           </a:p>
@@ -683,7 +686,7 @@
           <a:p>
             <a:fld id="{DAF512CC-698E-4592-A45E-1C2642254992}" type="datetimeFigureOut">
               <a:rPr lang="en-US" smtClean="0"/>
-              <a:t>10/19/2024</a:t>
+              <a:t>11/9/2024</a:t>
             </a:fld>
             <a:endParaRPr lang="en-US"/>
           </a:p>
@@ -883,7 +886,7 @@
           <a:p>
             <a:fld id="{DAF512CC-698E-4592-A45E-1C2642254992}" type="datetimeFigureOut">
               <a:rPr lang="en-US" smtClean="0"/>
-              <a:t>10/19/2024</a:t>
+              <a:t>11/9/2024</a:t>
             </a:fld>
             <a:endParaRPr lang="en-US"/>
           </a:p>
@@ -1159,7 +1162,7 @@
           <a:p>
             <a:fld id="{DAF512CC-698E-4592-A45E-1C2642254992}" type="datetimeFigureOut">
               <a:rPr lang="en-US" smtClean="0"/>
-              <a:t>10/19/2024</a:t>
+              <a:t>11/9/2024</a:t>
             </a:fld>
             <a:endParaRPr lang="en-US"/>
           </a:p>
@@ -1427,7 +1430,7 @@
           <a:p>
             <a:fld id="{DAF512CC-698E-4592-A45E-1C2642254992}" type="datetimeFigureOut">
               <a:rPr lang="en-US" smtClean="0"/>
-              <a:t>10/19/2024</a:t>
+              <a:t>11/9/2024</a:t>
             </a:fld>
             <a:endParaRPr lang="en-US"/>
           </a:p>
@@ -1842,7 +1845,7 @@
           <a:p>
             <a:fld id="{DAF512CC-698E-4592-A45E-1C2642254992}" type="datetimeFigureOut">
               <a:rPr lang="en-US" smtClean="0"/>
-              <a:t>10/19/2024</a:t>
+              <a:t>11/9/2024</a:t>
             </a:fld>
             <a:endParaRPr lang="en-US"/>
           </a:p>
@@ -1984,7 +1987,7 @@
           <a:p>
             <a:fld id="{DAF512CC-698E-4592-A45E-1C2642254992}" type="datetimeFigureOut">
               <a:rPr lang="en-US" smtClean="0"/>
-              <a:t>10/19/2024</a:t>
+              <a:t>11/9/2024</a:t>
             </a:fld>
             <a:endParaRPr lang="en-US"/>
           </a:p>
@@ -2097,7 +2100,7 @@
           <a:p>
             <a:fld id="{DAF512CC-698E-4592-A45E-1C2642254992}" type="datetimeFigureOut">
               <a:rPr lang="en-US" smtClean="0"/>
-              <a:t>10/19/2024</a:t>
+              <a:t>11/9/2024</a:t>
             </a:fld>
             <a:endParaRPr lang="en-US"/>
           </a:p>
@@ -2410,7 +2413,7 @@
           <a:p>
             <a:fld id="{DAF512CC-698E-4592-A45E-1C2642254992}" type="datetimeFigureOut">
               <a:rPr lang="en-US" smtClean="0"/>
-              <a:t>10/19/2024</a:t>
+              <a:t>11/9/2024</a:t>
             </a:fld>
             <a:endParaRPr lang="en-US"/>
           </a:p>
@@ -2699,7 +2702,7 @@
           <a:p>
             <a:fld id="{DAF512CC-698E-4592-A45E-1C2642254992}" type="datetimeFigureOut">
               <a:rPr lang="en-US" smtClean="0"/>
-              <a:t>10/19/2024</a:t>
+              <a:t>11/9/2024</a:t>
             </a:fld>
             <a:endParaRPr lang="en-US"/>
           </a:p>
@@ -2942,7 +2945,7 @@
           <a:p>
             <a:fld id="{DAF512CC-698E-4592-A45E-1C2642254992}" type="datetimeFigureOut">
               <a:rPr lang="en-US" smtClean="0"/>
-              <a:t>10/19/2024</a:t>
+              <a:t>11/9/2024</a:t>
             </a:fld>
             <a:endParaRPr lang="en-US"/>
           </a:p>
@@ -3345,6 +3348,3266 @@
 <file path=ppt/slides/slide1.xml><?xml version="1.0" encoding="utf-8"?>
 <p:sld xmlns:a="http://schemas.openxmlformats.org/drawingml/2006/main" xmlns:r="http://schemas.openxmlformats.org/officeDocument/2006/relationships" xmlns:p="http://schemas.openxmlformats.org/presentationml/2006/main">
   <p:cSld>
+    <p:spTree>
+      <p:nvGrpSpPr>
+        <p:cNvPr id="1" name=""/>
+        <p:cNvGrpSpPr/>
+        <p:nvPr/>
+      </p:nvGrpSpPr>
+      <p:grpSpPr>
+        <a:xfrm>
+          <a:off x="0" y="0"/>
+          <a:ext cx="0" cy="0"/>
+          <a:chOff x="0" y="0"/>
+          <a:chExt cx="0" cy="0"/>
+        </a:xfrm>
+      </p:grpSpPr>
+      <p:sp>
+        <p:nvSpPr>
+          <p:cNvPr id="6" name="Rectángulo: esquinas redondeadas 5">
+            <a:extLst>
+              <a:ext uri="{FF2B5EF4-FFF2-40B4-BE49-F238E27FC236}">
+                <a16:creationId xmlns:a16="http://schemas.microsoft.com/office/drawing/2014/main" id="{AFD73090-6106-3869-0F14-3BE6AAAAA7A1}"/>
+              </a:ext>
+            </a:extLst>
+          </p:cNvPr>
+          <p:cNvSpPr/>
+          <p:nvPr/>
+        </p:nvSpPr>
+        <p:spPr>
+          <a:xfrm>
+            <a:off x="324757" y="177798"/>
+            <a:ext cx="725714" cy="725714"/>
+          </a:xfrm>
+          <a:prstGeom prst="roundRect">
+            <a:avLst/>
+          </a:prstGeom>
+          <a:solidFill>
+            <a:srgbClr val="25064D"/>
+          </a:solidFill>
+        </p:spPr>
+        <p:style>
+          <a:lnRef idx="2">
+            <a:schemeClr val="accent1">
+              <a:shade val="15000"/>
+            </a:schemeClr>
+          </a:lnRef>
+          <a:fillRef idx="1">
+            <a:schemeClr val="accent1"/>
+          </a:fillRef>
+          <a:effectRef idx="0">
+            <a:schemeClr val="accent1"/>
+          </a:effectRef>
+          <a:fontRef idx="minor">
+            <a:schemeClr val="lt1"/>
+          </a:fontRef>
+        </p:style>
+        <p:txBody>
+          <a:bodyPr rtlCol="0" anchor="ctr"/>
+          <a:lstStyle/>
+          <a:p>
+            <a:pPr algn="ctr"/>
+            <a:r>
+              <a:rPr lang="en-US" sz="1100" dirty="0"/>
+              <a:t>25064D</a:t>
+            </a:r>
+          </a:p>
+        </p:txBody>
+      </p:sp>
+      <p:sp>
+        <p:nvSpPr>
+          <p:cNvPr id="7" name="Rectángulo: esquinas redondeadas 6">
+            <a:extLst>
+              <a:ext uri="{FF2B5EF4-FFF2-40B4-BE49-F238E27FC236}">
+                <a16:creationId xmlns:a16="http://schemas.microsoft.com/office/drawing/2014/main" id="{CAB09AD7-7568-6860-54E4-5BCB800B6C47}"/>
+              </a:ext>
+            </a:extLst>
+          </p:cNvPr>
+          <p:cNvSpPr/>
+          <p:nvPr/>
+        </p:nvSpPr>
+        <p:spPr>
+          <a:xfrm>
+            <a:off x="324757" y="1251856"/>
+            <a:ext cx="725714" cy="725714"/>
+          </a:xfrm>
+          <a:prstGeom prst="roundRect">
+            <a:avLst/>
+          </a:prstGeom>
+          <a:solidFill>
+            <a:srgbClr val="6911DA"/>
+          </a:solidFill>
+          <a:ln>
+            <a:solidFill>
+              <a:srgbClr val="6911DA"/>
+            </a:solidFill>
+          </a:ln>
+        </p:spPr>
+        <p:style>
+          <a:lnRef idx="2">
+            <a:schemeClr val="accent1">
+              <a:shade val="15000"/>
+            </a:schemeClr>
+          </a:lnRef>
+          <a:fillRef idx="1">
+            <a:schemeClr val="accent1"/>
+          </a:fillRef>
+          <a:effectRef idx="0">
+            <a:schemeClr val="accent1"/>
+          </a:effectRef>
+          <a:fontRef idx="minor">
+            <a:schemeClr val="lt1"/>
+          </a:fontRef>
+        </p:style>
+        <p:txBody>
+          <a:bodyPr rtlCol="0" anchor="ctr"/>
+          <a:lstStyle/>
+          <a:p>
+            <a:pPr algn="ctr"/>
+            <a:r>
+              <a:rPr lang="en-US" sz="1050" dirty="0"/>
+              <a:t>6911DA</a:t>
+            </a:r>
+          </a:p>
+        </p:txBody>
+      </p:sp>
+      <p:sp>
+        <p:nvSpPr>
+          <p:cNvPr id="8" name="Rectángulo: esquinas redondeadas 7">
+            <a:extLst>
+              <a:ext uri="{FF2B5EF4-FFF2-40B4-BE49-F238E27FC236}">
+                <a16:creationId xmlns:a16="http://schemas.microsoft.com/office/drawing/2014/main" id="{6322A883-A445-827F-9C3C-28728895215C}"/>
+              </a:ext>
+            </a:extLst>
+          </p:cNvPr>
+          <p:cNvSpPr/>
+          <p:nvPr/>
+        </p:nvSpPr>
+        <p:spPr>
+          <a:xfrm>
+            <a:off x="324757" y="2325914"/>
+            <a:ext cx="725714" cy="725714"/>
+          </a:xfrm>
+          <a:prstGeom prst="roundRect">
+            <a:avLst/>
+          </a:prstGeom>
+          <a:solidFill>
+            <a:srgbClr val="D3435D"/>
+          </a:solidFill>
+          <a:ln>
+            <a:solidFill>
+              <a:srgbClr val="D3435D"/>
+            </a:solidFill>
+          </a:ln>
+        </p:spPr>
+        <p:style>
+          <a:lnRef idx="2">
+            <a:schemeClr val="accent1">
+              <a:shade val="15000"/>
+            </a:schemeClr>
+          </a:lnRef>
+          <a:fillRef idx="1">
+            <a:schemeClr val="accent1"/>
+          </a:fillRef>
+          <a:effectRef idx="0">
+            <a:schemeClr val="accent1"/>
+          </a:effectRef>
+          <a:fontRef idx="minor">
+            <a:schemeClr val="lt1"/>
+          </a:fontRef>
+        </p:style>
+        <p:txBody>
+          <a:bodyPr rtlCol="0" anchor="ctr"/>
+          <a:lstStyle/>
+          <a:p>
+            <a:pPr algn="ctr"/>
+            <a:r>
+              <a:rPr lang="en-US" sz="1050" dirty="0"/>
+              <a:t>D3435D</a:t>
+            </a:r>
+          </a:p>
+        </p:txBody>
+      </p:sp>
+      <p:sp>
+        <p:nvSpPr>
+          <p:cNvPr id="9" name="Rectángulo: esquinas redondeadas 8">
+            <a:extLst>
+              <a:ext uri="{FF2B5EF4-FFF2-40B4-BE49-F238E27FC236}">
+                <a16:creationId xmlns:a16="http://schemas.microsoft.com/office/drawing/2014/main" id="{41C83B2A-6666-EE24-0618-CCA1D32A2BC0}"/>
+              </a:ext>
+            </a:extLst>
+          </p:cNvPr>
+          <p:cNvSpPr/>
+          <p:nvPr/>
+        </p:nvSpPr>
+        <p:spPr>
+          <a:xfrm>
+            <a:off x="324757" y="3399972"/>
+            <a:ext cx="725714" cy="725714"/>
+          </a:xfrm>
+          <a:prstGeom prst="roundRect">
+            <a:avLst/>
+          </a:prstGeom>
+          <a:solidFill>
+            <a:srgbClr val="D0853A"/>
+          </a:solidFill>
+          <a:ln>
+            <a:solidFill>
+              <a:srgbClr val="D0853A"/>
+            </a:solidFill>
+          </a:ln>
+        </p:spPr>
+        <p:style>
+          <a:lnRef idx="2">
+            <a:schemeClr val="accent1">
+              <a:shade val="15000"/>
+            </a:schemeClr>
+          </a:lnRef>
+          <a:fillRef idx="1">
+            <a:schemeClr val="accent1"/>
+          </a:fillRef>
+          <a:effectRef idx="0">
+            <a:schemeClr val="accent1"/>
+          </a:effectRef>
+          <a:fontRef idx="minor">
+            <a:schemeClr val="lt1"/>
+          </a:fontRef>
+        </p:style>
+        <p:txBody>
+          <a:bodyPr rtlCol="0" anchor="ctr"/>
+          <a:lstStyle/>
+          <a:p>
+            <a:pPr algn="ctr"/>
+            <a:r>
+              <a:rPr lang="en-US" sz="1000" dirty="0"/>
+              <a:t>D0853A</a:t>
+            </a:r>
+          </a:p>
+        </p:txBody>
+      </p:sp>
+      <p:sp>
+        <p:nvSpPr>
+          <p:cNvPr id="11" name="Rectángulo: esquinas redondeadas 10">
+            <a:extLst>
+              <a:ext uri="{FF2B5EF4-FFF2-40B4-BE49-F238E27FC236}">
+                <a16:creationId xmlns:a16="http://schemas.microsoft.com/office/drawing/2014/main" id="{1F3B8D5A-ADA5-0067-F481-7655864D5BE1}"/>
+              </a:ext>
+            </a:extLst>
+          </p:cNvPr>
+          <p:cNvSpPr/>
+          <p:nvPr/>
+        </p:nvSpPr>
+        <p:spPr>
+          <a:xfrm>
+            <a:off x="324757" y="4474030"/>
+            <a:ext cx="725714" cy="725714"/>
+          </a:xfrm>
+          <a:prstGeom prst="roundRect">
+            <a:avLst/>
+          </a:prstGeom>
+          <a:solidFill>
+            <a:srgbClr val="073ED1"/>
+          </a:solidFill>
+          <a:ln>
+            <a:solidFill>
+              <a:srgbClr val="073ED1"/>
+            </a:solidFill>
+          </a:ln>
+        </p:spPr>
+        <p:style>
+          <a:lnRef idx="2">
+            <a:schemeClr val="accent1">
+              <a:shade val="15000"/>
+            </a:schemeClr>
+          </a:lnRef>
+          <a:fillRef idx="1">
+            <a:schemeClr val="accent1"/>
+          </a:fillRef>
+          <a:effectRef idx="0">
+            <a:schemeClr val="accent1"/>
+          </a:effectRef>
+          <a:fontRef idx="minor">
+            <a:schemeClr val="lt1"/>
+          </a:fontRef>
+        </p:style>
+        <p:txBody>
+          <a:bodyPr rtlCol="0" anchor="ctr"/>
+          <a:lstStyle/>
+          <a:p>
+            <a:pPr algn="ctr"/>
+            <a:r>
+              <a:rPr lang="en-US" sz="1100" dirty="0"/>
+              <a:t>073ED1</a:t>
+            </a:r>
+          </a:p>
+        </p:txBody>
+      </p:sp>
+      <p:sp>
+        <p:nvSpPr>
+          <p:cNvPr id="31" name="Rectángulo: esquinas redondeadas 30">
+            <a:extLst>
+              <a:ext uri="{FF2B5EF4-FFF2-40B4-BE49-F238E27FC236}">
+                <a16:creationId xmlns:a16="http://schemas.microsoft.com/office/drawing/2014/main" id="{3A67D2BC-B091-01FE-D1F9-533D7D7A54B6}"/>
+              </a:ext>
+            </a:extLst>
+          </p:cNvPr>
+          <p:cNvSpPr/>
+          <p:nvPr/>
+        </p:nvSpPr>
+        <p:spPr>
+          <a:xfrm>
+            <a:off x="324757" y="5584834"/>
+            <a:ext cx="725714" cy="725714"/>
+          </a:xfrm>
+          <a:prstGeom prst="roundRect">
+            <a:avLst/>
+          </a:prstGeom>
+          <a:solidFill>
+            <a:srgbClr val="F5F7F9"/>
+          </a:solidFill>
+          <a:ln>
+            <a:noFill/>
+          </a:ln>
+        </p:spPr>
+        <p:style>
+          <a:lnRef idx="2">
+            <a:schemeClr val="accent1">
+              <a:shade val="15000"/>
+            </a:schemeClr>
+          </a:lnRef>
+          <a:fillRef idx="1">
+            <a:schemeClr val="accent1"/>
+          </a:fillRef>
+          <a:effectRef idx="0">
+            <a:schemeClr val="accent1"/>
+          </a:effectRef>
+          <a:fontRef idx="minor">
+            <a:schemeClr val="lt1"/>
+          </a:fontRef>
+        </p:style>
+        <p:txBody>
+          <a:bodyPr rtlCol="0" anchor="ctr"/>
+          <a:lstStyle/>
+          <a:p>
+            <a:pPr algn="ctr"/>
+            <a:r>
+              <a:rPr lang="en-US" sz="1100" dirty="0">
+                <a:solidFill>
+                  <a:sysClr val="windowText" lastClr="000000"/>
+                </a:solidFill>
+              </a:rPr>
+              <a:t>F5F7F9</a:t>
+            </a:r>
+          </a:p>
+        </p:txBody>
+      </p:sp>
+      <p:grpSp>
+        <p:nvGrpSpPr>
+          <p:cNvPr id="32" name="Grupo 31">
+            <a:extLst>
+              <a:ext uri="{FF2B5EF4-FFF2-40B4-BE49-F238E27FC236}">
+                <a16:creationId xmlns:a16="http://schemas.microsoft.com/office/drawing/2014/main" id="{0FDC933D-FDA3-4754-F918-B691F8790743}"/>
+              </a:ext>
+            </a:extLst>
+          </p:cNvPr>
+          <p:cNvGrpSpPr/>
+          <p:nvPr/>
+        </p:nvGrpSpPr>
+        <p:grpSpPr>
+          <a:xfrm>
+            <a:off x="4122425" y="1438420"/>
+            <a:ext cx="3745753" cy="3604088"/>
+            <a:chOff x="4103571" y="1589120"/>
+            <a:chExt cx="3745753" cy="3604088"/>
+          </a:xfrm>
+        </p:grpSpPr>
+        <p:grpSp>
+          <p:nvGrpSpPr>
+            <p:cNvPr id="33" name="Grupo 32">
+              <a:extLst>
+                <a:ext uri="{FF2B5EF4-FFF2-40B4-BE49-F238E27FC236}">
+                  <a16:creationId xmlns:a16="http://schemas.microsoft.com/office/drawing/2014/main" id="{40920F48-E1CC-AF3B-1435-700FEF9E5958}"/>
+                </a:ext>
+              </a:extLst>
+            </p:cNvPr>
+            <p:cNvGrpSpPr/>
+            <p:nvPr/>
+          </p:nvGrpSpPr>
+          <p:grpSpPr>
+            <a:xfrm>
+              <a:off x="4103571" y="1589120"/>
+              <a:ext cx="3745753" cy="3604088"/>
+              <a:chOff x="4103571" y="1589120"/>
+              <a:chExt cx="3745753" cy="3604088"/>
+            </a:xfrm>
+          </p:grpSpPr>
+          <p:grpSp>
+            <p:nvGrpSpPr>
+              <p:cNvPr id="37" name="Grupo 36">
+                <a:extLst>
+                  <a:ext uri="{FF2B5EF4-FFF2-40B4-BE49-F238E27FC236}">
+                    <a16:creationId xmlns:a16="http://schemas.microsoft.com/office/drawing/2014/main" id="{2DBFA1CD-4226-1A87-0F9F-7379C41599FA}"/>
+                  </a:ext>
+                </a:extLst>
+              </p:cNvPr>
+              <p:cNvGrpSpPr/>
+              <p:nvPr/>
+            </p:nvGrpSpPr>
+            <p:grpSpPr>
+              <a:xfrm>
+                <a:off x="4103571" y="1589120"/>
+                <a:ext cx="3745753" cy="3604088"/>
+                <a:chOff x="4103571" y="1589120"/>
+                <a:chExt cx="3745753" cy="3604088"/>
+              </a:xfrm>
+            </p:grpSpPr>
+            <p:sp>
+              <p:nvSpPr>
+                <p:cNvPr id="46" name="Elipse 45">
+                  <a:extLst>
+                    <a:ext uri="{FF2B5EF4-FFF2-40B4-BE49-F238E27FC236}">
+                      <a16:creationId xmlns:a16="http://schemas.microsoft.com/office/drawing/2014/main" id="{DA3E0E55-2F9B-A5D2-757C-71BF9EF25862}"/>
+                    </a:ext>
+                  </a:extLst>
+                </p:cNvPr>
+                <p:cNvSpPr/>
+                <p:nvPr/>
+              </p:nvSpPr>
+              <p:spPr>
+                <a:xfrm>
+                  <a:off x="6081951" y="2070641"/>
+                  <a:ext cx="1767373" cy="1767373"/>
+                </a:xfrm>
+                <a:prstGeom prst="ellipse">
+                  <a:avLst/>
+                </a:prstGeom>
+                <a:solidFill>
+                  <a:srgbClr val="D3435D"/>
+                </a:solidFill>
+                <a:ln>
+                  <a:noFill/>
+                </a:ln>
+              </p:spPr>
+              <p:style>
+                <a:lnRef idx="2">
+                  <a:schemeClr val="accent1">
+                    <a:shade val="15000"/>
+                  </a:schemeClr>
+                </a:lnRef>
+                <a:fillRef idx="1">
+                  <a:schemeClr val="accent1"/>
+                </a:fillRef>
+                <a:effectRef idx="0">
+                  <a:schemeClr val="accent1"/>
+                </a:effectRef>
+                <a:fontRef idx="minor">
+                  <a:schemeClr val="lt1"/>
+                </a:fontRef>
+              </p:style>
+              <p:txBody>
+                <a:bodyPr rtlCol="0" anchor="ctr"/>
+                <a:lstStyle/>
+                <a:p>
+                  <a:pPr algn="ctr"/>
+                  <a:endParaRPr lang="en-US"/>
+                </a:p>
+              </p:txBody>
+            </p:sp>
+            <p:sp>
+              <p:nvSpPr>
+                <p:cNvPr id="47" name="Elipse 46">
+                  <a:extLst>
+                    <a:ext uri="{FF2B5EF4-FFF2-40B4-BE49-F238E27FC236}">
+                      <a16:creationId xmlns:a16="http://schemas.microsoft.com/office/drawing/2014/main" id="{928FCC0E-8D6E-6EB0-5DA5-5E14EF860065}"/>
+                    </a:ext>
+                  </a:extLst>
+                </p:cNvPr>
+                <p:cNvSpPr/>
+                <p:nvPr/>
+              </p:nvSpPr>
+              <p:spPr>
+                <a:xfrm>
+                  <a:off x="4451037" y="2441291"/>
+                  <a:ext cx="2514600" cy="2556164"/>
+                </a:xfrm>
+                <a:prstGeom prst="ellipse">
+                  <a:avLst/>
+                </a:prstGeom>
+                <a:solidFill>
+                  <a:srgbClr val="300764">
+                    <a:alpha val="73000"/>
+                  </a:srgbClr>
+                </a:solidFill>
+                <a:ln>
+                  <a:noFill/>
+                </a:ln>
+              </p:spPr>
+              <p:style>
+                <a:lnRef idx="2">
+                  <a:schemeClr val="accent1">
+                    <a:shade val="15000"/>
+                  </a:schemeClr>
+                </a:lnRef>
+                <a:fillRef idx="1">
+                  <a:schemeClr val="accent1"/>
+                </a:fillRef>
+                <a:effectRef idx="0">
+                  <a:schemeClr val="accent1"/>
+                </a:effectRef>
+                <a:fontRef idx="minor">
+                  <a:schemeClr val="lt1"/>
+                </a:fontRef>
+              </p:style>
+              <p:txBody>
+                <a:bodyPr rtlCol="0" anchor="ctr"/>
+                <a:lstStyle/>
+                <a:p>
+                  <a:pPr algn="ctr"/>
+                  <a:endParaRPr lang="en-US"/>
+                </a:p>
+              </p:txBody>
+            </p:sp>
+            <p:sp>
+              <p:nvSpPr>
+                <p:cNvPr id="48" name="Elipse 47">
+                  <a:extLst>
+                    <a:ext uri="{FF2B5EF4-FFF2-40B4-BE49-F238E27FC236}">
+                      <a16:creationId xmlns:a16="http://schemas.microsoft.com/office/drawing/2014/main" id="{69B3692F-6A6F-ABB8-DBE2-F47EFF05CD43}"/>
+                    </a:ext>
+                  </a:extLst>
+                </p:cNvPr>
+                <p:cNvSpPr/>
+                <p:nvPr/>
+              </p:nvSpPr>
+              <p:spPr>
+                <a:xfrm>
+                  <a:off x="4859088" y="2098425"/>
+                  <a:ext cx="2795215" cy="2841417"/>
+                </a:xfrm>
+                <a:prstGeom prst="ellipse">
+                  <a:avLst/>
+                </a:prstGeom>
+                <a:solidFill>
+                  <a:srgbClr val="073ED1"/>
+                </a:solidFill>
+                <a:ln>
+                  <a:noFill/>
+                </a:ln>
+              </p:spPr>
+              <p:style>
+                <a:lnRef idx="2">
+                  <a:schemeClr val="accent1">
+                    <a:shade val="15000"/>
+                  </a:schemeClr>
+                </a:lnRef>
+                <a:fillRef idx="1">
+                  <a:schemeClr val="accent1"/>
+                </a:fillRef>
+                <a:effectRef idx="0">
+                  <a:schemeClr val="accent1"/>
+                </a:effectRef>
+                <a:fontRef idx="minor">
+                  <a:schemeClr val="lt1"/>
+                </a:fontRef>
+              </p:style>
+              <p:txBody>
+                <a:bodyPr rtlCol="0" anchor="ctr"/>
+                <a:lstStyle/>
+                <a:p>
+                  <a:pPr algn="ctr"/>
+                  <a:endParaRPr lang="en-US"/>
+                </a:p>
+              </p:txBody>
+            </p:sp>
+            <p:sp>
+              <p:nvSpPr>
+                <p:cNvPr id="49" name="Elipse 48">
+                  <a:extLst>
+                    <a:ext uri="{FF2B5EF4-FFF2-40B4-BE49-F238E27FC236}">
+                      <a16:creationId xmlns:a16="http://schemas.microsoft.com/office/drawing/2014/main" id="{E0E73D06-B379-30D7-3C1B-F0B46BFE85FF}"/>
+                    </a:ext>
+                  </a:extLst>
+                </p:cNvPr>
+                <p:cNvSpPr/>
+                <p:nvPr/>
+              </p:nvSpPr>
+              <p:spPr>
+                <a:xfrm>
+                  <a:off x="4660622" y="1921412"/>
+                  <a:ext cx="2795215" cy="2841417"/>
+                </a:xfrm>
+                <a:prstGeom prst="ellipse">
+                  <a:avLst/>
+                </a:prstGeom>
+                <a:solidFill>
+                  <a:srgbClr val="69235F">
+                    <a:alpha val="64000"/>
+                  </a:srgbClr>
+                </a:solidFill>
+                <a:ln>
+                  <a:noFill/>
+                </a:ln>
+              </p:spPr>
+              <p:style>
+                <a:lnRef idx="2">
+                  <a:schemeClr val="accent1">
+                    <a:shade val="15000"/>
+                  </a:schemeClr>
+                </a:lnRef>
+                <a:fillRef idx="1">
+                  <a:schemeClr val="accent1"/>
+                </a:fillRef>
+                <a:effectRef idx="0">
+                  <a:schemeClr val="accent1"/>
+                </a:effectRef>
+                <a:fontRef idx="minor">
+                  <a:schemeClr val="lt1"/>
+                </a:fontRef>
+              </p:style>
+              <p:txBody>
+                <a:bodyPr rtlCol="0" anchor="ctr"/>
+                <a:lstStyle/>
+                <a:p>
+                  <a:pPr algn="ctr"/>
+                  <a:endParaRPr lang="en-US"/>
+                </a:p>
+              </p:txBody>
+            </p:sp>
+            <p:sp>
+              <p:nvSpPr>
+                <p:cNvPr id="50" name="Elipse 49">
+                  <a:extLst>
+                    <a:ext uri="{FF2B5EF4-FFF2-40B4-BE49-F238E27FC236}">
+                      <a16:creationId xmlns:a16="http://schemas.microsoft.com/office/drawing/2014/main" id="{B569C599-B915-4520-DAF7-8BE5DACAA688}"/>
+                    </a:ext>
+                  </a:extLst>
+                </p:cNvPr>
+                <p:cNvSpPr/>
+                <p:nvPr/>
+              </p:nvSpPr>
+              <p:spPr>
+                <a:xfrm>
+                  <a:off x="4670504" y="1589120"/>
+                  <a:ext cx="1767373" cy="1767373"/>
+                </a:xfrm>
+                <a:prstGeom prst="ellipse">
+                  <a:avLst/>
+                </a:prstGeom>
+                <a:solidFill>
+                  <a:srgbClr val="D0853A"/>
+                </a:solidFill>
+                <a:ln>
+                  <a:noFill/>
+                </a:ln>
+              </p:spPr>
+              <p:style>
+                <a:lnRef idx="2">
+                  <a:schemeClr val="accent1">
+                    <a:shade val="15000"/>
+                  </a:schemeClr>
+                </a:lnRef>
+                <a:fillRef idx="1">
+                  <a:schemeClr val="accent1"/>
+                </a:fillRef>
+                <a:effectRef idx="0">
+                  <a:schemeClr val="accent1"/>
+                </a:effectRef>
+                <a:fontRef idx="minor">
+                  <a:schemeClr val="lt1"/>
+                </a:fontRef>
+              </p:style>
+              <p:txBody>
+                <a:bodyPr rtlCol="0" anchor="ctr"/>
+                <a:lstStyle/>
+                <a:p>
+                  <a:pPr algn="ctr"/>
+                  <a:endParaRPr lang="en-US"/>
+                </a:p>
+              </p:txBody>
+            </p:sp>
+            <p:sp>
+              <p:nvSpPr>
+                <p:cNvPr id="51" name="Elipse 50">
+                  <a:extLst>
+                    <a:ext uri="{FF2B5EF4-FFF2-40B4-BE49-F238E27FC236}">
+                      <a16:creationId xmlns:a16="http://schemas.microsoft.com/office/drawing/2014/main" id="{E93D3544-7935-BDE8-D880-8DB6F3A43C89}"/>
+                    </a:ext>
+                  </a:extLst>
+                </p:cNvPr>
+                <p:cNvSpPr/>
+                <p:nvPr/>
+              </p:nvSpPr>
+              <p:spPr>
+                <a:xfrm>
+                  <a:off x="4741281" y="2070641"/>
+                  <a:ext cx="2514600" cy="2556164"/>
+                </a:xfrm>
+                <a:prstGeom prst="ellipse">
+                  <a:avLst/>
+                </a:prstGeom>
+                <a:solidFill>
+                  <a:srgbClr val="6911DA"/>
+                </a:solidFill>
+                <a:ln>
+                  <a:noFill/>
+                </a:ln>
+              </p:spPr>
+              <p:style>
+                <a:lnRef idx="2">
+                  <a:schemeClr val="accent1">
+                    <a:shade val="15000"/>
+                  </a:schemeClr>
+                </a:lnRef>
+                <a:fillRef idx="1">
+                  <a:schemeClr val="accent1"/>
+                </a:fillRef>
+                <a:effectRef idx="0">
+                  <a:schemeClr val="accent1"/>
+                </a:effectRef>
+                <a:fontRef idx="minor">
+                  <a:schemeClr val="lt1"/>
+                </a:fontRef>
+              </p:style>
+              <p:txBody>
+                <a:bodyPr rtlCol="0" anchor="ctr"/>
+                <a:lstStyle/>
+                <a:p>
+                  <a:pPr algn="ctr"/>
+                  <a:endParaRPr lang="en-US"/>
+                </a:p>
+              </p:txBody>
+            </p:sp>
+            <p:sp>
+              <p:nvSpPr>
+                <p:cNvPr id="52" name="Elipse 51">
+                  <a:extLst>
+                    <a:ext uri="{FF2B5EF4-FFF2-40B4-BE49-F238E27FC236}">
+                      <a16:creationId xmlns:a16="http://schemas.microsoft.com/office/drawing/2014/main" id="{7D67CA2F-9837-DCE1-CEA0-E1F437D680CB}"/>
+                    </a:ext>
+                  </a:extLst>
+                </p:cNvPr>
+                <p:cNvSpPr/>
+                <p:nvPr/>
+              </p:nvSpPr>
+              <p:spPr>
+                <a:xfrm>
+                  <a:off x="6905058" y="1663317"/>
+                  <a:ext cx="241070" cy="241070"/>
+                </a:xfrm>
+                <a:prstGeom prst="ellipse">
+                  <a:avLst/>
+                </a:prstGeom>
+                <a:solidFill>
+                  <a:srgbClr val="D3435D"/>
+                </a:solidFill>
+                <a:ln>
+                  <a:noFill/>
+                </a:ln>
+              </p:spPr>
+              <p:style>
+                <a:lnRef idx="2">
+                  <a:schemeClr val="accent1">
+                    <a:shade val="15000"/>
+                  </a:schemeClr>
+                </a:lnRef>
+                <a:fillRef idx="1">
+                  <a:schemeClr val="accent1"/>
+                </a:fillRef>
+                <a:effectRef idx="0">
+                  <a:schemeClr val="accent1"/>
+                </a:effectRef>
+                <a:fontRef idx="minor">
+                  <a:schemeClr val="lt1"/>
+                </a:fontRef>
+              </p:style>
+              <p:txBody>
+                <a:bodyPr rtlCol="0" anchor="ctr"/>
+                <a:lstStyle/>
+                <a:p>
+                  <a:pPr algn="ctr"/>
+                  <a:endParaRPr lang="en-US"/>
+                </a:p>
+              </p:txBody>
+            </p:sp>
+            <p:sp>
+              <p:nvSpPr>
+                <p:cNvPr id="53" name="Elipse 52">
+                  <a:extLst>
+                    <a:ext uri="{FF2B5EF4-FFF2-40B4-BE49-F238E27FC236}">
+                      <a16:creationId xmlns:a16="http://schemas.microsoft.com/office/drawing/2014/main" id="{1E8CDD45-BC0D-5632-0923-CB8EC3433A03}"/>
+                    </a:ext>
+                  </a:extLst>
+                </p:cNvPr>
+                <p:cNvSpPr/>
+                <p:nvPr/>
+              </p:nvSpPr>
+              <p:spPr>
+                <a:xfrm>
+                  <a:off x="4103571" y="3061934"/>
+                  <a:ext cx="457200" cy="457200"/>
+                </a:xfrm>
+                <a:prstGeom prst="ellipse">
+                  <a:avLst/>
+                </a:prstGeom>
+                <a:solidFill>
+                  <a:srgbClr val="D3435D"/>
+                </a:solidFill>
+                <a:ln>
+                  <a:noFill/>
+                </a:ln>
+              </p:spPr>
+              <p:style>
+                <a:lnRef idx="2">
+                  <a:schemeClr val="accent1">
+                    <a:shade val="15000"/>
+                  </a:schemeClr>
+                </a:lnRef>
+                <a:fillRef idx="1">
+                  <a:schemeClr val="accent1"/>
+                </a:fillRef>
+                <a:effectRef idx="0">
+                  <a:schemeClr val="accent1"/>
+                </a:effectRef>
+                <a:fontRef idx="minor">
+                  <a:schemeClr val="lt1"/>
+                </a:fontRef>
+              </p:style>
+              <p:txBody>
+                <a:bodyPr rtlCol="0" anchor="ctr"/>
+                <a:lstStyle/>
+                <a:p>
+                  <a:pPr algn="ctr"/>
+                  <a:endParaRPr lang="en-US"/>
+                </a:p>
+              </p:txBody>
+            </p:sp>
+            <p:sp>
+              <p:nvSpPr>
+                <p:cNvPr id="54" name="Elipse 53">
+                  <a:extLst>
+                    <a:ext uri="{FF2B5EF4-FFF2-40B4-BE49-F238E27FC236}">
+                      <a16:creationId xmlns:a16="http://schemas.microsoft.com/office/drawing/2014/main" id="{7143327A-5092-560A-8C14-6355F6D28C4D}"/>
+                    </a:ext>
+                  </a:extLst>
+                </p:cNvPr>
+                <p:cNvSpPr/>
+                <p:nvPr/>
+              </p:nvSpPr>
+              <p:spPr>
+                <a:xfrm>
+                  <a:off x="7025615" y="4952138"/>
+                  <a:ext cx="241070" cy="241070"/>
+                </a:xfrm>
+                <a:prstGeom prst="ellipse">
+                  <a:avLst/>
+                </a:prstGeom>
+                <a:solidFill>
+                  <a:srgbClr val="D0853A"/>
+                </a:solidFill>
+                <a:ln>
+                  <a:noFill/>
+                </a:ln>
+              </p:spPr>
+              <p:style>
+                <a:lnRef idx="2">
+                  <a:schemeClr val="accent1">
+                    <a:shade val="15000"/>
+                  </a:schemeClr>
+                </a:lnRef>
+                <a:fillRef idx="1">
+                  <a:schemeClr val="accent1"/>
+                </a:fillRef>
+                <a:effectRef idx="0">
+                  <a:schemeClr val="accent1"/>
+                </a:effectRef>
+                <a:fontRef idx="minor">
+                  <a:schemeClr val="lt1"/>
+                </a:fontRef>
+              </p:style>
+              <p:txBody>
+                <a:bodyPr rtlCol="0" anchor="ctr"/>
+                <a:lstStyle/>
+                <a:p>
+                  <a:pPr algn="ctr"/>
+                  <a:endParaRPr lang="en-US"/>
+                </a:p>
+              </p:txBody>
+            </p:sp>
+            <p:sp>
+              <p:nvSpPr>
+                <p:cNvPr id="55" name="Elipse 54">
+                  <a:extLst>
+                    <a:ext uri="{FF2B5EF4-FFF2-40B4-BE49-F238E27FC236}">
+                      <a16:creationId xmlns:a16="http://schemas.microsoft.com/office/drawing/2014/main" id="{435DDDED-093C-611D-7DF0-2B64570E0E8B}"/>
+                    </a:ext>
+                  </a:extLst>
+                </p:cNvPr>
+                <p:cNvSpPr/>
+                <p:nvPr/>
+              </p:nvSpPr>
+              <p:spPr>
+                <a:xfrm>
+                  <a:off x="4513226" y="4626805"/>
+                  <a:ext cx="241070" cy="241070"/>
+                </a:xfrm>
+                <a:prstGeom prst="ellipse">
+                  <a:avLst/>
+                </a:prstGeom>
+                <a:solidFill>
+                  <a:srgbClr val="6911DA"/>
+                </a:solidFill>
+                <a:ln>
+                  <a:noFill/>
+                </a:ln>
+              </p:spPr>
+              <p:style>
+                <a:lnRef idx="2">
+                  <a:schemeClr val="accent1">
+                    <a:shade val="15000"/>
+                  </a:schemeClr>
+                </a:lnRef>
+                <a:fillRef idx="1">
+                  <a:schemeClr val="accent1"/>
+                </a:fillRef>
+                <a:effectRef idx="0">
+                  <a:schemeClr val="accent1"/>
+                </a:effectRef>
+                <a:fontRef idx="minor">
+                  <a:schemeClr val="lt1"/>
+                </a:fontRef>
+              </p:style>
+              <p:txBody>
+                <a:bodyPr rtlCol="0" anchor="ctr"/>
+                <a:lstStyle/>
+                <a:p>
+                  <a:pPr algn="ctr"/>
+                  <a:endParaRPr lang="en-US"/>
+                </a:p>
+              </p:txBody>
+            </p:sp>
+          </p:grpSp>
+          <p:grpSp>
+            <p:nvGrpSpPr>
+              <p:cNvPr id="38" name="Grupo 37">
+                <a:extLst>
+                  <a:ext uri="{FF2B5EF4-FFF2-40B4-BE49-F238E27FC236}">
+                    <a16:creationId xmlns:a16="http://schemas.microsoft.com/office/drawing/2014/main" id="{92A34CD4-F49E-7878-07D2-15279E84BEFD}"/>
+                  </a:ext>
+                </a:extLst>
+              </p:cNvPr>
+              <p:cNvGrpSpPr/>
+              <p:nvPr/>
+            </p:nvGrpSpPr>
+            <p:grpSpPr>
+              <a:xfrm>
+                <a:off x="4664377" y="4122460"/>
+                <a:ext cx="243959" cy="378904"/>
+                <a:chOff x="4664377" y="4122460"/>
+                <a:chExt cx="243959" cy="378904"/>
+              </a:xfrm>
+            </p:grpSpPr>
+            <p:sp>
+              <p:nvSpPr>
+                <p:cNvPr id="43" name="Elipse 42">
+                  <a:extLst>
+                    <a:ext uri="{FF2B5EF4-FFF2-40B4-BE49-F238E27FC236}">
+                      <a16:creationId xmlns:a16="http://schemas.microsoft.com/office/drawing/2014/main" id="{0267451E-65BE-354C-BFE0-D7E7E0B1D224}"/>
+                    </a:ext>
+                  </a:extLst>
+                </p:cNvPr>
+                <p:cNvSpPr/>
+                <p:nvPr/>
+              </p:nvSpPr>
+              <p:spPr>
+                <a:xfrm>
+                  <a:off x="4693406" y="4226091"/>
+                  <a:ext cx="83645" cy="83645"/>
+                </a:xfrm>
+                <a:prstGeom prst="ellipse">
+                  <a:avLst/>
+                </a:prstGeom>
+                <a:solidFill>
+                  <a:srgbClr val="F5F7F9"/>
+                </a:solidFill>
+                <a:ln>
+                  <a:noFill/>
+                </a:ln>
+              </p:spPr>
+              <p:style>
+                <a:lnRef idx="2">
+                  <a:schemeClr val="accent1">
+                    <a:shade val="15000"/>
+                  </a:schemeClr>
+                </a:lnRef>
+                <a:fillRef idx="1">
+                  <a:schemeClr val="accent1"/>
+                </a:fillRef>
+                <a:effectRef idx="0">
+                  <a:schemeClr val="accent1"/>
+                </a:effectRef>
+                <a:fontRef idx="minor">
+                  <a:schemeClr val="lt1"/>
+                </a:fontRef>
+              </p:style>
+              <p:txBody>
+                <a:bodyPr rtlCol="0" anchor="ctr"/>
+                <a:lstStyle/>
+                <a:p>
+                  <a:pPr algn="ctr"/>
+                  <a:endParaRPr lang="en-US"/>
+                </a:p>
+              </p:txBody>
+            </p:sp>
+            <p:sp>
+              <p:nvSpPr>
+                <p:cNvPr id="44" name="Elipse 43">
+                  <a:extLst>
+                    <a:ext uri="{FF2B5EF4-FFF2-40B4-BE49-F238E27FC236}">
+                      <a16:creationId xmlns:a16="http://schemas.microsoft.com/office/drawing/2014/main" id="{98B85559-2F97-09B5-F47D-AFCEAFBA8FDC}"/>
+                    </a:ext>
+                  </a:extLst>
+                </p:cNvPr>
+                <p:cNvSpPr/>
+                <p:nvPr/>
+              </p:nvSpPr>
+              <p:spPr>
+                <a:xfrm>
+                  <a:off x="4782336" y="4375364"/>
+                  <a:ext cx="126000" cy="126000"/>
+                </a:xfrm>
+                <a:prstGeom prst="ellipse">
+                  <a:avLst/>
+                </a:prstGeom>
+                <a:solidFill>
+                  <a:srgbClr val="F5F7F9"/>
+                </a:solidFill>
+                <a:ln>
+                  <a:noFill/>
+                </a:ln>
+              </p:spPr>
+              <p:style>
+                <a:lnRef idx="2">
+                  <a:schemeClr val="accent1">
+                    <a:shade val="15000"/>
+                  </a:schemeClr>
+                </a:lnRef>
+                <a:fillRef idx="1">
+                  <a:schemeClr val="accent1"/>
+                </a:fillRef>
+                <a:effectRef idx="0">
+                  <a:schemeClr val="accent1"/>
+                </a:effectRef>
+                <a:fontRef idx="minor">
+                  <a:schemeClr val="lt1"/>
+                </a:fontRef>
+              </p:style>
+              <p:txBody>
+                <a:bodyPr rtlCol="0" anchor="ctr"/>
+                <a:lstStyle/>
+                <a:p>
+                  <a:pPr algn="ctr"/>
+                  <a:endParaRPr lang="en-US"/>
+                </a:p>
+              </p:txBody>
+            </p:sp>
+            <p:sp>
+              <p:nvSpPr>
+                <p:cNvPr id="45" name="Elipse 44">
+                  <a:extLst>
+                    <a:ext uri="{FF2B5EF4-FFF2-40B4-BE49-F238E27FC236}">
+                      <a16:creationId xmlns:a16="http://schemas.microsoft.com/office/drawing/2014/main" id="{CADC1320-A4F7-8186-7BE9-8AE9F19AF4F4}"/>
+                    </a:ext>
+                  </a:extLst>
+                </p:cNvPr>
+                <p:cNvSpPr/>
+                <p:nvPr/>
+              </p:nvSpPr>
+              <p:spPr>
+                <a:xfrm rot="10517817">
+                  <a:off x="4664377" y="4122460"/>
+                  <a:ext cx="36000" cy="36000"/>
+                </a:xfrm>
+                <a:prstGeom prst="ellipse">
+                  <a:avLst/>
+                </a:prstGeom>
+                <a:solidFill>
+                  <a:srgbClr val="F5F7F9"/>
+                </a:solidFill>
+                <a:ln>
+                  <a:noFill/>
+                </a:ln>
+              </p:spPr>
+              <p:style>
+                <a:lnRef idx="2">
+                  <a:schemeClr val="accent1">
+                    <a:shade val="15000"/>
+                  </a:schemeClr>
+                </a:lnRef>
+                <a:fillRef idx="1">
+                  <a:schemeClr val="accent1"/>
+                </a:fillRef>
+                <a:effectRef idx="0">
+                  <a:schemeClr val="accent1"/>
+                </a:effectRef>
+                <a:fontRef idx="minor">
+                  <a:schemeClr val="lt1"/>
+                </a:fontRef>
+              </p:style>
+              <p:txBody>
+                <a:bodyPr rtlCol="0" anchor="ctr"/>
+                <a:lstStyle/>
+                <a:p>
+                  <a:pPr algn="ctr"/>
+                  <a:endParaRPr lang="en-US"/>
+                </a:p>
+              </p:txBody>
+            </p:sp>
+          </p:grpSp>
+          <p:grpSp>
+            <p:nvGrpSpPr>
+              <p:cNvPr id="39" name="Grupo 38">
+                <a:extLst>
+                  <a:ext uri="{FF2B5EF4-FFF2-40B4-BE49-F238E27FC236}">
+                    <a16:creationId xmlns:a16="http://schemas.microsoft.com/office/drawing/2014/main" id="{436FCC81-DAB2-4D76-3BD6-0ADE82A61560}"/>
+                  </a:ext>
+                </a:extLst>
+              </p:cNvPr>
+              <p:cNvGrpSpPr/>
+              <p:nvPr/>
+            </p:nvGrpSpPr>
+            <p:grpSpPr>
+              <a:xfrm rot="10517817">
+                <a:off x="6709063" y="3748724"/>
+                <a:ext cx="245470" cy="283626"/>
+                <a:chOff x="5019789" y="3730426"/>
+                <a:chExt cx="245470" cy="283626"/>
+              </a:xfrm>
+            </p:grpSpPr>
+            <p:sp>
+              <p:nvSpPr>
+                <p:cNvPr id="40" name="Elipse 39">
+                  <a:extLst>
+                    <a:ext uri="{FF2B5EF4-FFF2-40B4-BE49-F238E27FC236}">
+                      <a16:creationId xmlns:a16="http://schemas.microsoft.com/office/drawing/2014/main" id="{0DC8E29F-ECB3-39F6-2830-F5D803B05BCB}"/>
+                    </a:ext>
+                  </a:extLst>
+                </p:cNvPr>
+                <p:cNvSpPr/>
+                <p:nvPr/>
+              </p:nvSpPr>
+              <p:spPr>
+                <a:xfrm>
+                  <a:off x="5139259" y="3888052"/>
+                  <a:ext cx="126000" cy="126000"/>
+                </a:xfrm>
+                <a:prstGeom prst="ellipse">
+                  <a:avLst/>
+                </a:prstGeom>
+                <a:solidFill>
+                  <a:srgbClr val="F5F7F9"/>
+                </a:solidFill>
+                <a:ln>
+                  <a:noFill/>
+                </a:ln>
+              </p:spPr>
+              <p:style>
+                <a:lnRef idx="2">
+                  <a:schemeClr val="accent1">
+                    <a:shade val="15000"/>
+                  </a:schemeClr>
+                </a:lnRef>
+                <a:fillRef idx="1">
+                  <a:schemeClr val="accent1"/>
+                </a:fillRef>
+                <a:effectRef idx="0">
+                  <a:schemeClr val="accent1"/>
+                </a:effectRef>
+                <a:fontRef idx="minor">
+                  <a:schemeClr val="lt1"/>
+                </a:fontRef>
+              </p:style>
+              <p:txBody>
+                <a:bodyPr rtlCol="0" anchor="ctr"/>
+                <a:lstStyle/>
+                <a:p>
+                  <a:pPr algn="ctr"/>
+                  <a:endParaRPr lang="en-US"/>
+                </a:p>
+              </p:txBody>
+            </p:sp>
+            <p:sp>
+              <p:nvSpPr>
+                <p:cNvPr id="41" name="Elipse 40">
+                  <a:extLst>
+                    <a:ext uri="{FF2B5EF4-FFF2-40B4-BE49-F238E27FC236}">
+                      <a16:creationId xmlns:a16="http://schemas.microsoft.com/office/drawing/2014/main" id="{DF1726F6-1298-69C2-17F5-AE1DBE00A9C1}"/>
+                    </a:ext>
+                  </a:extLst>
+                </p:cNvPr>
+                <p:cNvSpPr/>
+                <p:nvPr/>
+              </p:nvSpPr>
+              <p:spPr>
+                <a:xfrm>
+                  <a:off x="5050284" y="3730426"/>
+                  <a:ext cx="83645" cy="83645"/>
+                </a:xfrm>
+                <a:prstGeom prst="ellipse">
+                  <a:avLst/>
+                </a:prstGeom>
+                <a:solidFill>
+                  <a:srgbClr val="F5F7F9"/>
+                </a:solidFill>
+                <a:ln>
+                  <a:noFill/>
+                </a:ln>
+              </p:spPr>
+              <p:style>
+                <a:lnRef idx="2">
+                  <a:schemeClr val="accent1">
+                    <a:shade val="15000"/>
+                  </a:schemeClr>
+                </a:lnRef>
+                <a:fillRef idx="1">
+                  <a:schemeClr val="accent1"/>
+                </a:fillRef>
+                <a:effectRef idx="0">
+                  <a:schemeClr val="accent1"/>
+                </a:effectRef>
+                <a:fontRef idx="minor">
+                  <a:schemeClr val="lt1"/>
+                </a:fontRef>
+              </p:style>
+              <p:txBody>
+                <a:bodyPr rtlCol="0" anchor="ctr"/>
+                <a:lstStyle/>
+                <a:p>
+                  <a:pPr algn="ctr"/>
+                  <a:endParaRPr lang="en-US"/>
+                </a:p>
+              </p:txBody>
+            </p:sp>
+            <p:sp>
+              <p:nvSpPr>
+                <p:cNvPr id="42" name="Elipse 41">
+                  <a:extLst>
+                    <a:ext uri="{FF2B5EF4-FFF2-40B4-BE49-F238E27FC236}">
+                      <a16:creationId xmlns:a16="http://schemas.microsoft.com/office/drawing/2014/main" id="{0FAB1024-AB81-9B1B-7486-C10CDA374D7B}"/>
+                    </a:ext>
+                  </a:extLst>
+                </p:cNvPr>
+                <p:cNvSpPr/>
+                <p:nvPr/>
+              </p:nvSpPr>
+              <p:spPr>
+                <a:xfrm>
+                  <a:off x="5019789" y="3885260"/>
+                  <a:ext cx="36000" cy="36000"/>
+                </a:xfrm>
+                <a:prstGeom prst="ellipse">
+                  <a:avLst/>
+                </a:prstGeom>
+                <a:solidFill>
+                  <a:srgbClr val="F5F7F9"/>
+                </a:solidFill>
+                <a:ln>
+                  <a:noFill/>
+                </a:ln>
+              </p:spPr>
+              <p:style>
+                <a:lnRef idx="2">
+                  <a:schemeClr val="accent1">
+                    <a:shade val="15000"/>
+                  </a:schemeClr>
+                </a:lnRef>
+                <a:fillRef idx="1">
+                  <a:schemeClr val="accent1"/>
+                </a:fillRef>
+                <a:effectRef idx="0">
+                  <a:schemeClr val="accent1"/>
+                </a:effectRef>
+                <a:fontRef idx="minor">
+                  <a:schemeClr val="lt1"/>
+                </a:fontRef>
+              </p:style>
+              <p:txBody>
+                <a:bodyPr rtlCol="0" anchor="ctr"/>
+                <a:lstStyle/>
+                <a:p>
+                  <a:pPr algn="ctr"/>
+                  <a:endParaRPr lang="en-US"/>
+                </a:p>
+              </p:txBody>
+            </p:sp>
+          </p:grpSp>
+        </p:grpSp>
+        <p:sp>
+          <p:nvSpPr>
+            <p:cNvPr id="34" name="Elipse 33">
+              <a:extLst>
+                <a:ext uri="{FF2B5EF4-FFF2-40B4-BE49-F238E27FC236}">
+                  <a16:creationId xmlns:a16="http://schemas.microsoft.com/office/drawing/2014/main" id="{DF39ACDD-03D6-2BEB-E447-6C6D5BD94124}"/>
+                </a:ext>
+              </a:extLst>
+            </p:cNvPr>
+            <p:cNvSpPr/>
+            <p:nvPr/>
+          </p:nvSpPr>
+          <p:spPr>
+            <a:xfrm rot="8902455">
+              <a:off x="5010665" y="3800355"/>
+              <a:ext cx="126000" cy="126000"/>
+            </a:xfrm>
+            <a:prstGeom prst="ellipse">
+              <a:avLst/>
+            </a:prstGeom>
+            <a:solidFill>
+              <a:srgbClr val="F5F7F9"/>
+            </a:solidFill>
+            <a:ln>
+              <a:noFill/>
+            </a:ln>
+          </p:spPr>
+          <p:style>
+            <a:lnRef idx="2">
+              <a:schemeClr val="accent1">
+                <a:shade val="15000"/>
+              </a:schemeClr>
+            </a:lnRef>
+            <a:fillRef idx="1">
+              <a:schemeClr val="accent1"/>
+            </a:fillRef>
+            <a:effectRef idx="0">
+              <a:schemeClr val="accent1"/>
+            </a:effectRef>
+            <a:fontRef idx="minor">
+              <a:schemeClr val="lt1"/>
+            </a:fontRef>
+          </p:style>
+          <p:txBody>
+            <a:bodyPr rtlCol="0" anchor="ctr"/>
+            <a:lstStyle/>
+            <a:p>
+              <a:pPr algn="ctr"/>
+              <a:endParaRPr lang="en-US"/>
+            </a:p>
+          </p:txBody>
+        </p:sp>
+        <p:sp>
+          <p:nvSpPr>
+            <p:cNvPr id="35" name="Elipse 34">
+              <a:extLst>
+                <a:ext uri="{FF2B5EF4-FFF2-40B4-BE49-F238E27FC236}">
+                  <a16:creationId xmlns:a16="http://schemas.microsoft.com/office/drawing/2014/main" id="{22029C31-CA84-0AF2-6ECA-8A00085C9504}"/>
+                </a:ext>
+              </a:extLst>
+            </p:cNvPr>
+            <p:cNvSpPr/>
+            <p:nvPr/>
+          </p:nvSpPr>
+          <p:spPr>
+            <a:xfrm rot="8902455">
+              <a:off x="5156285" y="3990703"/>
+              <a:ext cx="83645" cy="83645"/>
+            </a:xfrm>
+            <a:prstGeom prst="ellipse">
+              <a:avLst/>
+            </a:prstGeom>
+            <a:solidFill>
+              <a:srgbClr val="F5F7F9"/>
+            </a:solidFill>
+            <a:ln>
+              <a:noFill/>
+            </a:ln>
+          </p:spPr>
+          <p:style>
+            <a:lnRef idx="2">
+              <a:schemeClr val="accent1">
+                <a:shade val="15000"/>
+              </a:schemeClr>
+            </a:lnRef>
+            <a:fillRef idx="1">
+              <a:schemeClr val="accent1"/>
+            </a:fillRef>
+            <a:effectRef idx="0">
+              <a:schemeClr val="accent1"/>
+            </a:effectRef>
+            <a:fontRef idx="minor">
+              <a:schemeClr val="lt1"/>
+            </a:fontRef>
+          </p:style>
+          <p:txBody>
+            <a:bodyPr rtlCol="0" anchor="ctr"/>
+            <a:lstStyle/>
+            <a:p>
+              <a:pPr algn="ctr"/>
+              <a:endParaRPr lang="en-US"/>
+            </a:p>
+          </p:txBody>
+        </p:sp>
+        <p:sp>
+          <p:nvSpPr>
+            <p:cNvPr id="36" name="Elipse 35">
+              <a:extLst>
+                <a:ext uri="{FF2B5EF4-FFF2-40B4-BE49-F238E27FC236}">
+                  <a16:creationId xmlns:a16="http://schemas.microsoft.com/office/drawing/2014/main" id="{E31F9E77-757D-F9BA-0C75-F362200B0D59}"/>
+                </a:ext>
+              </a:extLst>
+            </p:cNvPr>
+            <p:cNvSpPr/>
+            <p:nvPr/>
+          </p:nvSpPr>
+          <p:spPr>
+            <a:xfrm rot="8902455">
+              <a:off x="5223500" y="3879501"/>
+              <a:ext cx="36000" cy="36000"/>
+            </a:xfrm>
+            <a:prstGeom prst="ellipse">
+              <a:avLst/>
+            </a:prstGeom>
+            <a:solidFill>
+              <a:srgbClr val="F5F7F9"/>
+            </a:solidFill>
+            <a:ln>
+              <a:noFill/>
+            </a:ln>
+          </p:spPr>
+          <p:style>
+            <a:lnRef idx="2">
+              <a:schemeClr val="accent1">
+                <a:shade val="15000"/>
+              </a:schemeClr>
+            </a:lnRef>
+            <a:fillRef idx="1">
+              <a:schemeClr val="accent1"/>
+            </a:fillRef>
+            <a:effectRef idx="0">
+              <a:schemeClr val="accent1"/>
+            </a:effectRef>
+            <a:fontRef idx="minor">
+              <a:schemeClr val="lt1"/>
+            </a:fontRef>
+          </p:style>
+          <p:txBody>
+            <a:bodyPr rtlCol="0" anchor="ctr"/>
+            <a:lstStyle/>
+            <a:p>
+              <a:pPr algn="ctr"/>
+              <a:endParaRPr lang="en-US"/>
+            </a:p>
+          </p:txBody>
+        </p:sp>
+      </p:grpSp>
+    </p:spTree>
+    <p:extLst>
+      <p:ext uri="{BB962C8B-B14F-4D97-AF65-F5344CB8AC3E}">
+        <p14:creationId xmlns:p14="http://schemas.microsoft.com/office/powerpoint/2010/main" val="4037097799"/>
+      </p:ext>
+    </p:extLst>
+  </p:cSld>
+  <p:clrMapOvr>
+    <a:masterClrMapping/>
+  </p:clrMapOvr>
+</p:sld>
+</file>
+
+<file path=ppt/slides/slide2.xml><?xml version="1.0" encoding="utf-8"?>
+<p:sld xmlns:a="http://schemas.openxmlformats.org/drawingml/2006/main" xmlns:r="http://schemas.openxmlformats.org/officeDocument/2006/relationships" xmlns:p="http://schemas.openxmlformats.org/presentationml/2006/main">
+  <p:cSld>
+    <p:spTree>
+      <p:nvGrpSpPr>
+        <p:cNvPr id="1" name=""/>
+        <p:cNvGrpSpPr/>
+        <p:nvPr/>
+      </p:nvGrpSpPr>
+      <p:grpSpPr>
+        <a:xfrm>
+          <a:off x="0" y="0"/>
+          <a:ext cx="0" cy="0"/>
+          <a:chOff x="0" y="0"/>
+          <a:chExt cx="0" cy="0"/>
+        </a:xfrm>
+      </p:grpSpPr>
+      <p:grpSp>
+        <p:nvGrpSpPr>
+          <p:cNvPr id="24" name="Grupo 23">
+            <a:extLst>
+              <a:ext uri="{FF2B5EF4-FFF2-40B4-BE49-F238E27FC236}">
+                <a16:creationId xmlns:a16="http://schemas.microsoft.com/office/drawing/2014/main" id="{D50FDC71-5FC4-272A-D7EA-E6D524707969}"/>
+              </a:ext>
+            </a:extLst>
+          </p:cNvPr>
+          <p:cNvGrpSpPr/>
+          <p:nvPr/>
+        </p:nvGrpSpPr>
+        <p:grpSpPr>
+          <a:xfrm>
+            <a:off x="5019789" y="3730426"/>
+            <a:ext cx="245470" cy="283626"/>
+            <a:chOff x="5019789" y="3730426"/>
+            <a:chExt cx="245470" cy="283626"/>
+          </a:xfrm>
+        </p:grpSpPr>
+        <p:sp>
+          <p:nvSpPr>
+            <p:cNvPr id="21" name="Elipse 20">
+              <a:extLst>
+                <a:ext uri="{FF2B5EF4-FFF2-40B4-BE49-F238E27FC236}">
+                  <a16:creationId xmlns:a16="http://schemas.microsoft.com/office/drawing/2014/main" id="{65E122F1-0743-AF77-D9A2-C321AA8D651A}"/>
+                </a:ext>
+              </a:extLst>
+            </p:cNvPr>
+            <p:cNvSpPr/>
+            <p:nvPr/>
+          </p:nvSpPr>
+          <p:spPr>
+            <a:xfrm>
+              <a:off x="5139259" y="3888052"/>
+              <a:ext cx="126000" cy="126000"/>
+            </a:xfrm>
+            <a:prstGeom prst="ellipse">
+              <a:avLst/>
+            </a:prstGeom>
+            <a:solidFill>
+              <a:srgbClr val="F5F7F9"/>
+            </a:solidFill>
+            <a:ln>
+              <a:noFill/>
+            </a:ln>
+          </p:spPr>
+          <p:style>
+            <a:lnRef idx="2">
+              <a:schemeClr val="accent1">
+                <a:shade val="15000"/>
+              </a:schemeClr>
+            </a:lnRef>
+            <a:fillRef idx="1">
+              <a:schemeClr val="accent1"/>
+            </a:fillRef>
+            <a:effectRef idx="0">
+              <a:schemeClr val="accent1"/>
+            </a:effectRef>
+            <a:fontRef idx="minor">
+              <a:schemeClr val="lt1"/>
+            </a:fontRef>
+          </p:style>
+          <p:txBody>
+            <a:bodyPr rtlCol="0" anchor="ctr"/>
+            <a:lstStyle/>
+            <a:p>
+              <a:pPr algn="ctr"/>
+              <a:endParaRPr lang="en-US"/>
+            </a:p>
+          </p:txBody>
+        </p:sp>
+        <p:sp>
+          <p:nvSpPr>
+            <p:cNvPr id="22" name="Elipse 21">
+              <a:extLst>
+                <a:ext uri="{FF2B5EF4-FFF2-40B4-BE49-F238E27FC236}">
+                  <a16:creationId xmlns:a16="http://schemas.microsoft.com/office/drawing/2014/main" id="{D713F919-599E-5B1C-A96E-9F466B4843CA}"/>
+                </a:ext>
+              </a:extLst>
+            </p:cNvPr>
+            <p:cNvSpPr/>
+            <p:nvPr/>
+          </p:nvSpPr>
+          <p:spPr>
+            <a:xfrm>
+              <a:off x="5050284" y="3730426"/>
+              <a:ext cx="83645" cy="83645"/>
+            </a:xfrm>
+            <a:prstGeom prst="ellipse">
+              <a:avLst/>
+            </a:prstGeom>
+            <a:solidFill>
+              <a:srgbClr val="F5F7F9"/>
+            </a:solidFill>
+            <a:ln>
+              <a:noFill/>
+            </a:ln>
+          </p:spPr>
+          <p:style>
+            <a:lnRef idx="2">
+              <a:schemeClr val="accent1">
+                <a:shade val="15000"/>
+              </a:schemeClr>
+            </a:lnRef>
+            <a:fillRef idx="1">
+              <a:schemeClr val="accent1"/>
+            </a:fillRef>
+            <a:effectRef idx="0">
+              <a:schemeClr val="accent1"/>
+            </a:effectRef>
+            <a:fontRef idx="minor">
+              <a:schemeClr val="lt1"/>
+            </a:fontRef>
+          </p:style>
+          <p:txBody>
+            <a:bodyPr rtlCol="0" anchor="ctr"/>
+            <a:lstStyle/>
+            <a:p>
+              <a:pPr algn="ctr"/>
+              <a:endParaRPr lang="en-US"/>
+            </a:p>
+          </p:txBody>
+        </p:sp>
+        <p:sp>
+          <p:nvSpPr>
+            <p:cNvPr id="23" name="Elipse 22">
+              <a:extLst>
+                <a:ext uri="{FF2B5EF4-FFF2-40B4-BE49-F238E27FC236}">
+                  <a16:creationId xmlns:a16="http://schemas.microsoft.com/office/drawing/2014/main" id="{FB128B9B-2692-C4B1-4BBF-C13F5B744147}"/>
+                </a:ext>
+              </a:extLst>
+            </p:cNvPr>
+            <p:cNvSpPr/>
+            <p:nvPr/>
+          </p:nvSpPr>
+          <p:spPr>
+            <a:xfrm>
+              <a:off x="5019789" y="3885260"/>
+              <a:ext cx="36000" cy="36000"/>
+            </a:xfrm>
+            <a:prstGeom prst="ellipse">
+              <a:avLst/>
+            </a:prstGeom>
+            <a:solidFill>
+              <a:srgbClr val="F5F7F9"/>
+            </a:solidFill>
+            <a:ln>
+              <a:noFill/>
+            </a:ln>
+          </p:spPr>
+          <p:style>
+            <a:lnRef idx="2">
+              <a:schemeClr val="accent1">
+                <a:shade val="15000"/>
+              </a:schemeClr>
+            </a:lnRef>
+            <a:fillRef idx="1">
+              <a:schemeClr val="accent1"/>
+            </a:fillRef>
+            <a:effectRef idx="0">
+              <a:schemeClr val="accent1"/>
+            </a:effectRef>
+            <a:fontRef idx="minor">
+              <a:schemeClr val="lt1"/>
+            </a:fontRef>
+          </p:style>
+          <p:txBody>
+            <a:bodyPr rtlCol="0" anchor="ctr"/>
+            <a:lstStyle/>
+            <a:p>
+              <a:pPr algn="ctr"/>
+              <a:endParaRPr lang="en-US"/>
+            </a:p>
+          </p:txBody>
+        </p:sp>
+      </p:grpSp>
+      <p:grpSp>
+        <p:nvGrpSpPr>
+          <p:cNvPr id="38" name="Grupo 37">
+            <a:extLst>
+              <a:ext uri="{FF2B5EF4-FFF2-40B4-BE49-F238E27FC236}">
+                <a16:creationId xmlns:a16="http://schemas.microsoft.com/office/drawing/2014/main" id="{4E2E2F9A-7B41-3BF2-A9E2-D6833E775A8F}"/>
+              </a:ext>
+            </a:extLst>
+          </p:cNvPr>
+          <p:cNvGrpSpPr/>
+          <p:nvPr/>
+        </p:nvGrpSpPr>
+        <p:grpSpPr>
+          <a:xfrm>
+            <a:off x="4122425" y="1438420"/>
+            <a:ext cx="3745753" cy="3604088"/>
+            <a:chOff x="4103571" y="1589120"/>
+            <a:chExt cx="3745753" cy="3604088"/>
+          </a:xfrm>
+        </p:grpSpPr>
+        <p:grpSp>
+          <p:nvGrpSpPr>
+            <p:cNvPr id="34" name="Grupo 33">
+              <a:extLst>
+                <a:ext uri="{FF2B5EF4-FFF2-40B4-BE49-F238E27FC236}">
+                  <a16:creationId xmlns:a16="http://schemas.microsoft.com/office/drawing/2014/main" id="{F97A5A3C-59B7-5664-9DA5-7F50805E90D9}"/>
+                </a:ext>
+              </a:extLst>
+            </p:cNvPr>
+            <p:cNvGrpSpPr/>
+            <p:nvPr/>
+          </p:nvGrpSpPr>
+          <p:grpSpPr>
+            <a:xfrm>
+              <a:off x="4103571" y="1589120"/>
+              <a:ext cx="3745753" cy="3604088"/>
+              <a:chOff x="4103571" y="1589120"/>
+              <a:chExt cx="3745753" cy="3604088"/>
+            </a:xfrm>
+          </p:grpSpPr>
+          <p:grpSp>
+            <p:nvGrpSpPr>
+              <p:cNvPr id="15" name="Grupo 14">
+                <a:extLst>
+                  <a:ext uri="{FF2B5EF4-FFF2-40B4-BE49-F238E27FC236}">
+                    <a16:creationId xmlns:a16="http://schemas.microsoft.com/office/drawing/2014/main" id="{145F550A-635E-9E65-F21F-82B20C5602CC}"/>
+                  </a:ext>
+                </a:extLst>
+              </p:cNvPr>
+              <p:cNvGrpSpPr/>
+              <p:nvPr/>
+            </p:nvGrpSpPr>
+            <p:grpSpPr>
+              <a:xfrm>
+                <a:off x="4103571" y="1589120"/>
+                <a:ext cx="3745753" cy="3604088"/>
+                <a:chOff x="4103571" y="1589120"/>
+                <a:chExt cx="3745753" cy="3604088"/>
+              </a:xfrm>
+            </p:grpSpPr>
+            <p:grpSp>
+              <p:nvGrpSpPr>
+                <p:cNvPr id="12" name="Grupo 11">
+                  <a:extLst>
+                    <a:ext uri="{FF2B5EF4-FFF2-40B4-BE49-F238E27FC236}">
+                      <a16:creationId xmlns:a16="http://schemas.microsoft.com/office/drawing/2014/main" id="{9A32CD19-9332-F170-A464-2EBB2E8D3872}"/>
+                    </a:ext>
+                  </a:extLst>
+                </p:cNvPr>
+                <p:cNvGrpSpPr/>
+                <p:nvPr/>
+              </p:nvGrpSpPr>
+              <p:grpSpPr>
+                <a:xfrm>
+                  <a:off x="4103571" y="1589120"/>
+                  <a:ext cx="3745753" cy="3604088"/>
+                  <a:chOff x="4103571" y="1589120"/>
+                  <a:chExt cx="3745753" cy="3604088"/>
+                </a:xfrm>
+              </p:grpSpPr>
+              <p:sp>
+                <p:nvSpPr>
+                  <p:cNvPr id="2" name="Elipse 1">
+                    <a:extLst>
+                      <a:ext uri="{FF2B5EF4-FFF2-40B4-BE49-F238E27FC236}">
+                        <a16:creationId xmlns:a16="http://schemas.microsoft.com/office/drawing/2014/main" id="{65BEC153-93EF-F2A1-1EBB-9C5391C6BE61}"/>
+                      </a:ext>
+                    </a:extLst>
+                  </p:cNvPr>
+                  <p:cNvSpPr/>
+                  <p:nvPr/>
+                </p:nvSpPr>
+                <p:spPr>
+                  <a:xfrm>
+                    <a:off x="6081951" y="2070641"/>
+                    <a:ext cx="1767373" cy="1767373"/>
+                  </a:xfrm>
+                  <a:prstGeom prst="ellipse">
+                    <a:avLst/>
+                  </a:prstGeom>
+                  <a:solidFill>
+                    <a:srgbClr val="D3435D"/>
+                  </a:solidFill>
+                  <a:ln>
+                    <a:noFill/>
+                  </a:ln>
+                </p:spPr>
+                <p:style>
+                  <a:lnRef idx="2">
+                    <a:schemeClr val="accent1">
+                      <a:shade val="15000"/>
+                    </a:schemeClr>
+                  </a:lnRef>
+                  <a:fillRef idx="1">
+                    <a:schemeClr val="accent1"/>
+                  </a:fillRef>
+                  <a:effectRef idx="0">
+                    <a:schemeClr val="accent1"/>
+                  </a:effectRef>
+                  <a:fontRef idx="minor">
+                    <a:schemeClr val="lt1"/>
+                  </a:fontRef>
+                </p:style>
+                <p:txBody>
+                  <a:bodyPr rtlCol="0" anchor="ctr"/>
+                  <a:lstStyle/>
+                  <a:p>
+                    <a:pPr algn="ctr"/>
+                    <a:endParaRPr lang="en-US"/>
+                  </a:p>
+                </p:txBody>
+              </p:sp>
+              <p:sp>
+                <p:nvSpPr>
+                  <p:cNvPr id="3" name="Elipse 2">
+                    <a:extLst>
+                      <a:ext uri="{FF2B5EF4-FFF2-40B4-BE49-F238E27FC236}">
+                        <a16:creationId xmlns:a16="http://schemas.microsoft.com/office/drawing/2014/main" id="{FDDB11A7-8785-F2A0-77AF-06EDC97A2170}"/>
+                      </a:ext>
+                    </a:extLst>
+                  </p:cNvPr>
+                  <p:cNvSpPr/>
+                  <p:nvPr/>
+                </p:nvSpPr>
+                <p:spPr>
+                  <a:xfrm>
+                    <a:off x="4451037" y="2441291"/>
+                    <a:ext cx="2514600" cy="2556164"/>
+                  </a:xfrm>
+                  <a:prstGeom prst="ellipse">
+                    <a:avLst/>
+                  </a:prstGeom>
+                  <a:solidFill>
+                    <a:srgbClr val="300764">
+                      <a:alpha val="73000"/>
+                    </a:srgbClr>
+                  </a:solidFill>
+                  <a:ln>
+                    <a:noFill/>
+                  </a:ln>
+                </p:spPr>
+                <p:style>
+                  <a:lnRef idx="2">
+                    <a:schemeClr val="accent1">
+                      <a:shade val="15000"/>
+                    </a:schemeClr>
+                  </a:lnRef>
+                  <a:fillRef idx="1">
+                    <a:schemeClr val="accent1"/>
+                  </a:fillRef>
+                  <a:effectRef idx="0">
+                    <a:schemeClr val="accent1"/>
+                  </a:effectRef>
+                  <a:fontRef idx="minor">
+                    <a:schemeClr val="lt1"/>
+                  </a:fontRef>
+                </p:style>
+                <p:txBody>
+                  <a:bodyPr rtlCol="0" anchor="ctr"/>
+                  <a:lstStyle/>
+                  <a:p>
+                    <a:pPr algn="ctr"/>
+                    <a:endParaRPr lang="en-US"/>
+                  </a:p>
+                </p:txBody>
+              </p:sp>
+              <p:sp>
+                <p:nvSpPr>
+                  <p:cNvPr id="4" name="Elipse 3">
+                    <a:extLst>
+                      <a:ext uri="{FF2B5EF4-FFF2-40B4-BE49-F238E27FC236}">
+                        <a16:creationId xmlns:a16="http://schemas.microsoft.com/office/drawing/2014/main" id="{1FB70035-FA61-8A97-5453-5E3F72F1D122}"/>
+                      </a:ext>
+                    </a:extLst>
+                  </p:cNvPr>
+                  <p:cNvSpPr/>
+                  <p:nvPr/>
+                </p:nvSpPr>
+                <p:spPr>
+                  <a:xfrm>
+                    <a:off x="4859088" y="2098425"/>
+                    <a:ext cx="2795215" cy="2841417"/>
+                  </a:xfrm>
+                  <a:prstGeom prst="ellipse">
+                    <a:avLst/>
+                  </a:prstGeom>
+                  <a:solidFill>
+                    <a:srgbClr val="073ED1"/>
+                  </a:solidFill>
+                  <a:ln>
+                    <a:noFill/>
+                  </a:ln>
+                </p:spPr>
+                <p:style>
+                  <a:lnRef idx="2">
+                    <a:schemeClr val="accent1">
+                      <a:shade val="15000"/>
+                    </a:schemeClr>
+                  </a:lnRef>
+                  <a:fillRef idx="1">
+                    <a:schemeClr val="accent1"/>
+                  </a:fillRef>
+                  <a:effectRef idx="0">
+                    <a:schemeClr val="accent1"/>
+                  </a:effectRef>
+                  <a:fontRef idx="minor">
+                    <a:schemeClr val="lt1"/>
+                  </a:fontRef>
+                </p:style>
+                <p:txBody>
+                  <a:bodyPr rtlCol="0" anchor="ctr"/>
+                  <a:lstStyle/>
+                  <a:p>
+                    <a:pPr algn="ctr"/>
+                    <a:endParaRPr lang="en-US"/>
+                  </a:p>
+                </p:txBody>
+              </p:sp>
+              <p:sp>
+                <p:nvSpPr>
+                  <p:cNvPr id="5" name="Elipse 4">
+                    <a:extLst>
+                      <a:ext uri="{FF2B5EF4-FFF2-40B4-BE49-F238E27FC236}">
+                        <a16:creationId xmlns:a16="http://schemas.microsoft.com/office/drawing/2014/main" id="{8568E620-2752-72DC-9180-3E6A5EE80032}"/>
+                      </a:ext>
+                    </a:extLst>
+                  </p:cNvPr>
+                  <p:cNvSpPr/>
+                  <p:nvPr/>
+                </p:nvSpPr>
+                <p:spPr>
+                  <a:xfrm>
+                    <a:off x="4660622" y="1921412"/>
+                    <a:ext cx="2795215" cy="2841417"/>
+                  </a:xfrm>
+                  <a:prstGeom prst="ellipse">
+                    <a:avLst/>
+                  </a:prstGeom>
+                  <a:solidFill>
+                    <a:srgbClr val="69235F">
+                      <a:alpha val="64000"/>
+                    </a:srgbClr>
+                  </a:solidFill>
+                  <a:ln>
+                    <a:noFill/>
+                  </a:ln>
+                </p:spPr>
+                <p:style>
+                  <a:lnRef idx="2">
+                    <a:schemeClr val="accent1">
+                      <a:shade val="15000"/>
+                    </a:schemeClr>
+                  </a:lnRef>
+                  <a:fillRef idx="1">
+                    <a:schemeClr val="accent1"/>
+                  </a:fillRef>
+                  <a:effectRef idx="0">
+                    <a:schemeClr val="accent1"/>
+                  </a:effectRef>
+                  <a:fontRef idx="minor">
+                    <a:schemeClr val="lt1"/>
+                  </a:fontRef>
+                </p:style>
+                <p:txBody>
+                  <a:bodyPr rtlCol="0" anchor="ctr"/>
+                  <a:lstStyle/>
+                  <a:p>
+                    <a:pPr algn="ctr"/>
+                    <a:endParaRPr lang="en-US"/>
+                  </a:p>
+                </p:txBody>
+              </p:sp>
+              <p:sp>
+                <p:nvSpPr>
+                  <p:cNvPr id="6" name="Elipse 5">
+                    <a:extLst>
+                      <a:ext uri="{FF2B5EF4-FFF2-40B4-BE49-F238E27FC236}">
+                        <a16:creationId xmlns:a16="http://schemas.microsoft.com/office/drawing/2014/main" id="{445E3DC9-871F-39BE-29D0-046267E8C496}"/>
+                      </a:ext>
+                    </a:extLst>
+                  </p:cNvPr>
+                  <p:cNvSpPr/>
+                  <p:nvPr/>
+                </p:nvSpPr>
+                <p:spPr>
+                  <a:xfrm>
+                    <a:off x="4670504" y="1589120"/>
+                    <a:ext cx="1767373" cy="1767373"/>
+                  </a:xfrm>
+                  <a:prstGeom prst="ellipse">
+                    <a:avLst/>
+                  </a:prstGeom>
+                  <a:solidFill>
+                    <a:srgbClr val="D0853A"/>
+                  </a:solidFill>
+                  <a:ln>
+                    <a:noFill/>
+                  </a:ln>
+                </p:spPr>
+                <p:style>
+                  <a:lnRef idx="2">
+                    <a:schemeClr val="accent1">
+                      <a:shade val="15000"/>
+                    </a:schemeClr>
+                  </a:lnRef>
+                  <a:fillRef idx="1">
+                    <a:schemeClr val="accent1"/>
+                  </a:fillRef>
+                  <a:effectRef idx="0">
+                    <a:schemeClr val="accent1"/>
+                  </a:effectRef>
+                  <a:fontRef idx="minor">
+                    <a:schemeClr val="lt1"/>
+                  </a:fontRef>
+                </p:style>
+                <p:txBody>
+                  <a:bodyPr rtlCol="0" anchor="ctr"/>
+                  <a:lstStyle/>
+                  <a:p>
+                    <a:pPr algn="ctr"/>
+                    <a:endParaRPr lang="en-US"/>
+                  </a:p>
+                </p:txBody>
+              </p:sp>
+              <p:sp>
+                <p:nvSpPr>
+                  <p:cNvPr id="7" name="Elipse 6">
+                    <a:extLst>
+                      <a:ext uri="{FF2B5EF4-FFF2-40B4-BE49-F238E27FC236}">
+                        <a16:creationId xmlns:a16="http://schemas.microsoft.com/office/drawing/2014/main" id="{0B007206-E54A-BCFD-89EC-3B7FFBCB49D5}"/>
+                      </a:ext>
+                    </a:extLst>
+                  </p:cNvPr>
+                  <p:cNvSpPr/>
+                  <p:nvPr/>
+                </p:nvSpPr>
+                <p:spPr>
+                  <a:xfrm>
+                    <a:off x="4741281" y="2070641"/>
+                    <a:ext cx="2514600" cy="2556164"/>
+                  </a:xfrm>
+                  <a:prstGeom prst="ellipse">
+                    <a:avLst/>
+                  </a:prstGeom>
+                  <a:solidFill>
+                    <a:srgbClr val="6911DA"/>
+                  </a:solidFill>
+                  <a:ln>
+                    <a:noFill/>
+                  </a:ln>
+                </p:spPr>
+                <p:style>
+                  <a:lnRef idx="2">
+                    <a:schemeClr val="accent1">
+                      <a:shade val="15000"/>
+                    </a:schemeClr>
+                  </a:lnRef>
+                  <a:fillRef idx="1">
+                    <a:schemeClr val="accent1"/>
+                  </a:fillRef>
+                  <a:effectRef idx="0">
+                    <a:schemeClr val="accent1"/>
+                  </a:effectRef>
+                  <a:fontRef idx="minor">
+                    <a:schemeClr val="lt1"/>
+                  </a:fontRef>
+                </p:style>
+                <p:txBody>
+                  <a:bodyPr rtlCol="0" anchor="ctr"/>
+                  <a:lstStyle/>
+                  <a:p>
+                    <a:pPr algn="ctr"/>
+                    <a:endParaRPr lang="en-US"/>
+                  </a:p>
+                </p:txBody>
+              </p:sp>
+              <p:sp>
+                <p:nvSpPr>
+                  <p:cNvPr id="8" name="Elipse 7">
+                    <a:extLst>
+                      <a:ext uri="{FF2B5EF4-FFF2-40B4-BE49-F238E27FC236}">
+                        <a16:creationId xmlns:a16="http://schemas.microsoft.com/office/drawing/2014/main" id="{2811BF34-55CD-619A-D73A-80547F2BA608}"/>
+                      </a:ext>
+                    </a:extLst>
+                  </p:cNvPr>
+                  <p:cNvSpPr/>
+                  <p:nvPr/>
+                </p:nvSpPr>
+                <p:spPr>
+                  <a:xfrm>
+                    <a:off x="6905058" y="1663317"/>
+                    <a:ext cx="241070" cy="241070"/>
+                  </a:xfrm>
+                  <a:prstGeom prst="ellipse">
+                    <a:avLst/>
+                  </a:prstGeom>
+                  <a:solidFill>
+                    <a:srgbClr val="D3435D"/>
+                  </a:solidFill>
+                  <a:ln>
+                    <a:noFill/>
+                  </a:ln>
+                </p:spPr>
+                <p:style>
+                  <a:lnRef idx="2">
+                    <a:schemeClr val="accent1">
+                      <a:shade val="15000"/>
+                    </a:schemeClr>
+                  </a:lnRef>
+                  <a:fillRef idx="1">
+                    <a:schemeClr val="accent1"/>
+                  </a:fillRef>
+                  <a:effectRef idx="0">
+                    <a:schemeClr val="accent1"/>
+                  </a:effectRef>
+                  <a:fontRef idx="minor">
+                    <a:schemeClr val="lt1"/>
+                  </a:fontRef>
+                </p:style>
+                <p:txBody>
+                  <a:bodyPr rtlCol="0" anchor="ctr"/>
+                  <a:lstStyle/>
+                  <a:p>
+                    <a:pPr algn="ctr"/>
+                    <a:endParaRPr lang="en-US"/>
+                  </a:p>
+                </p:txBody>
+              </p:sp>
+              <p:sp>
+                <p:nvSpPr>
+                  <p:cNvPr id="9" name="Elipse 8">
+                    <a:extLst>
+                      <a:ext uri="{FF2B5EF4-FFF2-40B4-BE49-F238E27FC236}">
+                        <a16:creationId xmlns:a16="http://schemas.microsoft.com/office/drawing/2014/main" id="{8C822C7C-2F10-A2FB-D3C1-49C3DFC7DFF2}"/>
+                      </a:ext>
+                    </a:extLst>
+                  </p:cNvPr>
+                  <p:cNvSpPr/>
+                  <p:nvPr/>
+                </p:nvSpPr>
+                <p:spPr>
+                  <a:xfrm>
+                    <a:off x="4103571" y="3061934"/>
+                    <a:ext cx="457200" cy="457200"/>
+                  </a:xfrm>
+                  <a:prstGeom prst="ellipse">
+                    <a:avLst/>
+                  </a:prstGeom>
+                  <a:solidFill>
+                    <a:srgbClr val="D3435D"/>
+                  </a:solidFill>
+                  <a:ln>
+                    <a:noFill/>
+                  </a:ln>
+                </p:spPr>
+                <p:style>
+                  <a:lnRef idx="2">
+                    <a:schemeClr val="accent1">
+                      <a:shade val="15000"/>
+                    </a:schemeClr>
+                  </a:lnRef>
+                  <a:fillRef idx="1">
+                    <a:schemeClr val="accent1"/>
+                  </a:fillRef>
+                  <a:effectRef idx="0">
+                    <a:schemeClr val="accent1"/>
+                  </a:effectRef>
+                  <a:fontRef idx="minor">
+                    <a:schemeClr val="lt1"/>
+                  </a:fontRef>
+                </p:style>
+                <p:txBody>
+                  <a:bodyPr rtlCol="0" anchor="ctr"/>
+                  <a:lstStyle/>
+                  <a:p>
+                    <a:pPr algn="ctr"/>
+                    <a:endParaRPr lang="en-US"/>
+                  </a:p>
+                </p:txBody>
+              </p:sp>
+              <p:sp>
+                <p:nvSpPr>
+                  <p:cNvPr id="10" name="Elipse 9">
+                    <a:extLst>
+                      <a:ext uri="{FF2B5EF4-FFF2-40B4-BE49-F238E27FC236}">
+                        <a16:creationId xmlns:a16="http://schemas.microsoft.com/office/drawing/2014/main" id="{87E5A210-826B-74CC-0710-CE9B29559CB4}"/>
+                      </a:ext>
+                    </a:extLst>
+                  </p:cNvPr>
+                  <p:cNvSpPr/>
+                  <p:nvPr/>
+                </p:nvSpPr>
+                <p:spPr>
+                  <a:xfrm>
+                    <a:off x="7025615" y="4952138"/>
+                    <a:ext cx="241070" cy="241070"/>
+                  </a:xfrm>
+                  <a:prstGeom prst="ellipse">
+                    <a:avLst/>
+                  </a:prstGeom>
+                  <a:solidFill>
+                    <a:srgbClr val="D0853A"/>
+                  </a:solidFill>
+                  <a:ln>
+                    <a:noFill/>
+                  </a:ln>
+                </p:spPr>
+                <p:style>
+                  <a:lnRef idx="2">
+                    <a:schemeClr val="accent1">
+                      <a:shade val="15000"/>
+                    </a:schemeClr>
+                  </a:lnRef>
+                  <a:fillRef idx="1">
+                    <a:schemeClr val="accent1"/>
+                  </a:fillRef>
+                  <a:effectRef idx="0">
+                    <a:schemeClr val="accent1"/>
+                  </a:effectRef>
+                  <a:fontRef idx="minor">
+                    <a:schemeClr val="lt1"/>
+                  </a:fontRef>
+                </p:style>
+                <p:txBody>
+                  <a:bodyPr rtlCol="0" anchor="ctr"/>
+                  <a:lstStyle/>
+                  <a:p>
+                    <a:pPr algn="ctr"/>
+                    <a:endParaRPr lang="en-US"/>
+                  </a:p>
+                </p:txBody>
+              </p:sp>
+              <p:sp>
+                <p:nvSpPr>
+                  <p:cNvPr id="11" name="Elipse 10">
+                    <a:extLst>
+                      <a:ext uri="{FF2B5EF4-FFF2-40B4-BE49-F238E27FC236}">
+                        <a16:creationId xmlns:a16="http://schemas.microsoft.com/office/drawing/2014/main" id="{67909231-35CC-AE4A-D13F-46BF3E7436DF}"/>
+                      </a:ext>
+                    </a:extLst>
+                  </p:cNvPr>
+                  <p:cNvSpPr/>
+                  <p:nvPr/>
+                </p:nvSpPr>
+                <p:spPr>
+                  <a:xfrm>
+                    <a:off x="4513226" y="4626805"/>
+                    <a:ext cx="241070" cy="241070"/>
+                  </a:xfrm>
+                  <a:prstGeom prst="ellipse">
+                    <a:avLst/>
+                  </a:prstGeom>
+                  <a:solidFill>
+                    <a:srgbClr val="6911DA"/>
+                  </a:solidFill>
+                  <a:ln>
+                    <a:noFill/>
+                  </a:ln>
+                </p:spPr>
+                <p:style>
+                  <a:lnRef idx="2">
+                    <a:schemeClr val="accent1">
+                      <a:shade val="15000"/>
+                    </a:schemeClr>
+                  </a:lnRef>
+                  <a:fillRef idx="1">
+                    <a:schemeClr val="accent1"/>
+                  </a:fillRef>
+                  <a:effectRef idx="0">
+                    <a:schemeClr val="accent1"/>
+                  </a:effectRef>
+                  <a:fontRef idx="minor">
+                    <a:schemeClr val="lt1"/>
+                  </a:fontRef>
+                </p:style>
+                <p:txBody>
+                  <a:bodyPr rtlCol="0" anchor="ctr"/>
+                  <a:lstStyle/>
+                  <a:p>
+                    <a:pPr algn="ctr"/>
+                    <a:endParaRPr lang="en-US"/>
+                  </a:p>
+                </p:txBody>
+              </p:sp>
+            </p:grpSp>
+            <p:pic>
+              <p:nvPicPr>
+                <p:cNvPr id="14" name="Gráfico 13" descr="Enviar con relleno sólido">
+                  <a:extLst>
+                    <a:ext uri="{FF2B5EF4-FFF2-40B4-BE49-F238E27FC236}">
+                      <a16:creationId xmlns:a16="http://schemas.microsoft.com/office/drawing/2014/main" id="{79D60869-54C2-7824-98DE-D97CFBF3558D}"/>
+                    </a:ext>
+                  </a:extLst>
+                </p:cNvPr>
+                <p:cNvPicPr>
+                  <a:picLocks noChangeAspect="1"/>
+                </p:cNvPicPr>
+                <p:nvPr/>
+              </p:nvPicPr>
+              <p:blipFill>
+                <a:blip r:embed="rId2">
+                  <a:extLst>
+                    <a:ext uri="{96DAC541-7B7A-43D3-8B79-37D633B846F1}">
+                      <asvg:svgBlip xmlns:asvg="http://schemas.microsoft.com/office/drawing/2016/SVG/main" r:embed="rId3"/>
+                    </a:ext>
+                  </a:extLst>
+                </a:blip>
+                <a:stretch>
+                  <a:fillRect/>
+                </a:stretch>
+              </p:blipFill>
+              <p:spPr>
+                <a:xfrm>
+                  <a:off x="5701148" y="2714839"/>
+                  <a:ext cx="714161" cy="714161"/>
+                </a:xfrm>
+                <a:prstGeom prst="rect">
+                  <a:avLst/>
+                </a:prstGeom>
+              </p:spPr>
+            </p:pic>
+          </p:grpSp>
+          <p:sp>
+            <p:nvSpPr>
+              <p:cNvPr id="16" name="CuadroTexto 15">
+                <a:extLst>
+                  <a:ext uri="{FF2B5EF4-FFF2-40B4-BE49-F238E27FC236}">
+                    <a16:creationId xmlns:a16="http://schemas.microsoft.com/office/drawing/2014/main" id="{E89D545C-28DA-50B0-0D17-7DCE4C1BF52D}"/>
+                  </a:ext>
+                </a:extLst>
+              </p:cNvPr>
+              <p:cNvSpPr txBox="1"/>
+              <p:nvPr/>
+            </p:nvSpPr>
+            <p:spPr>
+              <a:xfrm rot="20717195">
+                <a:off x="4602780" y="3570796"/>
+                <a:ext cx="2328047" cy="461665"/>
+              </a:xfrm>
+              <a:prstGeom prst="rect">
+                <a:avLst/>
+              </a:prstGeom>
+              <a:noFill/>
+            </p:spPr>
+            <p:txBody>
+              <a:bodyPr wrap="square" rtlCol="0">
+                <a:spAutoFit/>
+              </a:bodyPr>
+              <a:lstStyle/>
+              <a:p>
+                <a:pPr algn="ctr"/>
+                <a:r>
+                  <a:rPr lang="es-AR" sz="2400" dirty="0">
+                    <a:solidFill>
+                      <a:schemeClr val="bg1"/>
+                    </a:solidFill>
+                    <a:latin typeface="Pacifico" panose="020F0502020204030204" pitchFamily="2" charset="0"/>
+                  </a:rPr>
+                  <a:t>Vuela</a:t>
+                </a:r>
+                <a:endParaRPr lang="en-US" sz="2400" dirty="0">
+                  <a:solidFill>
+                    <a:schemeClr val="bg1"/>
+                  </a:solidFill>
+                  <a:latin typeface="Pacifico" panose="020F0502020204030204" pitchFamily="2" charset="0"/>
+                </a:endParaRPr>
+              </a:p>
+            </p:txBody>
+          </p:sp>
+          <p:sp>
+            <p:nvSpPr>
+              <p:cNvPr id="17" name="CuadroTexto 16">
+                <a:extLst>
+                  <a:ext uri="{FF2B5EF4-FFF2-40B4-BE49-F238E27FC236}">
+                    <a16:creationId xmlns:a16="http://schemas.microsoft.com/office/drawing/2014/main" id="{8E0C5559-8EBD-751A-2C33-C668F8839F46}"/>
+                  </a:ext>
+                </a:extLst>
+              </p:cNvPr>
+              <p:cNvSpPr txBox="1"/>
+              <p:nvPr/>
+            </p:nvSpPr>
+            <p:spPr>
+              <a:xfrm rot="20717195">
+                <a:off x="5242477" y="3956675"/>
+                <a:ext cx="2189727" cy="461665"/>
+              </a:xfrm>
+              <a:prstGeom prst="rect">
+                <a:avLst/>
+              </a:prstGeom>
+              <a:noFill/>
+            </p:spPr>
+            <p:txBody>
+              <a:bodyPr wrap="square" rtlCol="0">
+                <a:spAutoFit/>
+              </a:bodyPr>
+              <a:lstStyle/>
+              <a:p>
+                <a:pPr algn="ctr"/>
+                <a:r>
+                  <a:rPr lang="es-AR" sz="2400" dirty="0">
+                    <a:solidFill>
+                      <a:schemeClr val="bg1"/>
+                    </a:solidFill>
+                    <a:latin typeface="Pacifico" panose="020F0502020204030204" pitchFamily="2" charset="0"/>
+                  </a:rPr>
+                  <a:t>Vuela</a:t>
+                </a:r>
+                <a:endParaRPr lang="en-US" sz="2400" dirty="0">
+                  <a:solidFill>
+                    <a:schemeClr val="bg1"/>
+                  </a:solidFill>
+                  <a:latin typeface="Pacifico" panose="020F0502020204030204" pitchFamily="2" charset="0"/>
+                </a:endParaRPr>
+              </a:p>
+            </p:txBody>
+          </p:sp>
+          <p:grpSp>
+            <p:nvGrpSpPr>
+              <p:cNvPr id="32" name="Grupo 31">
+                <a:extLst>
+                  <a:ext uri="{FF2B5EF4-FFF2-40B4-BE49-F238E27FC236}">
+                    <a16:creationId xmlns:a16="http://schemas.microsoft.com/office/drawing/2014/main" id="{56AC10DA-4A10-60DA-F21A-18258BE37284}"/>
+                  </a:ext>
+                </a:extLst>
+              </p:cNvPr>
+              <p:cNvGrpSpPr/>
+              <p:nvPr/>
+            </p:nvGrpSpPr>
+            <p:grpSpPr>
+              <a:xfrm>
+                <a:off x="4664377" y="4122460"/>
+                <a:ext cx="243959" cy="378904"/>
+                <a:chOff x="4664377" y="4122460"/>
+                <a:chExt cx="243959" cy="378904"/>
+              </a:xfrm>
+            </p:grpSpPr>
+            <p:sp>
+              <p:nvSpPr>
+                <p:cNvPr id="29" name="Elipse 28">
+                  <a:extLst>
+                    <a:ext uri="{FF2B5EF4-FFF2-40B4-BE49-F238E27FC236}">
+                      <a16:creationId xmlns:a16="http://schemas.microsoft.com/office/drawing/2014/main" id="{7C7D2B40-D1F0-45C1-DD3F-81BF8C87CDC4}"/>
+                    </a:ext>
+                  </a:extLst>
+                </p:cNvPr>
+                <p:cNvSpPr/>
+                <p:nvPr/>
+              </p:nvSpPr>
+              <p:spPr>
+                <a:xfrm>
+                  <a:off x="4693406" y="4226091"/>
+                  <a:ext cx="83645" cy="83645"/>
+                </a:xfrm>
+                <a:prstGeom prst="ellipse">
+                  <a:avLst/>
+                </a:prstGeom>
+                <a:solidFill>
+                  <a:srgbClr val="F5F7F9"/>
+                </a:solidFill>
+                <a:ln>
+                  <a:noFill/>
+                </a:ln>
+              </p:spPr>
+              <p:style>
+                <a:lnRef idx="2">
+                  <a:schemeClr val="accent1">
+                    <a:shade val="15000"/>
+                  </a:schemeClr>
+                </a:lnRef>
+                <a:fillRef idx="1">
+                  <a:schemeClr val="accent1"/>
+                </a:fillRef>
+                <a:effectRef idx="0">
+                  <a:schemeClr val="accent1"/>
+                </a:effectRef>
+                <a:fontRef idx="minor">
+                  <a:schemeClr val="lt1"/>
+                </a:fontRef>
+              </p:style>
+              <p:txBody>
+                <a:bodyPr rtlCol="0" anchor="ctr"/>
+                <a:lstStyle/>
+                <a:p>
+                  <a:pPr algn="ctr"/>
+                  <a:endParaRPr lang="en-US"/>
+                </a:p>
+              </p:txBody>
+            </p:sp>
+            <p:sp>
+              <p:nvSpPr>
+                <p:cNvPr id="30" name="Elipse 29">
+                  <a:extLst>
+                    <a:ext uri="{FF2B5EF4-FFF2-40B4-BE49-F238E27FC236}">
+                      <a16:creationId xmlns:a16="http://schemas.microsoft.com/office/drawing/2014/main" id="{511B5060-84A8-03B2-B665-0988E86B5644}"/>
+                    </a:ext>
+                  </a:extLst>
+                </p:cNvPr>
+                <p:cNvSpPr/>
+                <p:nvPr/>
+              </p:nvSpPr>
+              <p:spPr>
+                <a:xfrm>
+                  <a:off x="4782336" y="4375364"/>
+                  <a:ext cx="126000" cy="126000"/>
+                </a:xfrm>
+                <a:prstGeom prst="ellipse">
+                  <a:avLst/>
+                </a:prstGeom>
+                <a:solidFill>
+                  <a:srgbClr val="F5F7F9"/>
+                </a:solidFill>
+                <a:ln>
+                  <a:noFill/>
+                </a:ln>
+              </p:spPr>
+              <p:style>
+                <a:lnRef idx="2">
+                  <a:schemeClr val="accent1">
+                    <a:shade val="15000"/>
+                  </a:schemeClr>
+                </a:lnRef>
+                <a:fillRef idx="1">
+                  <a:schemeClr val="accent1"/>
+                </a:fillRef>
+                <a:effectRef idx="0">
+                  <a:schemeClr val="accent1"/>
+                </a:effectRef>
+                <a:fontRef idx="minor">
+                  <a:schemeClr val="lt1"/>
+                </a:fontRef>
+              </p:style>
+              <p:txBody>
+                <a:bodyPr rtlCol="0" anchor="ctr"/>
+                <a:lstStyle/>
+                <a:p>
+                  <a:pPr algn="ctr"/>
+                  <a:endParaRPr lang="en-US"/>
+                </a:p>
+              </p:txBody>
+            </p:sp>
+            <p:sp>
+              <p:nvSpPr>
+                <p:cNvPr id="31" name="Elipse 30">
+                  <a:extLst>
+                    <a:ext uri="{FF2B5EF4-FFF2-40B4-BE49-F238E27FC236}">
+                      <a16:creationId xmlns:a16="http://schemas.microsoft.com/office/drawing/2014/main" id="{F16002AA-9E1A-E5D5-CADC-D02B6E37F389}"/>
+                    </a:ext>
+                  </a:extLst>
+                </p:cNvPr>
+                <p:cNvSpPr/>
+                <p:nvPr/>
+              </p:nvSpPr>
+              <p:spPr>
+                <a:xfrm rot="10517817">
+                  <a:off x="4664377" y="4122460"/>
+                  <a:ext cx="36000" cy="36000"/>
+                </a:xfrm>
+                <a:prstGeom prst="ellipse">
+                  <a:avLst/>
+                </a:prstGeom>
+                <a:solidFill>
+                  <a:srgbClr val="F5F7F9"/>
+                </a:solidFill>
+                <a:ln>
+                  <a:noFill/>
+                </a:ln>
+              </p:spPr>
+              <p:style>
+                <a:lnRef idx="2">
+                  <a:schemeClr val="accent1">
+                    <a:shade val="15000"/>
+                  </a:schemeClr>
+                </a:lnRef>
+                <a:fillRef idx="1">
+                  <a:schemeClr val="accent1"/>
+                </a:fillRef>
+                <a:effectRef idx="0">
+                  <a:schemeClr val="accent1"/>
+                </a:effectRef>
+                <a:fontRef idx="minor">
+                  <a:schemeClr val="lt1"/>
+                </a:fontRef>
+              </p:style>
+              <p:txBody>
+                <a:bodyPr rtlCol="0" anchor="ctr"/>
+                <a:lstStyle/>
+                <a:p>
+                  <a:pPr algn="ctr"/>
+                  <a:endParaRPr lang="en-US"/>
+                </a:p>
+              </p:txBody>
+            </p:sp>
+          </p:grpSp>
+          <p:grpSp>
+            <p:nvGrpSpPr>
+              <p:cNvPr id="25" name="Grupo 24">
+                <a:extLst>
+                  <a:ext uri="{FF2B5EF4-FFF2-40B4-BE49-F238E27FC236}">
+                    <a16:creationId xmlns:a16="http://schemas.microsoft.com/office/drawing/2014/main" id="{CD5480BC-66D7-FAAB-8C06-67BDE8DCE453}"/>
+                  </a:ext>
+                </a:extLst>
+              </p:cNvPr>
+              <p:cNvGrpSpPr/>
+              <p:nvPr/>
+            </p:nvGrpSpPr>
+            <p:grpSpPr>
+              <a:xfrm rot="10517817">
+                <a:off x="6709063" y="3748724"/>
+                <a:ext cx="245470" cy="283626"/>
+                <a:chOff x="5019789" y="3730426"/>
+                <a:chExt cx="245470" cy="283626"/>
+              </a:xfrm>
+            </p:grpSpPr>
+            <p:sp>
+              <p:nvSpPr>
+                <p:cNvPr id="26" name="Elipse 25">
+                  <a:extLst>
+                    <a:ext uri="{FF2B5EF4-FFF2-40B4-BE49-F238E27FC236}">
+                      <a16:creationId xmlns:a16="http://schemas.microsoft.com/office/drawing/2014/main" id="{8B5D30B1-F7A5-F723-8AA8-C39EDCA56A46}"/>
+                    </a:ext>
+                  </a:extLst>
+                </p:cNvPr>
+                <p:cNvSpPr/>
+                <p:nvPr/>
+              </p:nvSpPr>
+              <p:spPr>
+                <a:xfrm>
+                  <a:off x="5139259" y="3888052"/>
+                  <a:ext cx="126000" cy="126000"/>
+                </a:xfrm>
+                <a:prstGeom prst="ellipse">
+                  <a:avLst/>
+                </a:prstGeom>
+                <a:solidFill>
+                  <a:srgbClr val="F5F7F9"/>
+                </a:solidFill>
+                <a:ln>
+                  <a:noFill/>
+                </a:ln>
+              </p:spPr>
+              <p:style>
+                <a:lnRef idx="2">
+                  <a:schemeClr val="accent1">
+                    <a:shade val="15000"/>
+                  </a:schemeClr>
+                </a:lnRef>
+                <a:fillRef idx="1">
+                  <a:schemeClr val="accent1"/>
+                </a:fillRef>
+                <a:effectRef idx="0">
+                  <a:schemeClr val="accent1"/>
+                </a:effectRef>
+                <a:fontRef idx="minor">
+                  <a:schemeClr val="lt1"/>
+                </a:fontRef>
+              </p:style>
+              <p:txBody>
+                <a:bodyPr rtlCol="0" anchor="ctr"/>
+                <a:lstStyle/>
+                <a:p>
+                  <a:pPr algn="ctr"/>
+                  <a:endParaRPr lang="en-US"/>
+                </a:p>
+              </p:txBody>
+            </p:sp>
+            <p:sp>
+              <p:nvSpPr>
+                <p:cNvPr id="27" name="Elipse 26">
+                  <a:extLst>
+                    <a:ext uri="{FF2B5EF4-FFF2-40B4-BE49-F238E27FC236}">
+                      <a16:creationId xmlns:a16="http://schemas.microsoft.com/office/drawing/2014/main" id="{7B2F1035-8830-A8BA-B8D6-09FBDE87500C}"/>
+                    </a:ext>
+                  </a:extLst>
+                </p:cNvPr>
+                <p:cNvSpPr/>
+                <p:nvPr/>
+              </p:nvSpPr>
+              <p:spPr>
+                <a:xfrm>
+                  <a:off x="5050284" y="3730426"/>
+                  <a:ext cx="83645" cy="83645"/>
+                </a:xfrm>
+                <a:prstGeom prst="ellipse">
+                  <a:avLst/>
+                </a:prstGeom>
+                <a:solidFill>
+                  <a:srgbClr val="F5F7F9"/>
+                </a:solidFill>
+                <a:ln>
+                  <a:noFill/>
+                </a:ln>
+              </p:spPr>
+              <p:style>
+                <a:lnRef idx="2">
+                  <a:schemeClr val="accent1">
+                    <a:shade val="15000"/>
+                  </a:schemeClr>
+                </a:lnRef>
+                <a:fillRef idx="1">
+                  <a:schemeClr val="accent1"/>
+                </a:fillRef>
+                <a:effectRef idx="0">
+                  <a:schemeClr val="accent1"/>
+                </a:effectRef>
+                <a:fontRef idx="minor">
+                  <a:schemeClr val="lt1"/>
+                </a:fontRef>
+              </p:style>
+              <p:txBody>
+                <a:bodyPr rtlCol="0" anchor="ctr"/>
+                <a:lstStyle/>
+                <a:p>
+                  <a:pPr algn="ctr"/>
+                  <a:endParaRPr lang="en-US"/>
+                </a:p>
+              </p:txBody>
+            </p:sp>
+            <p:sp>
+              <p:nvSpPr>
+                <p:cNvPr id="28" name="Elipse 27">
+                  <a:extLst>
+                    <a:ext uri="{FF2B5EF4-FFF2-40B4-BE49-F238E27FC236}">
+                      <a16:creationId xmlns:a16="http://schemas.microsoft.com/office/drawing/2014/main" id="{AF12B641-67A5-BDD7-92F9-8E7711B16404}"/>
+                    </a:ext>
+                  </a:extLst>
+                </p:cNvPr>
+                <p:cNvSpPr/>
+                <p:nvPr/>
+              </p:nvSpPr>
+              <p:spPr>
+                <a:xfrm>
+                  <a:off x="5019789" y="3885260"/>
+                  <a:ext cx="36000" cy="36000"/>
+                </a:xfrm>
+                <a:prstGeom prst="ellipse">
+                  <a:avLst/>
+                </a:prstGeom>
+                <a:solidFill>
+                  <a:srgbClr val="F5F7F9"/>
+                </a:solidFill>
+                <a:ln>
+                  <a:noFill/>
+                </a:ln>
+              </p:spPr>
+              <p:style>
+                <a:lnRef idx="2">
+                  <a:schemeClr val="accent1">
+                    <a:shade val="15000"/>
+                  </a:schemeClr>
+                </a:lnRef>
+                <a:fillRef idx="1">
+                  <a:schemeClr val="accent1"/>
+                </a:fillRef>
+                <a:effectRef idx="0">
+                  <a:schemeClr val="accent1"/>
+                </a:effectRef>
+                <a:fontRef idx="minor">
+                  <a:schemeClr val="lt1"/>
+                </a:fontRef>
+              </p:style>
+              <p:txBody>
+                <a:bodyPr rtlCol="0" anchor="ctr"/>
+                <a:lstStyle/>
+                <a:p>
+                  <a:pPr algn="ctr"/>
+                  <a:endParaRPr lang="en-US"/>
+                </a:p>
+              </p:txBody>
+            </p:sp>
+          </p:grpSp>
+        </p:grpSp>
+        <p:sp>
+          <p:nvSpPr>
+            <p:cNvPr id="35" name="Elipse 34">
+              <a:extLst>
+                <a:ext uri="{FF2B5EF4-FFF2-40B4-BE49-F238E27FC236}">
+                  <a16:creationId xmlns:a16="http://schemas.microsoft.com/office/drawing/2014/main" id="{E7755720-CDED-C099-C2DF-C62E10896412}"/>
+                </a:ext>
+              </a:extLst>
+            </p:cNvPr>
+            <p:cNvSpPr/>
+            <p:nvPr/>
+          </p:nvSpPr>
+          <p:spPr>
+            <a:xfrm rot="8902455">
+              <a:off x="5010665" y="3800355"/>
+              <a:ext cx="126000" cy="126000"/>
+            </a:xfrm>
+            <a:prstGeom prst="ellipse">
+              <a:avLst/>
+            </a:prstGeom>
+            <a:solidFill>
+              <a:srgbClr val="F5F7F9"/>
+            </a:solidFill>
+            <a:ln>
+              <a:noFill/>
+            </a:ln>
+          </p:spPr>
+          <p:style>
+            <a:lnRef idx="2">
+              <a:schemeClr val="accent1">
+                <a:shade val="15000"/>
+              </a:schemeClr>
+            </a:lnRef>
+            <a:fillRef idx="1">
+              <a:schemeClr val="accent1"/>
+            </a:fillRef>
+            <a:effectRef idx="0">
+              <a:schemeClr val="accent1"/>
+            </a:effectRef>
+            <a:fontRef idx="minor">
+              <a:schemeClr val="lt1"/>
+            </a:fontRef>
+          </p:style>
+          <p:txBody>
+            <a:bodyPr rtlCol="0" anchor="ctr"/>
+            <a:lstStyle/>
+            <a:p>
+              <a:pPr algn="ctr"/>
+              <a:endParaRPr lang="en-US"/>
+            </a:p>
+          </p:txBody>
+        </p:sp>
+        <p:sp>
+          <p:nvSpPr>
+            <p:cNvPr id="36" name="Elipse 35">
+              <a:extLst>
+                <a:ext uri="{FF2B5EF4-FFF2-40B4-BE49-F238E27FC236}">
+                  <a16:creationId xmlns:a16="http://schemas.microsoft.com/office/drawing/2014/main" id="{819062B6-111D-8325-9C7F-55E1316AAF84}"/>
+                </a:ext>
+              </a:extLst>
+            </p:cNvPr>
+            <p:cNvSpPr/>
+            <p:nvPr/>
+          </p:nvSpPr>
+          <p:spPr>
+            <a:xfrm rot="8902455">
+              <a:off x="5156285" y="3990703"/>
+              <a:ext cx="83645" cy="83645"/>
+            </a:xfrm>
+            <a:prstGeom prst="ellipse">
+              <a:avLst/>
+            </a:prstGeom>
+            <a:solidFill>
+              <a:srgbClr val="F5F7F9"/>
+            </a:solidFill>
+            <a:ln>
+              <a:noFill/>
+            </a:ln>
+          </p:spPr>
+          <p:style>
+            <a:lnRef idx="2">
+              <a:schemeClr val="accent1">
+                <a:shade val="15000"/>
+              </a:schemeClr>
+            </a:lnRef>
+            <a:fillRef idx="1">
+              <a:schemeClr val="accent1"/>
+            </a:fillRef>
+            <a:effectRef idx="0">
+              <a:schemeClr val="accent1"/>
+            </a:effectRef>
+            <a:fontRef idx="minor">
+              <a:schemeClr val="lt1"/>
+            </a:fontRef>
+          </p:style>
+          <p:txBody>
+            <a:bodyPr rtlCol="0" anchor="ctr"/>
+            <a:lstStyle/>
+            <a:p>
+              <a:pPr algn="ctr"/>
+              <a:endParaRPr lang="en-US"/>
+            </a:p>
+          </p:txBody>
+        </p:sp>
+        <p:sp>
+          <p:nvSpPr>
+            <p:cNvPr id="37" name="Elipse 36">
+              <a:extLst>
+                <a:ext uri="{FF2B5EF4-FFF2-40B4-BE49-F238E27FC236}">
+                  <a16:creationId xmlns:a16="http://schemas.microsoft.com/office/drawing/2014/main" id="{FD8A92A9-6E6A-E1D2-9AF7-DBD8FDC7503E}"/>
+                </a:ext>
+              </a:extLst>
+            </p:cNvPr>
+            <p:cNvSpPr/>
+            <p:nvPr/>
+          </p:nvSpPr>
+          <p:spPr>
+            <a:xfrm rot="8902455">
+              <a:off x="5223500" y="3879501"/>
+              <a:ext cx="36000" cy="36000"/>
+            </a:xfrm>
+            <a:prstGeom prst="ellipse">
+              <a:avLst/>
+            </a:prstGeom>
+            <a:solidFill>
+              <a:srgbClr val="F5F7F9"/>
+            </a:solidFill>
+            <a:ln>
+              <a:noFill/>
+            </a:ln>
+          </p:spPr>
+          <p:style>
+            <a:lnRef idx="2">
+              <a:schemeClr val="accent1">
+                <a:shade val="15000"/>
+              </a:schemeClr>
+            </a:lnRef>
+            <a:fillRef idx="1">
+              <a:schemeClr val="accent1"/>
+            </a:fillRef>
+            <a:effectRef idx="0">
+              <a:schemeClr val="accent1"/>
+            </a:effectRef>
+            <a:fontRef idx="minor">
+              <a:schemeClr val="lt1"/>
+            </a:fontRef>
+          </p:style>
+          <p:txBody>
+            <a:bodyPr rtlCol="0" anchor="ctr"/>
+            <a:lstStyle/>
+            <a:p>
+              <a:pPr algn="ctr"/>
+              <a:endParaRPr lang="en-US"/>
+            </a:p>
+          </p:txBody>
+        </p:sp>
+      </p:grpSp>
+      <p:sp>
+        <p:nvSpPr>
+          <p:cNvPr id="39" name="Rectángulo: esquinas redondeadas 38">
+            <a:extLst>
+              <a:ext uri="{FF2B5EF4-FFF2-40B4-BE49-F238E27FC236}">
+                <a16:creationId xmlns:a16="http://schemas.microsoft.com/office/drawing/2014/main" id="{AB7CD367-BCCB-93B8-ABD8-F225F5F60E58}"/>
+              </a:ext>
+            </a:extLst>
+          </p:cNvPr>
+          <p:cNvSpPr/>
+          <p:nvPr/>
+        </p:nvSpPr>
+        <p:spPr>
+          <a:xfrm>
+            <a:off x="324757" y="177798"/>
+            <a:ext cx="725714" cy="725714"/>
+          </a:xfrm>
+          <a:prstGeom prst="roundRect">
+            <a:avLst/>
+          </a:prstGeom>
+          <a:solidFill>
+            <a:srgbClr val="25064D"/>
+          </a:solidFill>
+        </p:spPr>
+        <p:style>
+          <a:lnRef idx="2">
+            <a:schemeClr val="accent1">
+              <a:shade val="15000"/>
+            </a:schemeClr>
+          </a:lnRef>
+          <a:fillRef idx="1">
+            <a:schemeClr val="accent1"/>
+          </a:fillRef>
+          <a:effectRef idx="0">
+            <a:schemeClr val="accent1"/>
+          </a:effectRef>
+          <a:fontRef idx="minor">
+            <a:schemeClr val="lt1"/>
+          </a:fontRef>
+        </p:style>
+        <p:txBody>
+          <a:bodyPr rtlCol="0" anchor="ctr"/>
+          <a:lstStyle/>
+          <a:p>
+            <a:pPr algn="ctr"/>
+            <a:r>
+              <a:rPr lang="en-US" sz="1100" dirty="0"/>
+              <a:t>25064D</a:t>
+            </a:r>
+          </a:p>
+        </p:txBody>
+      </p:sp>
+      <p:sp>
+        <p:nvSpPr>
+          <p:cNvPr id="40" name="Rectángulo: esquinas redondeadas 39">
+            <a:extLst>
+              <a:ext uri="{FF2B5EF4-FFF2-40B4-BE49-F238E27FC236}">
+                <a16:creationId xmlns:a16="http://schemas.microsoft.com/office/drawing/2014/main" id="{2AA880D5-50CF-95B8-FA4C-3BD2E4BFA25B}"/>
+              </a:ext>
+            </a:extLst>
+          </p:cNvPr>
+          <p:cNvSpPr/>
+          <p:nvPr/>
+        </p:nvSpPr>
+        <p:spPr>
+          <a:xfrm>
+            <a:off x="324757" y="1251856"/>
+            <a:ext cx="725714" cy="725714"/>
+          </a:xfrm>
+          <a:prstGeom prst="roundRect">
+            <a:avLst/>
+          </a:prstGeom>
+          <a:solidFill>
+            <a:srgbClr val="6911DA"/>
+          </a:solidFill>
+          <a:ln>
+            <a:solidFill>
+              <a:srgbClr val="6911DA"/>
+            </a:solidFill>
+          </a:ln>
+        </p:spPr>
+        <p:style>
+          <a:lnRef idx="2">
+            <a:schemeClr val="accent1">
+              <a:shade val="15000"/>
+            </a:schemeClr>
+          </a:lnRef>
+          <a:fillRef idx="1">
+            <a:schemeClr val="accent1"/>
+          </a:fillRef>
+          <a:effectRef idx="0">
+            <a:schemeClr val="accent1"/>
+          </a:effectRef>
+          <a:fontRef idx="minor">
+            <a:schemeClr val="lt1"/>
+          </a:fontRef>
+        </p:style>
+        <p:txBody>
+          <a:bodyPr rtlCol="0" anchor="ctr"/>
+          <a:lstStyle/>
+          <a:p>
+            <a:pPr algn="ctr"/>
+            <a:r>
+              <a:rPr lang="en-US" sz="1050" dirty="0"/>
+              <a:t>6911DA</a:t>
+            </a:r>
+          </a:p>
+        </p:txBody>
+      </p:sp>
+      <p:sp>
+        <p:nvSpPr>
+          <p:cNvPr id="41" name="Rectángulo: esquinas redondeadas 40">
+            <a:extLst>
+              <a:ext uri="{FF2B5EF4-FFF2-40B4-BE49-F238E27FC236}">
+                <a16:creationId xmlns:a16="http://schemas.microsoft.com/office/drawing/2014/main" id="{F544AD61-4B48-936E-FED4-E8FAB109B174}"/>
+              </a:ext>
+            </a:extLst>
+          </p:cNvPr>
+          <p:cNvSpPr/>
+          <p:nvPr/>
+        </p:nvSpPr>
+        <p:spPr>
+          <a:xfrm>
+            <a:off x="324757" y="2325914"/>
+            <a:ext cx="725714" cy="725714"/>
+          </a:xfrm>
+          <a:prstGeom prst="roundRect">
+            <a:avLst/>
+          </a:prstGeom>
+          <a:solidFill>
+            <a:srgbClr val="D3435D"/>
+          </a:solidFill>
+          <a:ln>
+            <a:solidFill>
+              <a:srgbClr val="D3435D"/>
+            </a:solidFill>
+          </a:ln>
+        </p:spPr>
+        <p:style>
+          <a:lnRef idx="2">
+            <a:schemeClr val="accent1">
+              <a:shade val="15000"/>
+            </a:schemeClr>
+          </a:lnRef>
+          <a:fillRef idx="1">
+            <a:schemeClr val="accent1"/>
+          </a:fillRef>
+          <a:effectRef idx="0">
+            <a:schemeClr val="accent1"/>
+          </a:effectRef>
+          <a:fontRef idx="minor">
+            <a:schemeClr val="lt1"/>
+          </a:fontRef>
+        </p:style>
+        <p:txBody>
+          <a:bodyPr rtlCol="0" anchor="ctr"/>
+          <a:lstStyle/>
+          <a:p>
+            <a:pPr algn="ctr"/>
+            <a:r>
+              <a:rPr lang="en-US" sz="1050" dirty="0"/>
+              <a:t>D3435D</a:t>
+            </a:r>
+          </a:p>
+        </p:txBody>
+      </p:sp>
+      <p:sp>
+        <p:nvSpPr>
+          <p:cNvPr id="42" name="Rectángulo: esquinas redondeadas 41">
+            <a:extLst>
+              <a:ext uri="{FF2B5EF4-FFF2-40B4-BE49-F238E27FC236}">
+                <a16:creationId xmlns:a16="http://schemas.microsoft.com/office/drawing/2014/main" id="{9547BFB4-F835-49BB-ACBA-01EA591EF094}"/>
+              </a:ext>
+            </a:extLst>
+          </p:cNvPr>
+          <p:cNvSpPr/>
+          <p:nvPr/>
+        </p:nvSpPr>
+        <p:spPr>
+          <a:xfrm>
+            <a:off x="324757" y="3399972"/>
+            <a:ext cx="725714" cy="725714"/>
+          </a:xfrm>
+          <a:prstGeom prst="roundRect">
+            <a:avLst/>
+          </a:prstGeom>
+          <a:solidFill>
+            <a:srgbClr val="D0853A"/>
+          </a:solidFill>
+          <a:ln>
+            <a:solidFill>
+              <a:srgbClr val="D0853A"/>
+            </a:solidFill>
+          </a:ln>
+        </p:spPr>
+        <p:style>
+          <a:lnRef idx="2">
+            <a:schemeClr val="accent1">
+              <a:shade val="15000"/>
+            </a:schemeClr>
+          </a:lnRef>
+          <a:fillRef idx="1">
+            <a:schemeClr val="accent1"/>
+          </a:fillRef>
+          <a:effectRef idx="0">
+            <a:schemeClr val="accent1"/>
+          </a:effectRef>
+          <a:fontRef idx="minor">
+            <a:schemeClr val="lt1"/>
+          </a:fontRef>
+        </p:style>
+        <p:txBody>
+          <a:bodyPr rtlCol="0" anchor="ctr"/>
+          <a:lstStyle/>
+          <a:p>
+            <a:pPr algn="ctr"/>
+            <a:r>
+              <a:rPr lang="en-US" sz="1000" dirty="0"/>
+              <a:t>D0853A</a:t>
+            </a:r>
+          </a:p>
+        </p:txBody>
+      </p:sp>
+      <p:sp>
+        <p:nvSpPr>
+          <p:cNvPr id="43" name="Rectángulo: esquinas redondeadas 42">
+            <a:extLst>
+              <a:ext uri="{FF2B5EF4-FFF2-40B4-BE49-F238E27FC236}">
+                <a16:creationId xmlns:a16="http://schemas.microsoft.com/office/drawing/2014/main" id="{F74BACFB-7AC6-38EF-1DD1-F08E953553BE}"/>
+              </a:ext>
+            </a:extLst>
+          </p:cNvPr>
+          <p:cNvSpPr/>
+          <p:nvPr/>
+        </p:nvSpPr>
+        <p:spPr>
+          <a:xfrm>
+            <a:off x="324757" y="4474030"/>
+            <a:ext cx="725714" cy="725714"/>
+          </a:xfrm>
+          <a:prstGeom prst="roundRect">
+            <a:avLst/>
+          </a:prstGeom>
+          <a:solidFill>
+            <a:srgbClr val="073ED1"/>
+          </a:solidFill>
+          <a:ln>
+            <a:solidFill>
+              <a:srgbClr val="073ED1"/>
+            </a:solidFill>
+          </a:ln>
+        </p:spPr>
+        <p:style>
+          <a:lnRef idx="2">
+            <a:schemeClr val="accent1">
+              <a:shade val="15000"/>
+            </a:schemeClr>
+          </a:lnRef>
+          <a:fillRef idx="1">
+            <a:schemeClr val="accent1"/>
+          </a:fillRef>
+          <a:effectRef idx="0">
+            <a:schemeClr val="accent1"/>
+          </a:effectRef>
+          <a:fontRef idx="minor">
+            <a:schemeClr val="lt1"/>
+          </a:fontRef>
+        </p:style>
+        <p:txBody>
+          <a:bodyPr rtlCol="0" anchor="ctr"/>
+          <a:lstStyle/>
+          <a:p>
+            <a:pPr algn="ctr"/>
+            <a:r>
+              <a:rPr lang="en-US" sz="1100" dirty="0"/>
+              <a:t>073ED1</a:t>
+            </a:r>
+          </a:p>
+        </p:txBody>
+      </p:sp>
+      <p:sp>
+        <p:nvSpPr>
+          <p:cNvPr id="44" name="Rectángulo: esquinas redondeadas 43">
+            <a:extLst>
+              <a:ext uri="{FF2B5EF4-FFF2-40B4-BE49-F238E27FC236}">
+                <a16:creationId xmlns:a16="http://schemas.microsoft.com/office/drawing/2014/main" id="{E98382D9-784F-65EE-61D8-011D9A5B69CC}"/>
+              </a:ext>
+            </a:extLst>
+          </p:cNvPr>
+          <p:cNvSpPr/>
+          <p:nvPr/>
+        </p:nvSpPr>
+        <p:spPr>
+          <a:xfrm>
+            <a:off x="324757" y="5584834"/>
+            <a:ext cx="725714" cy="725714"/>
+          </a:xfrm>
+          <a:prstGeom prst="roundRect">
+            <a:avLst/>
+          </a:prstGeom>
+          <a:solidFill>
+            <a:srgbClr val="F5F7F9"/>
+          </a:solidFill>
+          <a:ln>
+            <a:noFill/>
+          </a:ln>
+        </p:spPr>
+        <p:style>
+          <a:lnRef idx="2">
+            <a:schemeClr val="accent1">
+              <a:shade val="15000"/>
+            </a:schemeClr>
+          </a:lnRef>
+          <a:fillRef idx="1">
+            <a:schemeClr val="accent1"/>
+          </a:fillRef>
+          <a:effectRef idx="0">
+            <a:schemeClr val="accent1"/>
+          </a:effectRef>
+          <a:fontRef idx="minor">
+            <a:schemeClr val="lt1"/>
+          </a:fontRef>
+        </p:style>
+        <p:txBody>
+          <a:bodyPr rtlCol="0" anchor="ctr"/>
+          <a:lstStyle/>
+          <a:p>
+            <a:pPr algn="ctr"/>
+            <a:r>
+              <a:rPr lang="en-US" sz="1100" dirty="0">
+                <a:solidFill>
+                  <a:sysClr val="windowText" lastClr="000000"/>
+                </a:solidFill>
+              </a:rPr>
+              <a:t>F5F7F9</a:t>
+            </a:r>
+          </a:p>
+        </p:txBody>
+      </p:sp>
+    </p:spTree>
+    <p:extLst>
+      <p:ext uri="{BB962C8B-B14F-4D97-AF65-F5344CB8AC3E}">
+        <p14:creationId xmlns:p14="http://schemas.microsoft.com/office/powerpoint/2010/main" val="875540568"/>
+      </p:ext>
+    </p:extLst>
+  </p:cSld>
+  <p:clrMapOvr>
+    <a:masterClrMapping/>
+  </p:clrMapOvr>
+</p:sld>
+</file>
+
+<file path=ppt/slides/slide3.xml><?xml version="1.0" encoding="utf-8"?>
+<p:sld xmlns:a="http://schemas.openxmlformats.org/drawingml/2006/main" xmlns:r="http://schemas.openxmlformats.org/officeDocument/2006/relationships" xmlns:p="http://schemas.openxmlformats.org/presentationml/2006/main">
+  <p:cSld>
     <p:bg>
       <p:bgPr>
         <a:solidFill>
@@ -3557,42 +6820,12 @@
           </a:prstGeom>
         </p:spPr>
       </p:pic>
-    </p:spTree>
-    <p:extLst>
-      <p:ext uri="{BB962C8B-B14F-4D97-AF65-F5344CB8AC3E}">
-        <p14:creationId xmlns:p14="http://schemas.microsoft.com/office/powerpoint/2010/main" val="457938791"/>
-      </p:ext>
-    </p:extLst>
-  </p:cSld>
-  <p:clrMapOvr>
-    <a:masterClrMapping/>
-  </p:clrMapOvr>
-</p:sld>
-</file>
-
-<file path=ppt/slides/slide2.xml><?xml version="1.0" encoding="utf-8"?>
-<p:sld xmlns:a="http://schemas.openxmlformats.org/drawingml/2006/main" xmlns:r="http://schemas.openxmlformats.org/officeDocument/2006/relationships" xmlns:p="http://schemas.openxmlformats.org/presentationml/2006/main">
-  <p:cSld>
-    <p:spTree>
-      <p:nvGrpSpPr>
-        <p:cNvPr id="1" name=""/>
-        <p:cNvGrpSpPr/>
-        <p:nvPr/>
-      </p:nvGrpSpPr>
-      <p:grpSpPr>
-        <a:xfrm>
-          <a:off x="0" y="0"/>
-          <a:ext cx="0" cy="0"/>
-          <a:chOff x="0" y="0"/>
-          <a:chExt cx="0" cy="0"/>
-        </a:xfrm>
-      </p:grpSpPr>
       <p:sp>
         <p:nvSpPr>
-          <p:cNvPr id="6" name="Rectángulo: esquinas redondeadas 5">
+          <p:cNvPr id="4" name="Elipse 3">
             <a:extLst>
               <a:ext uri="{FF2B5EF4-FFF2-40B4-BE49-F238E27FC236}">
-                <a16:creationId xmlns:a16="http://schemas.microsoft.com/office/drawing/2014/main" id="{AFD73090-6106-3869-0F14-3BE6AAAAA7A1}"/>
+                <a16:creationId xmlns:a16="http://schemas.microsoft.com/office/drawing/2014/main" id="{5AACAB47-AA6D-FEC7-8520-4CCD76A3402B}"/>
               </a:ext>
             </a:extLst>
           </p:cNvPr>
@@ -3601,71 +6834,17 @@
         </p:nvSpPr>
         <p:spPr>
           <a:xfrm>
-            <a:off x="324757" y="177798"/>
-            <a:ext cx="725714" cy="725714"/>
+            <a:off x="914218" y="1043248"/>
+            <a:ext cx="2514600" cy="2556164"/>
           </a:xfrm>
-          <a:prstGeom prst="roundRect">
+          <a:prstGeom prst="ellipse">
             <a:avLst/>
           </a:prstGeom>
           <a:solidFill>
-            <a:srgbClr val="25064D"/>
-          </a:solidFill>
-        </p:spPr>
-        <p:style>
-          <a:lnRef idx="2">
-            <a:schemeClr val="accent1">
-              <a:shade val="15000"/>
-            </a:schemeClr>
-          </a:lnRef>
-          <a:fillRef idx="1">
-            <a:schemeClr val="accent1"/>
-          </a:fillRef>
-          <a:effectRef idx="0">
-            <a:schemeClr val="accent1"/>
-          </a:effectRef>
-          <a:fontRef idx="minor">
-            <a:schemeClr val="lt1"/>
-          </a:fontRef>
-        </p:style>
-        <p:txBody>
-          <a:bodyPr rtlCol="0" anchor="ctr"/>
-          <a:lstStyle/>
-          <a:p>
-            <a:pPr algn="ctr"/>
-            <a:r>
-              <a:rPr lang="en-US" sz="1100" dirty="0"/>
-              <a:t>25064D</a:t>
-            </a:r>
-          </a:p>
-        </p:txBody>
-      </p:sp>
-      <p:sp>
-        <p:nvSpPr>
-          <p:cNvPr id="7" name="Rectángulo: esquinas redondeadas 6">
-            <a:extLst>
-              <a:ext uri="{FF2B5EF4-FFF2-40B4-BE49-F238E27FC236}">
-                <a16:creationId xmlns:a16="http://schemas.microsoft.com/office/drawing/2014/main" id="{CAB09AD7-7568-6860-54E4-5BCB800B6C47}"/>
-              </a:ext>
-            </a:extLst>
-          </p:cNvPr>
-          <p:cNvSpPr/>
-          <p:nvPr/>
-        </p:nvSpPr>
-        <p:spPr>
-          <a:xfrm>
-            <a:off x="324757" y="1251856"/>
-            <a:ext cx="725714" cy="725714"/>
-          </a:xfrm>
-          <a:prstGeom prst="roundRect">
-            <a:avLst/>
-          </a:prstGeom>
-          <a:solidFill>
-            <a:srgbClr val="6911DA"/>
+            <a:srgbClr val="5020C7"/>
           </a:solidFill>
           <a:ln>
-            <a:solidFill>
-              <a:srgbClr val="6911DA"/>
-            </a:solidFill>
+            <a:noFill/>
           </a:ln>
         </p:spPr>
         <p:style>
@@ -3689,19 +6868,16 @@
           <a:lstStyle/>
           <a:p>
             <a:pPr algn="ctr"/>
-            <a:r>
-              <a:rPr lang="en-US" sz="1050" dirty="0"/>
-              <a:t>6911DA</a:t>
-            </a:r>
+            <a:endParaRPr lang="en-US"/>
           </a:p>
         </p:txBody>
       </p:sp>
       <p:sp>
         <p:nvSpPr>
-          <p:cNvPr id="8" name="Rectángulo: esquinas redondeadas 7">
+          <p:cNvPr id="9" name="Elipse 8">
             <a:extLst>
               <a:ext uri="{FF2B5EF4-FFF2-40B4-BE49-F238E27FC236}">
-                <a16:creationId xmlns:a16="http://schemas.microsoft.com/office/drawing/2014/main" id="{6322A883-A445-827F-9C3C-28728895215C}"/>
+                <a16:creationId xmlns:a16="http://schemas.microsoft.com/office/drawing/2014/main" id="{848131E9-71B8-390A-B209-4C1CA9ED998D}"/>
               </a:ext>
             </a:extLst>
           </p:cNvPr>
@@ -3710,19 +6886,17 @@
         </p:nvSpPr>
         <p:spPr>
           <a:xfrm>
-            <a:off x="324757" y="2325914"/>
-            <a:ext cx="725714" cy="725714"/>
+            <a:off x="2273522" y="798022"/>
+            <a:ext cx="1767373" cy="1767373"/>
           </a:xfrm>
-          <a:prstGeom prst="roundRect">
+          <a:prstGeom prst="ellipse">
             <a:avLst/>
           </a:prstGeom>
           <a:solidFill>
             <a:srgbClr val="D3435D"/>
           </a:solidFill>
           <a:ln>
-            <a:solidFill>
-              <a:srgbClr val="D3435D"/>
-            </a:solidFill>
+            <a:noFill/>
           </a:ln>
         </p:spPr>
         <p:style>
@@ -3746,19 +6920,16 @@
           <a:lstStyle/>
           <a:p>
             <a:pPr algn="ctr"/>
-            <a:r>
-              <a:rPr lang="en-US" sz="1050" dirty="0"/>
-              <a:t>D3435D</a:t>
-            </a:r>
+            <a:endParaRPr lang="en-US"/>
           </a:p>
         </p:txBody>
       </p:sp>
       <p:sp>
         <p:nvSpPr>
-          <p:cNvPr id="9" name="Rectángulo: esquinas redondeadas 8">
+          <p:cNvPr id="12" name="Elipse 11">
             <a:extLst>
               <a:ext uri="{FF2B5EF4-FFF2-40B4-BE49-F238E27FC236}">
-                <a16:creationId xmlns:a16="http://schemas.microsoft.com/office/drawing/2014/main" id="{41C83B2A-6666-EE24-0618-CCA1D32A2BC0}"/>
+                <a16:creationId xmlns:a16="http://schemas.microsoft.com/office/drawing/2014/main" id="{B59C8B20-5D48-77E5-6F5C-5E3D9A6B2B1B}"/>
               </a:ext>
             </a:extLst>
           </p:cNvPr>
@@ -3767,19 +6938,19 @@
         </p:nvSpPr>
         <p:spPr>
           <a:xfrm>
-            <a:off x="324757" y="3399972"/>
-            <a:ext cx="725714" cy="725714"/>
+            <a:off x="642608" y="1168672"/>
+            <a:ext cx="2514600" cy="2556164"/>
           </a:xfrm>
-          <a:prstGeom prst="roundRect">
+          <a:prstGeom prst="ellipse">
             <a:avLst/>
           </a:prstGeom>
           <a:solidFill>
-            <a:srgbClr val="D0853A"/>
+            <a:srgbClr val="300764">
+              <a:alpha val="73000"/>
+            </a:srgbClr>
           </a:solidFill>
           <a:ln>
-            <a:solidFill>
-              <a:srgbClr val="D0853A"/>
-            </a:solidFill>
+            <a:noFill/>
           </a:ln>
         </p:spPr>
         <p:style>
@@ -3803,19 +6974,16 @@
           <a:lstStyle/>
           <a:p>
             <a:pPr algn="ctr"/>
-            <a:r>
-              <a:rPr lang="en-US" sz="1000" dirty="0"/>
-              <a:t>D0853A</a:t>
-            </a:r>
+            <a:endParaRPr lang="en-US"/>
           </a:p>
         </p:txBody>
       </p:sp>
       <p:sp>
         <p:nvSpPr>
-          <p:cNvPr id="11" name="Rectángulo: esquinas redondeadas 10">
+          <p:cNvPr id="15" name="Elipse 14">
             <a:extLst>
               <a:ext uri="{FF2B5EF4-FFF2-40B4-BE49-F238E27FC236}">
-                <a16:creationId xmlns:a16="http://schemas.microsoft.com/office/drawing/2014/main" id="{1F3B8D5A-ADA5-0067-F481-7655864D5BE1}"/>
+                <a16:creationId xmlns:a16="http://schemas.microsoft.com/office/drawing/2014/main" id="{12829906-0E21-786D-5386-A23AC2498759}"/>
               </a:ext>
             </a:extLst>
           </p:cNvPr>
@@ -3824,19 +6992,17 @@
         </p:nvSpPr>
         <p:spPr>
           <a:xfrm>
-            <a:off x="324757" y="4474030"/>
-            <a:ext cx="725714" cy="725714"/>
+            <a:off x="1050659" y="825806"/>
+            <a:ext cx="2795215" cy="2841417"/>
           </a:xfrm>
-          <a:prstGeom prst="roundRect">
+          <a:prstGeom prst="ellipse">
             <a:avLst/>
           </a:prstGeom>
           <a:solidFill>
             <a:srgbClr val="073ED1"/>
           </a:solidFill>
           <a:ln>
-            <a:solidFill>
-              <a:srgbClr val="073ED1"/>
-            </a:solidFill>
+            <a:noFill/>
           </a:ln>
         </p:spPr>
         <p:style>
@@ -3860,17 +7026,2733 @@
           <a:lstStyle/>
           <a:p>
             <a:pPr algn="ctr"/>
-            <a:r>
-              <a:rPr lang="en-US" sz="1100" dirty="0"/>
-              <a:t>073ED1</a:t>
-            </a:r>
+            <a:endParaRPr lang="en-US"/>
+          </a:p>
+        </p:txBody>
+      </p:sp>
+      <p:sp>
+        <p:nvSpPr>
+          <p:cNvPr id="8" name="Elipse 7">
+            <a:extLst>
+              <a:ext uri="{FF2B5EF4-FFF2-40B4-BE49-F238E27FC236}">
+                <a16:creationId xmlns:a16="http://schemas.microsoft.com/office/drawing/2014/main" id="{0330114D-F66B-784C-CB24-67B0B4ADD06E}"/>
+              </a:ext>
+            </a:extLst>
+          </p:cNvPr>
+          <p:cNvSpPr/>
+          <p:nvPr/>
+        </p:nvSpPr>
+        <p:spPr>
+          <a:xfrm>
+            <a:off x="852193" y="648793"/>
+            <a:ext cx="2795215" cy="2841417"/>
+          </a:xfrm>
+          <a:prstGeom prst="ellipse">
+            <a:avLst/>
+          </a:prstGeom>
+          <a:solidFill>
+            <a:srgbClr val="69235F">
+              <a:alpha val="64000"/>
+            </a:srgbClr>
+          </a:solidFill>
+          <a:ln>
+            <a:noFill/>
+          </a:ln>
+        </p:spPr>
+        <p:style>
+          <a:lnRef idx="2">
+            <a:schemeClr val="accent1">
+              <a:shade val="15000"/>
+            </a:schemeClr>
+          </a:lnRef>
+          <a:fillRef idx="1">
+            <a:schemeClr val="accent1"/>
+          </a:fillRef>
+          <a:effectRef idx="0">
+            <a:schemeClr val="accent1"/>
+          </a:effectRef>
+          <a:fontRef idx="minor">
+            <a:schemeClr val="lt1"/>
+          </a:fontRef>
+        </p:style>
+        <p:txBody>
+          <a:bodyPr rtlCol="0" anchor="ctr"/>
+          <a:lstStyle/>
+          <a:p>
+            <a:pPr algn="ctr"/>
+            <a:endParaRPr lang="en-US"/>
+          </a:p>
+        </p:txBody>
+      </p:sp>
+      <p:sp>
+        <p:nvSpPr>
+          <p:cNvPr id="13" name="Elipse 12">
+            <a:extLst>
+              <a:ext uri="{FF2B5EF4-FFF2-40B4-BE49-F238E27FC236}">
+                <a16:creationId xmlns:a16="http://schemas.microsoft.com/office/drawing/2014/main" id="{120919E9-D5C7-1EEF-C776-E25FE95C1F94}"/>
+              </a:ext>
+            </a:extLst>
+          </p:cNvPr>
+          <p:cNvSpPr/>
+          <p:nvPr/>
+        </p:nvSpPr>
+        <p:spPr>
+          <a:xfrm>
+            <a:off x="862075" y="316501"/>
+            <a:ext cx="1767373" cy="1767373"/>
+          </a:xfrm>
+          <a:prstGeom prst="ellipse">
+            <a:avLst/>
+          </a:prstGeom>
+          <a:solidFill>
+            <a:srgbClr val="D0853A"/>
+          </a:solidFill>
+          <a:ln>
+            <a:noFill/>
+          </a:ln>
+        </p:spPr>
+        <p:style>
+          <a:lnRef idx="2">
+            <a:schemeClr val="accent1">
+              <a:shade val="15000"/>
+            </a:schemeClr>
+          </a:lnRef>
+          <a:fillRef idx="1">
+            <a:schemeClr val="accent1"/>
+          </a:fillRef>
+          <a:effectRef idx="0">
+            <a:schemeClr val="accent1"/>
+          </a:effectRef>
+          <a:fontRef idx="minor">
+            <a:schemeClr val="lt1"/>
+          </a:fontRef>
+        </p:style>
+        <p:txBody>
+          <a:bodyPr rtlCol="0" anchor="ctr"/>
+          <a:lstStyle/>
+          <a:p>
+            <a:pPr algn="ctr"/>
+            <a:endParaRPr lang="en-US"/>
+          </a:p>
+        </p:txBody>
+      </p:sp>
+      <p:sp>
+        <p:nvSpPr>
+          <p:cNvPr id="3" name="Elipse 2">
+            <a:extLst>
+              <a:ext uri="{FF2B5EF4-FFF2-40B4-BE49-F238E27FC236}">
+                <a16:creationId xmlns:a16="http://schemas.microsoft.com/office/drawing/2014/main" id="{A65A9877-1123-BA1B-E821-F05BEBEA46B1}"/>
+              </a:ext>
+            </a:extLst>
+          </p:cNvPr>
+          <p:cNvSpPr/>
+          <p:nvPr/>
+        </p:nvSpPr>
+        <p:spPr>
+          <a:xfrm>
+            <a:off x="932852" y="798022"/>
+            <a:ext cx="2514600" cy="2556164"/>
+          </a:xfrm>
+          <a:prstGeom prst="ellipse">
+            <a:avLst/>
+          </a:prstGeom>
+          <a:solidFill>
+            <a:srgbClr val="6911DA"/>
+          </a:solidFill>
+          <a:ln>
+            <a:noFill/>
+          </a:ln>
+        </p:spPr>
+        <p:style>
+          <a:lnRef idx="2">
+            <a:schemeClr val="accent1">
+              <a:shade val="15000"/>
+            </a:schemeClr>
+          </a:lnRef>
+          <a:fillRef idx="1">
+            <a:schemeClr val="accent1"/>
+          </a:fillRef>
+          <a:effectRef idx="0">
+            <a:schemeClr val="accent1"/>
+          </a:effectRef>
+          <a:fontRef idx="minor">
+            <a:schemeClr val="lt1"/>
+          </a:fontRef>
+        </p:style>
+        <p:txBody>
+          <a:bodyPr rtlCol="0" anchor="ctr"/>
+          <a:lstStyle/>
+          <a:p>
+            <a:pPr algn="ctr"/>
+            <a:endParaRPr lang="en-US"/>
+          </a:p>
+        </p:txBody>
+      </p:sp>
+      <p:sp>
+        <p:nvSpPr>
+          <p:cNvPr id="11" name="Elipse 10">
+            <a:extLst>
+              <a:ext uri="{FF2B5EF4-FFF2-40B4-BE49-F238E27FC236}">
+                <a16:creationId xmlns:a16="http://schemas.microsoft.com/office/drawing/2014/main" id="{867CC450-6A0C-07DF-BC8A-56FF32BF5B8E}"/>
+              </a:ext>
+            </a:extLst>
+          </p:cNvPr>
+          <p:cNvSpPr/>
+          <p:nvPr/>
+        </p:nvSpPr>
+        <p:spPr>
+          <a:xfrm>
+            <a:off x="3096629" y="390698"/>
+            <a:ext cx="241070" cy="241070"/>
+          </a:xfrm>
+          <a:prstGeom prst="ellipse">
+            <a:avLst/>
+          </a:prstGeom>
+          <a:solidFill>
+            <a:srgbClr val="D3435D"/>
+          </a:solidFill>
+          <a:ln>
+            <a:noFill/>
+          </a:ln>
+        </p:spPr>
+        <p:style>
+          <a:lnRef idx="2">
+            <a:schemeClr val="accent1">
+              <a:shade val="15000"/>
+            </a:schemeClr>
+          </a:lnRef>
+          <a:fillRef idx="1">
+            <a:schemeClr val="accent1"/>
+          </a:fillRef>
+          <a:effectRef idx="0">
+            <a:schemeClr val="accent1"/>
+          </a:effectRef>
+          <a:fontRef idx="minor">
+            <a:schemeClr val="lt1"/>
+          </a:fontRef>
+        </p:style>
+        <p:txBody>
+          <a:bodyPr rtlCol="0" anchor="ctr"/>
+          <a:lstStyle/>
+          <a:p>
+            <a:pPr algn="ctr"/>
+            <a:endParaRPr lang="en-US"/>
+          </a:p>
+        </p:txBody>
+      </p:sp>
+      <p:sp>
+        <p:nvSpPr>
+          <p:cNvPr id="2" name="Elipse 1">
+            <a:extLst>
+              <a:ext uri="{FF2B5EF4-FFF2-40B4-BE49-F238E27FC236}">
+                <a16:creationId xmlns:a16="http://schemas.microsoft.com/office/drawing/2014/main" id="{D6809453-08DC-C194-969B-BB9C0942D6F5}"/>
+              </a:ext>
+            </a:extLst>
+          </p:cNvPr>
+          <p:cNvSpPr/>
+          <p:nvPr/>
+        </p:nvSpPr>
+        <p:spPr>
+          <a:xfrm>
+            <a:off x="295142" y="1789315"/>
+            <a:ext cx="457200" cy="457200"/>
+          </a:xfrm>
+          <a:prstGeom prst="ellipse">
+            <a:avLst/>
+          </a:prstGeom>
+          <a:solidFill>
+            <a:srgbClr val="D3435D"/>
+          </a:solidFill>
+          <a:ln>
+            <a:noFill/>
+          </a:ln>
+        </p:spPr>
+        <p:style>
+          <a:lnRef idx="2">
+            <a:schemeClr val="accent1">
+              <a:shade val="15000"/>
+            </a:schemeClr>
+          </a:lnRef>
+          <a:fillRef idx="1">
+            <a:schemeClr val="accent1"/>
+          </a:fillRef>
+          <a:effectRef idx="0">
+            <a:schemeClr val="accent1"/>
+          </a:effectRef>
+          <a:fontRef idx="minor">
+            <a:schemeClr val="lt1"/>
+          </a:fontRef>
+        </p:style>
+        <p:txBody>
+          <a:bodyPr rtlCol="0" anchor="ctr"/>
+          <a:lstStyle/>
+          <a:p>
+            <a:pPr algn="ctr"/>
+            <a:endParaRPr lang="en-US"/>
+          </a:p>
+        </p:txBody>
+      </p:sp>
+      <p:sp>
+        <p:nvSpPr>
+          <p:cNvPr id="14" name="Elipse 13">
+            <a:extLst>
+              <a:ext uri="{FF2B5EF4-FFF2-40B4-BE49-F238E27FC236}">
+                <a16:creationId xmlns:a16="http://schemas.microsoft.com/office/drawing/2014/main" id="{0114EBE0-464B-A43E-F818-A4E77943DBC4}"/>
+              </a:ext>
+            </a:extLst>
+          </p:cNvPr>
+          <p:cNvSpPr/>
+          <p:nvPr/>
+        </p:nvSpPr>
+        <p:spPr>
+          <a:xfrm>
+            <a:off x="3096629" y="3483766"/>
+            <a:ext cx="241070" cy="241070"/>
+          </a:xfrm>
+          <a:prstGeom prst="ellipse">
+            <a:avLst/>
+          </a:prstGeom>
+          <a:solidFill>
+            <a:srgbClr val="D0853A"/>
+          </a:solidFill>
+          <a:ln>
+            <a:noFill/>
+          </a:ln>
+        </p:spPr>
+        <p:style>
+          <a:lnRef idx="2">
+            <a:schemeClr val="accent1">
+              <a:shade val="15000"/>
+            </a:schemeClr>
+          </a:lnRef>
+          <a:fillRef idx="1">
+            <a:schemeClr val="accent1"/>
+          </a:fillRef>
+          <a:effectRef idx="0">
+            <a:schemeClr val="accent1"/>
+          </a:effectRef>
+          <a:fontRef idx="minor">
+            <a:schemeClr val="lt1"/>
+          </a:fontRef>
+        </p:style>
+        <p:txBody>
+          <a:bodyPr rtlCol="0" anchor="ctr"/>
+          <a:lstStyle/>
+          <a:p>
+            <a:pPr algn="ctr"/>
+            <a:endParaRPr lang="en-US"/>
           </a:p>
         </p:txBody>
       </p:sp>
     </p:spTree>
     <p:extLst>
       <p:ext uri="{BB962C8B-B14F-4D97-AF65-F5344CB8AC3E}">
-        <p14:creationId xmlns:p14="http://schemas.microsoft.com/office/powerpoint/2010/main" val="4037097799"/>
+        <p14:creationId xmlns:p14="http://schemas.microsoft.com/office/powerpoint/2010/main" val="457938791"/>
+      </p:ext>
+    </p:extLst>
+  </p:cSld>
+  <p:clrMapOvr>
+    <a:masterClrMapping/>
+  </p:clrMapOvr>
+</p:sld>
+</file>
+
+<file path=ppt/slides/slide4.xml><?xml version="1.0" encoding="utf-8"?>
+<p:sld xmlns:a="http://schemas.openxmlformats.org/drawingml/2006/main" xmlns:r="http://schemas.openxmlformats.org/officeDocument/2006/relationships" xmlns:p="http://schemas.openxmlformats.org/presentationml/2006/main">
+  <p:cSld>
+    <p:spTree>
+      <p:nvGrpSpPr>
+        <p:cNvPr id="1" name=""/>
+        <p:cNvGrpSpPr/>
+        <p:nvPr/>
+      </p:nvGrpSpPr>
+      <p:grpSpPr>
+        <a:xfrm>
+          <a:off x="0" y="0"/>
+          <a:ext cx="0" cy="0"/>
+          <a:chOff x="0" y="0"/>
+          <a:chExt cx="0" cy="0"/>
+        </a:xfrm>
+      </p:grpSpPr>
+      <p:grpSp>
+        <p:nvGrpSpPr>
+          <p:cNvPr id="2" name="Grupo 1">
+            <a:extLst>
+              <a:ext uri="{FF2B5EF4-FFF2-40B4-BE49-F238E27FC236}">
+                <a16:creationId xmlns:a16="http://schemas.microsoft.com/office/drawing/2014/main" id="{1CBDCAB7-C0BB-A4CF-02A6-41904299EF42}"/>
+              </a:ext>
+            </a:extLst>
+          </p:cNvPr>
+          <p:cNvGrpSpPr/>
+          <p:nvPr/>
+        </p:nvGrpSpPr>
+        <p:grpSpPr>
+          <a:xfrm>
+            <a:off x="4122425" y="1438420"/>
+            <a:ext cx="3745753" cy="3604088"/>
+            <a:chOff x="4103571" y="1589120"/>
+            <a:chExt cx="3745753" cy="3604088"/>
+          </a:xfrm>
+        </p:grpSpPr>
+        <p:grpSp>
+          <p:nvGrpSpPr>
+            <p:cNvPr id="3" name="Grupo 2">
+              <a:extLst>
+                <a:ext uri="{FF2B5EF4-FFF2-40B4-BE49-F238E27FC236}">
+                  <a16:creationId xmlns:a16="http://schemas.microsoft.com/office/drawing/2014/main" id="{D2EA03BC-271C-53BE-D92D-C57D61A99B5E}"/>
+                </a:ext>
+              </a:extLst>
+            </p:cNvPr>
+            <p:cNvGrpSpPr/>
+            <p:nvPr/>
+          </p:nvGrpSpPr>
+          <p:grpSpPr>
+            <a:xfrm>
+              <a:off x="4103571" y="1589120"/>
+              <a:ext cx="3745753" cy="3604088"/>
+              <a:chOff x="4103571" y="1589120"/>
+              <a:chExt cx="3745753" cy="3604088"/>
+            </a:xfrm>
+          </p:grpSpPr>
+          <p:grpSp>
+            <p:nvGrpSpPr>
+              <p:cNvPr id="7" name="Grupo 6">
+                <a:extLst>
+                  <a:ext uri="{FF2B5EF4-FFF2-40B4-BE49-F238E27FC236}">
+                    <a16:creationId xmlns:a16="http://schemas.microsoft.com/office/drawing/2014/main" id="{7E258FD2-DA9B-16D4-DC53-F05F89D641BA}"/>
+                  </a:ext>
+                </a:extLst>
+              </p:cNvPr>
+              <p:cNvGrpSpPr/>
+              <p:nvPr/>
+            </p:nvGrpSpPr>
+            <p:grpSpPr>
+              <a:xfrm>
+                <a:off x="4103571" y="1589120"/>
+                <a:ext cx="3745753" cy="3604088"/>
+                <a:chOff x="4103571" y="1589120"/>
+                <a:chExt cx="3745753" cy="3604088"/>
+              </a:xfrm>
+            </p:grpSpPr>
+            <p:grpSp>
+              <p:nvGrpSpPr>
+                <p:cNvPr id="18" name="Grupo 17">
+                  <a:extLst>
+                    <a:ext uri="{FF2B5EF4-FFF2-40B4-BE49-F238E27FC236}">
+                      <a16:creationId xmlns:a16="http://schemas.microsoft.com/office/drawing/2014/main" id="{057FB82E-0E1C-A66C-2D67-16E389DB834A}"/>
+                    </a:ext>
+                  </a:extLst>
+                </p:cNvPr>
+                <p:cNvGrpSpPr/>
+                <p:nvPr/>
+              </p:nvGrpSpPr>
+              <p:grpSpPr>
+                <a:xfrm>
+                  <a:off x="4103571" y="1589120"/>
+                  <a:ext cx="3745753" cy="3604088"/>
+                  <a:chOff x="4103571" y="1589120"/>
+                  <a:chExt cx="3745753" cy="3604088"/>
+                </a:xfrm>
+              </p:grpSpPr>
+              <p:sp>
+                <p:nvSpPr>
+                  <p:cNvPr id="20" name="Elipse 19">
+                    <a:extLst>
+                      <a:ext uri="{FF2B5EF4-FFF2-40B4-BE49-F238E27FC236}">
+                        <a16:creationId xmlns:a16="http://schemas.microsoft.com/office/drawing/2014/main" id="{2D0001AF-33E5-E909-2FCD-1336DAE52235}"/>
+                      </a:ext>
+                    </a:extLst>
+                  </p:cNvPr>
+                  <p:cNvSpPr/>
+                  <p:nvPr/>
+                </p:nvSpPr>
+                <p:spPr>
+                  <a:xfrm>
+                    <a:off x="6081951" y="2070641"/>
+                    <a:ext cx="1767373" cy="1767373"/>
+                  </a:xfrm>
+                  <a:prstGeom prst="ellipse">
+                    <a:avLst/>
+                  </a:prstGeom>
+                  <a:solidFill>
+                    <a:srgbClr val="D3435D"/>
+                  </a:solidFill>
+                  <a:ln>
+                    <a:noFill/>
+                  </a:ln>
+                </p:spPr>
+                <p:style>
+                  <a:lnRef idx="2">
+                    <a:schemeClr val="accent1">
+                      <a:shade val="15000"/>
+                    </a:schemeClr>
+                  </a:lnRef>
+                  <a:fillRef idx="1">
+                    <a:schemeClr val="accent1"/>
+                  </a:fillRef>
+                  <a:effectRef idx="0">
+                    <a:schemeClr val="accent1"/>
+                  </a:effectRef>
+                  <a:fontRef idx="minor">
+                    <a:schemeClr val="lt1"/>
+                  </a:fontRef>
+                </p:style>
+                <p:txBody>
+                  <a:bodyPr rtlCol="0" anchor="ctr"/>
+                  <a:lstStyle/>
+                  <a:p>
+                    <a:pPr algn="ctr"/>
+                    <a:endParaRPr lang="en-US"/>
+                  </a:p>
+                </p:txBody>
+              </p:sp>
+              <p:sp>
+                <p:nvSpPr>
+                  <p:cNvPr id="21" name="Elipse 20">
+                    <a:extLst>
+                      <a:ext uri="{FF2B5EF4-FFF2-40B4-BE49-F238E27FC236}">
+                        <a16:creationId xmlns:a16="http://schemas.microsoft.com/office/drawing/2014/main" id="{E8F58E96-317C-3ACC-82EB-D3712E19180E}"/>
+                      </a:ext>
+                    </a:extLst>
+                  </p:cNvPr>
+                  <p:cNvSpPr/>
+                  <p:nvPr/>
+                </p:nvSpPr>
+                <p:spPr>
+                  <a:xfrm>
+                    <a:off x="4451037" y="2441291"/>
+                    <a:ext cx="2514600" cy="2556164"/>
+                  </a:xfrm>
+                  <a:prstGeom prst="ellipse">
+                    <a:avLst/>
+                  </a:prstGeom>
+                  <a:solidFill>
+                    <a:srgbClr val="300764">
+                      <a:alpha val="73000"/>
+                    </a:srgbClr>
+                  </a:solidFill>
+                  <a:ln>
+                    <a:noFill/>
+                  </a:ln>
+                </p:spPr>
+                <p:style>
+                  <a:lnRef idx="2">
+                    <a:schemeClr val="accent1">
+                      <a:shade val="15000"/>
+                    </a:schemeClr>
+                  </a:lnRef>
+                  <a:fillRef idx="1">
+                    <a:schemeClr val="accent1"/>
+                  </a:fillRef>
+                  <a:effectRef idx="0">
+                    <a:schemeClr val="accent1"/>
+                  </a:effectRef>
+                  <a:fontRef idx="minor">
+                    <a:schemeClr val="lt1"/>
+                  </a:fontRef>
+                </p:style>
+                <p:txBody>
+                  <a:bodyPr rtlCol="0" anchor="ctr"/>
+                  <a:lstStyle/>
+                  <a:p>
+                    <a:pPr algn="ctr"/>
+                    <a:endParaRPr lang="en-US"/>
+                  </a:p>
+                </p:txBody>
+              </p:sp>
+              <p:sp>
+                <p:nvSpPr>
+                  <p:cNvPr id="22" name="Elipse 21">
+                    <a:extLst>
+                      <a:ext uri="{FF2B5EF4-FFF2-40B4-BE49-F238E27FC236}">
+                        <a16:creationId xmlns:a16="http://schemas.microsoft.com/office/drawing/2014/main" id="{28549F7E-354B-DBA4-69FD-EC076AE1CF72}"/>
+                      </a:ext>
+                    </a:extLst>
+                  </p:cNvPr>
+                  <p:cNvSpPr/>
+                  <p:nvPr/>
+                </p:nvSpPr>
+                <p:spPr>
+                  <a:xfrm>
+                    <a:off x="4859088" y="2098425"/>
+                    <a:ext cx="2795215" cy="2841417"/>
+                  </a:xfrm>
+                  <a:prstGeom prst="ellipse">
+                    <a:avLst/>
+                  </a:prstGeom>
+                  <a:solidFill>
+                    <a:srgbClr val="073ED1"/>
+                  </a:solidFill>
+                  <a:ln>
+                    <a:noFill/>
+                  </a:ln>
+                </p:spPr>
+                <p:style>
+                  <a:lnRef idx="2">
+                    <a:schemeClr val="accent1">
+                      <a:shade val="15000"/>
+                    </a:schemeClr>
+                  </a:lnRef>
+                  <a:fillRef idx="1">
+                    <a:schemeClr val="accent1"/>
+                  </a:fillRef>
+                  <a:effectRef idx="0">
+                    <a:schemeClr val="accent1"/>
+                  </a:effectRef>
+                  <a:fontRef idx="minor">
+                    <a:schemeClr val="lt1"/>
+                  </a:fontRef>
+                </p:style>
+                <p:txBody>
+                  <a:bodyPr rtlCol="0" anchor="ctr"/>
+                  <a:lstStyle/>
+                  <a:p>
+                    <a:pPr algn="ctr"/>
+                    <a:endParaRPr lang="en-US"/>
+                  </a:p>
+                </p:txBody>
+              </p:sp>
+              <p:sp>
+                <p:nvSpPr>
+                  <p:cNvPr id="23" name="Elipse 22">
+                    <a:extLst>
+                      <a:ext uri="{FF2B5EF4-FFF2-40B4-BE49-F238E27FC236}">
+                        <a16:creationId xmlns:a16="http://schemas.microsoft.com/office/drawing/2014/main" id="{17DB62A9-1F2B-EAD5-65AC-294E54A8597E}"/>
+                      </a:ext>
+                    </a:extLst>
+                  </p:cNvPr>
+                  <p:cNvSpPr/>
+                  <p:nvPr/>
+                </p:nvSpPr>
+                <p:spPr>
+                  <a:xfrm>
+                    <a:off x="4660622" y="1921412"/>
+                    <a:ext cx="2795215" cy="2841417"/>
+                  </a:xfrm>
+                  <a:prstGeom prst="ellipse">
+                    <a:avLst/>
+                  </a:prstGeom>
+                  <a:solidFill>
+                    <a:srgbClr val="69235F">
+                      <a:alpha val="64000"/>
+                    </a:srgbClr>
+                  </a:solidFill>
+                  <a:ln>
+                    <a:noFill/>
+                  </a:ln>
+                </p:spPr>
+                <p:style>
+                  <a:lnRef idx="2">
+                    <a:schemeClr val="accent1">
+                      <a:shade val="15000"/>
+                    </a:schemeClr>
+                  </a:lnRef>
+                  <a:fillRef idx="1">
+                    <a:schemeClr val="accent1"/>
+                  </a:fillRef>
+                  <a:effectRef idx="0">
+                    <a:schemeClr val="accent1"/>
+                  </a:effectRef>
+                  <a:fontRef idx="minor">
+                    <a:schemeClr val="lt1"/>
+                  </a:fontRef>
+                </p:style>
+                <p:txBody>
+                  <a:bodyPr rtlCol="0" anchor="ctr"/>
+                  <a:lstStyle/>
+                  <a:p>
+                    <a:pPr algn="ctr"/>
+                    <a:endParaRPr lang="en-US"/>
+                  </a:p>
+                </p:txBody>
+              </p:sp>
+              <p:sp>
+                <p:nvSpPr>
+                  <p:cNvPr id="24" name="Elipse 23">
+                    <a:extLst>
+                      <a:ext uri="{FF2B5EF4-FFF2-40B4-BE49-F238E27FC236}">
+                        <a16:creationId xmlns:a16="http://schemas.microsoft.com/office/drawing/2014/main" id="{E4AD7F24-ED9B-2216-90EB-0D6DC03E1C8D}"/>
+                      </a:ext>
+                    </a:extLst>
+                  </p:cNvPr>
+                  <p:cNvSpPr/>
+                  <p:nvPr/>
+                </p:nvSpPr>
+                <p:spPr>
+                  <a:xfrm>
+                    <a:off x="4670504" y="1589120"/>
+                    <a:ext cx="1767373" cy="1767373"/>
+                  </a:xfrm>
+                  <a:prstGeom prst="ellipse">
+                    <a:avLst/>
+                  </a:prstGeom>
+                  <a:solidFill>
+                    <a:srgbClr val="D0853A"/>
+                  </a:solidFill>
+                  <a:ln>
+                    <a:noFill/>
+                  </a:ln>
+                </p:spPr>
+                <p:style>
+                  <a:lnRef idx="2">
+                    <a:schemeClr val="accent1">
+                      <a:shade val="15000"/>
+                    </a:schemeClr>
+                  </a:lnRef>
+                  <a:fillRef idx="1">
+                    <a:schemeClr val="accent1"/>
+                  </a:fillRef>
+                  <a:effectRef idx="0">
+                    <a:schemeClr val="accent1"/>
+                  </a:effectRef>
+                  <a:fontRef idx="minor">
+                    <a:schemeClr val="lt1"/>
+                  </a:fontRef>
+                </p:style>
+                <p:txBody>
+                  <a:bodyPr rtlCol="0" anchor="ctr"/>
+                  <a:lstStyle/>
+                  <a:p>
+                    <a:pPr algn="ctr"/>
+                    <a:endParaRPr lang="en-US"/>
+                  </a:p>
+                </p:txBody>
+              </p:sp>
+              <p:sp>
+                <p:nvSpPr>
+                  <p:cNvPr id="25" name="Elipse 24">
+                    <a:extLst>
+                      <a:ext uri="{FF2B5EF4-FFF2-40B4-BE49-F238E27FC236}">
+                        <a16:creationId xmlns:a16="http://schemas.microsoft.com/office/drawing/2014/main" id="{D183D184-AA2B-FB65-D784-CE7C3D2202DD}"/>
+                      </a:ext>
+                    </a:extLst>
+                  </p:cNvPr>
+                  <p:cNvSpPr/>
+                  <p:nvPr/>
+                </p:nvSpPr>
+                <p:spPr>
+                  <a:xfrm>
+                    <a:off x="4741281" y="2070641"/>
+                    <a:ext cx="2514600" cy="2556164"/>
+                  </a:xfrm>
+                  <a:prstGeom prst="ellipse">
+                    <a:avLst/>
+                  </a:prstGeom>
+                  <a:solidFill>
+                    <a:srgbClr val="6911DA"/>
+                  </a:solidFill>
+                  <a:ln>
+                    <a:noFill/>
+                  </a:ln>
+                </p:spPr>
+                <p:style>
+                  <a:lnRef idx="2">
+                    <a:schemeClr val="accent1">
+                      <a:shade val="15000"/>
+                    </a:schemeClr>
+                  </a:lnRef>
+                  <a:fillRef idx="1">
+                    <a:schemeClr val="accent1"/>
+                  </a:fillRef>
+                  <a:effectRef idx="0">
+                    <a:schemeClr val="accent1"/>
+                  </a:effectRef>
+                  <a:fontRef idx="minor">
+                    <a:schemeClr val="lt1"/>
+                  </a:fontRef>
+                </p:style>
+                <p:txBody>
+                  <a:bodyPr rtlCol="0" anchor="ctr"/>
+                  <a:lstStyle/>
+                  <a:p>
+                    <a:pPr algn="ctr"/>
+                    <a:endParaRPr lang="en-US"/>
+                  </a:p>
+                </p:txBody>
+              </p:sp>
+              <p:sp>
+                <p:nvSpPr>
+                  <p:cNvPr id="26" name="Elipse 25">
+                    <a:extLst>
+                      <a:ext uri="{FF2B5EF4-FFF2-40B4-BE49-F238E27FC236}">
+                        <a16:creationId xmlns:a16="http://schemas.microsoft.com/office/drawing/2014/main" id="{4127DA86-4118-3659-DDCA-4FEBF19CE18C}"/>
+                      </a:ext>
+                    </a:extLst>
+                  </p:cNvPr>
+                  <p:cNvSpPr/>
+                  <p:nvPr/>
+                </p:nvSpPr>
+                <p:spPr>
+                  <a:xfrm>
+                    <a:off x="6905058" y="1663317"/>
+                    <a:ext cx="241070" cy="241070"/>
+                  </a:xfrm>
+                  <a:prstGeom prst="ellipse">
+                    <a:avLst/>
+                  </a:prstGeom>
+                  <a:solidFill>
+                    <a:srgbClr val="D3435D"/>
+                  </a:solidFill>
+                  <a:ln>
+                    <a:noFill/>
+                  </a:ln>
+                </p:spPr>
+                <p:style>
+                  <a:lnRef idx="2">
+                    <a:schemeClr val="accent1">
+                      <a:shade val="15000"/>
+                    </a:schemeClr>
+                  </a:lnRef>
+                  <a:fillRef idx="1">
+                    <a:schemeClr val="accent1"/>
+                  </a:fillRef>
+                  <a:effectRef idx="0">
+                    <a:schemeClr val="accent1"/>
+                  </a:effectRef>
+                  <a:fontRef idx="minor">
+                    <a:schemeClr val="lt1"/>
+                  </a:fontRef>
+                </p:style>
+                <p:txBody>
+                  <a:bodyPr rtlCol="0" anchor="ctr"/>
+                  <a:lstStyle/>
+                  <a:p>
+                    <a:pPr algn="ctr"/>
+                    <a:endParaRPr lang="en-US"/>
+                  </a:p>
+                </p:txBody>
+              </p:sp>
+              <p:sp>
+                <p:nvSpPr>
+                  <p:cNvPr id="27" name="Elipse 26">
+                    <a:extLst>
+                      <a:ext uri="{FF2B5EF4-FFF2-40B4-BE49-F238E27FC236}">
+                        <a16:creationId xmlns:a16="http://schemas.microsoft.com/office/drawing/2014/main" id="{136ABE83-AFA9-511A-F12B-F738DBD57344}"/>
+                      </a:ext>
+                    </a:extLst>
+                  </p:cNvPr>
+                  <p:cNvSpPr/>
+                  <p:nvPr/>
+                </p:nvSpPr>
+                <p:spPr>
+                  <a:xfrm>
+                    <a:off x="4103571" y="3061934"/>
+                    <a:ext cx="457200" cy="457200"/>
+                  </a:xfrm>
+                  <a:prstGeom prst="ellipse">
+                    <a:avLst/>
+                  </a:prstGeom>
+                  <a:solidFill>
+                    <a:srgbClr val="D3435D"/>
+                  </a:solidFill>
+                  <a:ln>
+                    <a:noFill/>
+                  </a:ln>
+                </p:spPr>
+                <p:style>
+                  <a:lnRef idx="2">
+                    <a:schemeClr val="accent1">
+                      <a:shade val="15000"/>
+                    </a:schemeClr>
+                  </a:lnRef>
+                  <a:fillRef idx="1">
+                    <a:schemeClr val="accent1"/>
+                  </a:fillRef>
+                  <a:effectRef idx="0">
+                    <a:schemeClr val="accent1"/>
+                  </a:effectRef>
+                  <a:fontRef idx="minor">
+                    <a:schemeClr val="lt1"/>
+                  </a:fontRef>
+                </p:style>
+                <p:txBody>
+                  <a:bodyPr rtlCol="0" anchor="ctr"/>
+                  <a:lstStyle/>
+                  <a:p>
+                    <a:pPr algn="ctr"/>
+                    <a:endParaRPr lang="en-US"/>
+                  </a:p>
+                </p:txBody>
+              </p:sp>
+              <p:sp>
+                <p:nvSpPr>
+                  <p:cNvPr id="28" name="Elipse 27">
+                    <a:extLst>
+                      <a:ext uri="{FF2B5EF4-FFF2-40B4-BE49-F238E27FC236}">
+                        <a16:creationId xmlns:a16="http://schemas.microsoft.com/office/drawing/2014/main" id="{F151EB16-6489-CD2C-4BE5-BEE6E34AA221}"/>
+                      </a:ext>
+                    </a:extLst>
+                  </p:cNvPr>
+                  <p:cNvSpPr/>
+                  <p:nvPr/>
+                </p:nvSpPr>
+                <p:spPr>
+                  <a:xfrm>
+                    <a:off x="7025615" y="4952138"/>
+                    <a:ext cx="241070" cy="241070"/>
+                  </a:xfrm>
+                  <a:prstGeom prst="ellipse">
+                    <a:avLst/>
+                  </a:prstGeom>
+                  <a:solidFill>
+                    <a:srgbClr val="D0853A"/>
+                  </a:solidFill>
+                  <a:ln>
+                    <a:noFill/>
+                  </a:ln>
+                </p:spPr>
+                <p:style>
+                  <a:lnRef idx="2">
+                    <a:schemeClr val="accent1">
+                      <a:shade val="15000"/>
+                    </a:schemeClr>
+                  </a:lnRef>
+                  <a:fillRef idx="1">
+                    <a:schemeClr val="accent1"/>
+                  </a:fillRef>
+                  <a:effectRef idx="0">
+                    <a:schemeClr val="accent1"/>
+                  </a:effectRef>
+                  <a:fontRef idx="minor">
+                    <a:schemeClr val="lt1"/>
+                  </a:fontRef>
+                </p:style>
+                <p:txBody>
+                  <a:bodyPr rtlCol="0" anchor="ctr"/>
+                  <a:lstStyle/>
+                  <a:p>
+                    <a:pPr algn="ctr"/>
+                    <a:endParaRPr lang="en-US"/>
+                  </a:p>
+                </p:txBody>
+              </p:sp>
+              <p:sp>
+                <p:nvSpPr>
+                  <p:cNvPr id="29" name="Elipse 28">
+                    <a:extLst>
+                      <a:ext uri="{FF2B5EF4-FFF2-40B4-BE49-F238E27FC236}">
+                        <a16:creationId xmlns:a16="http://schemas.microsoft.com/office/drawing/2014/main" id="{9617AED5-6768-EF82-5E9B-7A9432AEBE67}"/>
+                      </a:ext>
+                    </a:extLst>
+                  </p:cNvPr>
+                  <p:cNvSpPr/>
+                  <p:nvPr/>
+                </p:nvSpPr>
+                <p:spPr>
+                  <a:xfrm>
+                    <a:off x="4513226" y="4626805"/>
+                    <a:ext cx="241070" cy="241070"/>
+                  </a:xfrm>
+                  <a:prstGeom prst="ellipse">
+                    <a:avLst/>
+                  </a:prstGeom>
+                  <a:solidFill>
+                    <a:srgbClr val="6911DA"/>
+                  </a:solidFill>
+                  <a:ln>
+                    <a:noFill/>
+                  </a:ln>
+                </p:spPr>
+                <p:style>
+                  <a:lnRef idx="2">
+                    <a:schemeClr val="accent1">
+                      <a:shade val="15000"/>
+                    </a:schemeClr>
+                  </a:lnRef>
+                  <a:fillRef idx="1">
+                    <a:schemeClr val="accent1"/>
+                  </a:fillRef>
+                  <a:effectRef idx="0">
+                    <a:schemeClr val="accent1"/>
+                  </a:effectRef>
+                  <a:fontRef idx="minor">
+                    <a:schemeClr val="lt1"/>
+                  </a:fontRef>
+                </p:style>
+                <p:txBody>
+                  <a:bodyPr rtlCol="0" anchor="ctr"/>
+                  <a:lstStyle/>
+                  <a:p>
+                    <a:pPr algn="ctr"/>
+                    <a:endParaRPr lang="en-US"/>
+                  </a:p>
+                </p:txBody>
+              </p:sp>
+            </p:grpSp>
+            <p:pic>
+              <p:nvPicPr>
+                <p:cNvPr id="19" name="Gráfico 18" descr="Enviar con relleno sólido">
+                  <a:extLst>
+                    <a:ext uri="{FF2B5EF4-FFF2-40B4-BE49-F238E27FC236}">
+                      <a16:creationId xmlns:a16="http://schemas.microsoft.com/office/drawing/2014/main" id="{0D2BFCBE-2025-7CB3-CCAC-17DDFC8A520E}"/>
+                    </a:ext>
+                  </a:extLst>
+                </p:cNvPr>
+                <p:cNvPicPr>
+                  <a:picLocks noChangeAspect="1"/>
+                </p:cNvPicPr>
+                <p:nvPr/>
+              </p:nvPicPr>
+              <p:blipFill>
+                <a:blip r:embed="rId2">
+                  <a:extLst>
+                    <a:ext uri="{96DAC541-7B7A-43D3-8B79-37D633B846F1}">
+                      <asvg:svgBlip xmlns:asvg="http://schemas.microsoft.com/office/drawing/2016/SVG/main" r:embed="rId3"/>
+                    </a:ext>
+                  </a:extLst>
+                </a:blip>
+                <a:stretch>
+                  <a:fillRect/>
+                </a:stretch>
+              </p:blipFill>
+              <p:spPr>
+                <a:xfrm>
+                  <a:off x="5701148" y="2714839"/>
+                  <a:ext cx="714161" cy="714161"/>
+                </a:xfrm>
+                <a:prstGeom prst="rect">
+                  <a:avLst/>
+                </a:prstGeom>
+              </p:spPr>
+            </p:pic>
+          </p:grpSp>
+          <p:sp>
+            <p:nvSpPr>
+              <p:cNvPr id="8" name="CuadroTexto 7">
+                <a:extLst>
+                  <a:ext uri="{FF2B5EF4-FFF2-40B4-BE49-F238E27FC236}">
+                    <a16:creationId xmlns:a16="http://schemas.microsoft.com/office/drawing/2014/main" id="{0FCC4B35-5833-6972-0FE5-603F697FA2AC}"/>
+                  </a:ext>
+                </a:extLst>
+              </p:cNvPr>
+              <p:cNvSpPr txBox="1"/>
+              <p:nvPr/>
+            </p:nvSpPr>
+            <p:spPr>
+              <a:xfrm rot="20717195">
+                <a:off x="4602780" y="3570796"/>
+                <a:ext cx="2328047" cy="461665"/>
+              </a:xfrm>
+              <a:prstGeom prst="rect">
+                <a:avLst/>
+              </a:prstGeom>
+              <a:noFill/>
+            </p:spPr>
+            <p:txBody>
+              <a:bodyPr wrap="square" rtlCol="0">
+                <a:spAutoFit/>
+              </a:bodyPr>
+              <a:lstStyle/>
+              <a:p>
+                <a:pPr algn="ctr"/>
+                <a:r>
+                  <a:rPr lang="es-AR" sz="2400" dirty="0">
+                    <a:solidFill>
+                      <a:schemeClr val="bg1"/>
+                    </a:solidFill>
+                    <a:latin typeface="Pacifico" panose="020F0502020204030204" pitchFamily="2" charset="0"/>
+                  </a:rPr>
+                  <a:t>Vuela</a:t>
+                </a:r>
+                <a:endParaRPr lang="en-US" sz="2400" dirty="0">
+                  <a:solidFill>
+                    <a:schemeClr val="bg1"/>
+                  </a:solidFill>
+                  <a:latin typeface="Pacifico" panose="020F0502020204030204" pitchFamily="2" charset="0"/>
+                </a:endParaRPr>
+              </a:p>
+            </p:txBody>
+          </p:sp>
+          <p:sp>
+            <p:nvSpPr>
+              <p:cNvPr id="9" name="CuadroTexto 8">
+                <a:extLst>
+                  <a:ext uri="{FF2B5EF4-FFF2-40B4-BE49-F238E27FC236}">
+                    <a16:creationId xmlns:a16="http://schemas.microsoft.com/office/drawing/2014/main" id="{E08F5A69-8A26-A53C-53AB-83DAC5444B65}"/>
+                  </a:ext>
+                </a:extLst>
+              </p:cNvPr>
+              <p:cNvSpPr txBox="1"/>
+              <p:nvPr/>
+            </p:nvSpPr>
+            <p:spPr>
+              <a:xfrm rot="20717195">
+                <a:off x="5242477" y="3956675"/>
+                <a:ext cx="2189727" cy="461665"/>
+              </a:xfrm>
+              <a:prstGeom prst="rect">
+                <a:avLst/>
+              </a:prstGeom>
+              <a:noFill/>
+            </p:spPr>
+            <p:txBody>
+              <a:bodyPr wrap="square" rtlCol="0">
+                <a:spAutoFit/>
+              </a:bodyPr>
+              <a:lstStyle/>
+              <a:p>
+                <a:pPr algn="ctr"/>
+                <a:r>
+                  <a:rPr lang="es-AR" sz="2400" dirty="0">
+                    <a:solidFill>
+                      <a:schemeClr val="bg1"/>
+                    </a:solidFill>
+                    <a:latin typeface="Pacifico" panose="020F0502020204030204" pitchFamily="2" charset="0"/>
+                  </a:rPr>
+                  <a:t>Vuela</a:t>
+                </a:r>
+                <a:endParaRPr lang="en-US" sz="2400" dirty="0">
+                  <a:solidFill>
+                    <a:schemeClr val="bg1"/>
+                  </a:solidFill>
+                  <a:latin typeface="Pacifico" panose="020F0502020204030204" pitchFamily="2" charset="0"/>
+                </a:endParaRPr>
+              </a:p>
+            </p:txBody>
+          </p:sp>
+          <p:grpSp>
+            <p:nvGrpSpPr>
+              <p:cNvPr id="10" name="Grupo 9">
+                <a:extLst>
+                  <a:ext uri="{FF2B5EF4-FFF2-40B4-BE49-F238E27FC236}">
+                    <a16:creationId xmlns:a16="http://schemas.microsoft.com/office/drawing/2014/main" id="{3D478CE4-63F0-C38C-49C4-8BB52C704FE3}"/>
+                  </a:ext>
+                </a:extLst>
+              </p:cNvPr>
+              <p:cNvGrpSpPr/>
+              <p:nvPr/>
+            </p:nvGrpSpPr>
+            <p:grpSpPr>
+              <a:xfrm>
+                <a:off x="4664377" y="4122460"/>
+                <a:ext cx="243959" cy="378904"/>
+                <a:chOff x="4664377" y="4122460"/>
+                <a:chExt cx="243959" cy="378904"/>
+              </a:xfrm>
+            </p:grpSpPr>
+            <p:sp>
+              <p:nvSpPr>
+                <p:cNvPr id="15" name="Elipse 14">
+                  <a:extLst>
+                    <a:ext uri="{FF2B5EF4-FFF2-40B4-BE49-F238E27FC236}">
+                      <a16:creationId xmlns:a16="http://schemas.microsoft.com/office/drawing/2014/main" id="{00890F63-F1B8-D2A1-068C-797D61424F9E}"/>
+                    </a:ext>
+                  </a:extLst>
+                </p:cNvPr>
+                <p:cNvSpPr/>
+                <p:nvPr/>
+              </p:nvSpPr>
+              <p:spPr>
+                <a:xfrm>
+                  <a:off x="4693406" y="4226091"/>
+                  <a:ext cx="83645" cy="83645"/>
+                </a:xfrm>
+                <a:prstGeom prst="ellipse">
+                  <a:avLst/>
+                </a:prstGeom>
+                <a:solidFill>
+                  <a:srgbClr val="F5F7F9"/>
+                </a:solidFill>
+                <a:ln>
+                  <a:noFill/>
+                </a:ln>
+              </p:spPr>
+              <p:style>
+                <a:lnRef idx="2">
+                  <a:schemeClr val="accent1">
+                    <a:shade val="15000"/>
+                  </a:schemeClr>
+                </a:lnRef>
+                <a:fillRef idx="1">
+                  <a:schemeClr val="accent1"/>
+                </a:fillRef>
+                <a:effectRef idx="0">
+                  <a:schemeClr val="accent1"/>
+                </a:effectRef>
+                <a:fontRef idx="minor">
+                  <a:schemeClr val="lt1"/>
+                </a:fontRef>
+              </p:style>
+              <p:txBody>
+                <a:bodyPr rtlCol="0" anchor="ctr"/>
+                <a:lstStyle/>
+                <a:p>
+                  <a:pPr algn="ctr"/>
+                  <a:endParaRPr lang="en-US"/>
+                </a:p>
+              </p:txBody>
+            </p:sp>
+            <p:sp>
+              <p:nvSpPr>
+                <p:cNvPr id="16" name="Elipse 15">
+                  <a:extLst>
+                    <a:ext uri="{FF2B5EF4-FFF2-40B4-BE49-F238E27FC236}">
+                      <a16:creationId xmlns:a16="http://schemas.microsoft.com/office/drawing/2014/main" id="{916C796C-B8A6-5D17-BBDB-BE9D2C55B317}"/>
+                    </a:ext>
+                  </a:extLst>
+                </p:cNvPr>
+                <p:cNvSpPr/>
+                <p:nvPr/>
+              </p:nvSpPr>
+              <p:spPr>
+                <a:xfrm>
+                  <a:off x="4782336" y="4375364"/>
+                  <a:ext cx="126000" cy="126000"/>
+                </a:xfrm>
+                <a:prstGeom prst="ellipse">
+                  <a:avLst/>
+                </a:prstGeom>
+                <a:solidFill>
+                  <a:srgbClr val="F5F7F9"/>
+                </a:solidFill>
+                <a:ln>
+                  <a:noFill/>
+                </a:ln>
+              </p:spPr>
+              <p:style>
+                <a:lnRef idx="2">
+                  <a:schemeClr val="accent1">
+                    <a:shade val="15000"/>
+                  </a:schemeClr>
+                </a:lnRef>
+                <a:fillRef idx="1">
+                  <a:schemeClr val="accent1"/>
+                </a:fillRef>
+                <a:effectRef idx="0">
+                  <a:schemeClr val="accent1"/>
+                </a:effectRef>
+                <a:fontRef idx="minor">
+                  <a:schemeClr val="lt1"/>
+                </a:fontRef>
+              </p:style>
+              <p:txBody>
+                <a:bodyPr rtlCol="0" anchor="ctr"/>
+                <a:lstStyle/>
+                <a:p>
+                  <a:pPr algn="ctr"/>
+                  <a:endParaRPr lang="en-US"/>
+                </a:p>
+              </p:txBody>
+            </p:sp>
+            <p:sp>
+              <p:nvSpPr>
+                <p:cNvPr id="17" name="Elipse 16">
+                  <a:extLst>
+                    <a:ext uri="{FF2B5EF4-FFF2-40B4-BE49-F238E27FC236}">
+                      <a16:creationId xmlns:a16="http://schemas.microsoft.com/office/drawing/2014/main" id="{C2554FCE-C700-ED0B-7ACD-6719D1E9A2D0}"/>
+                    </a:ext>
+                  </a:extLst>
+                </p:cNvPr>
+                <p:cNvSpPr/>
+                <p:nvPr/>
+              </p:nvSpPr>
+              <p:spPr>
+                <a:xfrm rot="10517817">
+                  <a:off x="4664377" y="4122460"/>
+                  <a:ext cx="36000" cy="36000"/>
+                </a:xfrm>
+                <a:prstGeom prst="ellipse">
+                  <a:avLst/>
+                </a:prstGeom>
+                <a:solidFill>
+                  <a:srgbClr val="F5F7F9"/>
+                </a:solidFill>
+                <a:ln>
+                  <a:noFill/>
+                </a:ln>
+              </p:spPr>
+              <p:style>
+                <a:lnRef idx="2">
+                  <a:schemeClr val="accent1">
+                    <a:shade val="15000"/>
+                  </a:schemeClr>
+                </a:lnRef>
+                <a:fillRef idx="1">
+                  <a:schemeClr val="accent1"/>
+                </a:fillRef>
+                <a:effectRef idx="0">
+                  <a:schemeClr val="accent1"/>
+                </a:effectRef>
+                <a:fontRef idx="minor">
+                  <a:schemeClr val="lt1"/>
+                </a:fontRef>
+              </p:style>
+              <p:txBody>
+                <a:bodyPr rtlCol="0" anchor="ctr"/>
+                <a:lstStyle/>
+                <a:p>
+                  <a:pPr algn="ctr"/>
+                  <a:endParaRPr lang="en-US"/>
+                </a:p>
+              </p:txBody>
+            </p:sp>
+          </p:grpSp>
+          <p:grpSp>
+            <p:nvGrpSpPr>
+              <p:cNvPr id="11" name="Grupo 10">
+                <a:extLst>
+                  <a:ext uri="{FF2B5EF4-FFF2-40B4-BE49-F238E27FC236}">
+                    <a16:creationId xmlns:a16="http://schemas.microsoft.com/office/drawing/2014/main" id="{2E63DAE2-4AC9-E4BF-9A13-128BB2AFD7E5}"/>
+                  </a:ext>
+                </a:extLst>
+              </p:cNvPr>
+              <p:cNvGrpSpPr/>
+              <p:nvPr/>
+            </p:nvGrpSpPr>
+            <p:grpSpPr>
+              <a:xfrm rot="10517817">
+                <a:off x="6709063" y="3748724"/>
+                <a:ext cx="245470" cy="283626"/>
+                <a:chOff x="5019789" y="3730426"/>
+                <a:chExt cx="245470" cy="283626"/>
+              </a:xfrm>
+            </p:grpSpPr>
+            <p:sp>
+              <p:nvSpPr>
+                <p:cNvPr id="12" name="Elipse 11">
+                  <a:extLst>
+                    <a:ext uri="{FF2B5EF4-FFF2-40B4-BE49-F238E27FC236}">
+                      <a16:creationId xmlns:a16="http://schemas.microsoft.com/office/drawing/2014/main" id="{E080378F-0B24-A4F5-B060-44BE07AFBCF7}"/>
+                    </a:ext>
+                  </a:extLst>
+                </p:cNvPr>
+                <p:cNvSpPr/>
+                <p:nvPr/>
+              </p:nvSpPr>
+              <p:spPr>
+                <a:xfrm>
+                  <a:off x="5139259" y="3888052"/>
+                  <a:ext cx="126000" cy="126000"/>
+                </a:xfrm>
+                <a:prstGeom prst="ellipse">
+                  <a:avLst/>
+                </a:prstGeom>
+                <a:solidFill>
+                  <a:srgbClr val="F5F7F9"/>
+                </a:solidFill>
+                <a:ln>
+                  <a:noFill/>
+                </a:ln>
+              </p:spPr>
+              <p:style>
+                <a:lnRef idx="2">
+                  <a:schemeClr val="accent1">
+                    <a:shade val="15000"/>
+                  </a:schemeClr>
+                </a:lnRef>
+                <a:fillRef idx="1">
+                  <a:schemeClr val="accent1"/>
+                </a:fillRef>
+                <a:effectRef idx="0">
+                  <a:schemeClr val="accent1"/>
+                </a:effectRef>
+                <a:fontRef idx="minor">
+                  <a:schemeClr val="lt1"/>
+                </a:fontRef>
+              </p:style>
+              <p:txBody>
+                <a:bodyPr rtlCol="0" anchor="ctr"/>
+                <a:lstStyle/>
+                <a:p>
+                  <a:pPr algn="ctr"/>
+                  <a:endParaRPr lang="en-US"/>
+                </a:p>
+              </p:txBody>
+            </p:sp>
+            <p:sp>
+              <p:nvSpPr>
+                <p:cNvPr id="13" name="Elipse 12">
+                  <a:extLst>
+                    <a:ext uri="{FF2B5EF4-FFF2-40B4-BE49-F238E27FC236}">
+                      <a16:creationId xmlns:a16="http://schemas.microsoft.com/office/drawing/2014/main" id="{E1EC1DE3-8E64-EBCC-260E-5B36BAC5DDCC}"/>
+                    </a:ext>
+                  </a:extLst>
+                </p:cNvPr>
+                <p:cNvSpPr/>
+                <p:nvPr/>
+              </p:nvSpPr>
+              <p:spPr>
+                <a:xfrm>
+                  <a:off x="5050284" y="3730426"/>
+                  <a:ext cx="83645" cy="83645"/>
+                </a:xfrm>
+                <a:prstGeom prst="ellipse">
+                  <a:avLst/>
+                </a:prstGeom>
+                <a:solidFill>
+                  <a:srgbClr val="F5F7F9"/>
+                </a:solidFill>
+                <a:ln>
+                  <a:noFill/>
+                </a:ln>
+              </p:spPr>
+              <p:style>
+                <a:lnRef idx="2">
+                  <a:schemeClr val="accent1">
+                    <a:shade val="15000"/>
+                  </a:schemeClr>
+                </a:lnRef>
+                <a:fillRef idx="1">
+                  <a:schemeClr val="accent1"/>
+                </a:fillRef>
+                <a:effectRef idx="0">
+                  <a:schemeClr val="accent1"/>
+                </a:effectRef>
+                <a:fontRef idx="minor">
+                  <a:schemeClr val="lt1"/>
+                </a:fontRef>
+              </p:style>
+              <p:txBody>
+                <a:bodyPr rtlCol="0" anchor="ctr"/>
+                <a:lstStyle/>
+                <a:p>
+                  <a:pPr algn="ctr"/>
+                  <a:endParaRPr lang="en-US"/>
+                </a:p>
+              </p:txBody>
+            </p:sp>
+            <p:sp>
+              <p:nvSpPr>
+                <p:cNvPr id="14" name="Elipse 13">
+                  <a:extLst>
+                    <a:ext uri="{FF2B5EF4-FFF2-40B4-BE49-F238E27FC236}">
+                      <a16:creationId xmlns:a16="http://schemas.microsoft.com/office/drawing/2014/main" id="{53D12764-6A2D-3D14-2E74-D671F6B22AA9}"/>
+                    </a:ext>
+                  </a:extLst>
+                </p:cNvPr>
+                <p:cNvSpPr/>
+                <p:nvPr/>
+              </p:nvSpPr>
+              <p:spPr>
+                <a:xfrm>
+                  <a:off x="5019789" y="3885260"/>
+                  <a:ext cx="36000" cy="36000"/>
+                </a:xfrm>
+                <a:prstGeom prst="ellipse">
+                  <a:avLst/>
+                </a:prstGeom>
+                <a:solidFill>
+                  <a:srgbClr val="F5F7F9"/>
+                </a:solidFill>
+                <a:ln>
+                  <a:noFill/>
+                </a:ln>
+              </p:spPr>
+              <p:style>
+                <a:lnRef idx="2">
+                  <a:schemeClr val="accent1">
+                    <a:shade val="15000"/>
+                  </a:schemeClr>
+                </a:lnRef>
+                <a:fillRef idx="1">
+                  <a:schemeClr val="accent1"/>
+                </a:fillRef>
+                <a:effectRef idx="0">
+                  <a:schemeClr val="accent1"/>
+                </a:effectRef>
+                <a:fontRef idx="minor">
+                  <a:schemeClr val="lt1"/>
+                </a:fontRef>
+              </p:style>
+              <p:txBody>
+                <a:bodyPr rtlCol="0" anchor="ctr"/>
+                <a:lstStyle/>
+                <a:p>
+                  <a:pPr algn="ctr"/>
+                  <a:endParaRPr lang="en-US"/>
+                </a:p>
+              </p:txBody>
+            </p:sp>
+          </p:grpSp>
+        </p:grpSp>
+        <p:sp>
+          <p:nvSpPr>
+            <p:cNvPr id="4" name="Elipse 3">
+              <a:extLst>
+                <a:ext uri="{FF2B5EF4-FFF2-40B4-BE49-F238E27FC236}">
+                  <a16:creationId xmlns:a16="http://schemas.microsoft.com/office/drawing/2014/main" id="{07188551-9B52-57E0-95AE-B662F5E393A0}"/>
+                </a:ext>
+              </a:extLst>
+            </p:cNvPr>
+            <p:cNvSpPr/>
+            <p:nvPr/>
+          </p:nvSpPr>
+          <p:spPr>
+            <a:xfrm rot="8902455">
+              <a:off x="5010665" y="3800355"/>
+              <a:ext cx="126000" cy="126000"/>
+            </a:xfrm>
+            <a:prstGeom prst="ellipse">
+              <a:avLst/>
+            </a:prstGeom>
+            <a:solidFill>
+              <a:srgbClr val="F5F7F9"/>
+            </a:solidFill>
+            <a:ln>
+              <a:noFill/>
+            </a:ln>
+          </p:spPr>
+          <p:style>
+            <a:lnRef idx="2">
+              <a:schemeClr val="accent1">
+                <a:shade val="15000"/>
+              </a:schemeClr>
+            </a:lnRef>
+            <a:fillRef idx="1">
+              <a:schemeClr val="accent1"/>
+            </a:fillRef>
+            <a:effectRef idx="0">
+              <a:schemeClr val="accent1"/>
+            </a:effectRef>
+            <a:fontRef idx="minor">
+              <a:schemeClr val="lt1"/>
+            </a:fontRef>
+          </p:style>
+          <p:txBody>
+            <a:bodyPr rtlCol="0" anchor="ctr"/>
+            <a:lstStyle/>
+            <a:p>
+              <a:pPr algn="ctr"/>
+              <a:endParaRPr lang="en-US"/>
+            </a:p>
+          </p:txBody>
+        </p:sp>
+        <p:sp>
+          <p:nvSpPr>
+            <p:cNvPr id="5" name="Elipse 4">
+              <a:extLst>
+                <a:ext uri="{FF2B5EF4-FFF2-40B4-BE49-F238E27FC236}">
+                  <a16:creationId xmlns:a16="http://schemas.microsoft.com/office/drawing/2014/main" id="{BB5FBC54-0F16-CDC5-5457-C4C63F2B81D7}"/>
+                </a:ext>
+              </a:extLst>
+            </p:cNvPr>
+            <p:cNvSpPr/>
+            <p:nvPr/>
+          </p:nvSpPr>
+          <p:spPr>
+            <a:xfrm rot="8902455">
+              <a:off x="5156285" y="3990703"/>
+              <a:ext cx="83645" cy="83645"/>
+            </a:xfrm>
+            <a:prstGeom prst="ellipse">
+              <a:avLst/>
+            </a:prstGeom>
+            <a:solidFill>
+              <a:srgbClr val="F5F7F9"/>
+            </a:solidFill>
+            <a:ln>
+              <a:noFill/>
+            </a:ln>
+          </p:spPr>
+          <p:style>
+            <a:lnRef idx="2">
+              <a:schemeClr val="accent1">
+                <a:shade val="15000"/>
+              </a:schemeClr>
+            </a:lnRef>
+            <a:fillRef idx="1">
+              <a:schemeClr val="accent1"/>
+            </a:fillRef>
+            <a:effectRef idx="0">
+              <a:schemeClr val="accent1"/>
+            </a:effectRef>
+            <a:fontRef idx="minor">
+              <a:schemeClr val="lt1"/>
+            </a:fontRef>
+          </p:style>
+          <p:txBody>
+            <a:bodyPr rtlCol="0" anchor="ctr"/>
+            <a:lstStyle/>
+            <a:p>
+              <a:pPr algn="ctr"/>
+              <a:endParaRPr lang="en-US"/>
+            </a:p>
+          </p:txBody>
+        </p:sp>
+        <p:sp>
+          <p:nvSpPr>
+            <p:cNvPr id="6" name="Elipse 5">
+              <a:extLst>
+                <a:ext uri="{FF2B5EF4-FFF2-40B4-BE49-F238E27FC236}">
+                  <a16:creationId xmlns:a16="http://schemas.microsoft.com/office/drawing/2014/main" id="{F41C5EF2-3EFB-0C16-9C38-C468F24D9F54}"/>
+                </a:ext>
+              </a:extLst>
+            </p:cNvPr>
+            <p:cNvSpPr/>
+            <p:nvPr/>
+          </p:nvSpPr>
+          <p:spPr>
+            <a:xfrm rot="8902455">
+              <a:off x="5223500" y="3879501"/>
+              <a:ext cx="36000" cy="36000"/>
+            </a:xfrm>
+            <a:prstGeom prst="ellipse">
+              <a:avLst/>
+            </a:prstGeom>
+            <a:solidFill>
+              <a:srgbClr val="F5F7F9"/>
+            </a:solidFill>
+            <a:ln>
+              <a:noFill/>
+            </a:ln>
+          </p:spPr>
+          <p:style>
+            <a:lnRef idx="2">
+              <a:schemeClr val="accent1">
+                <a:shade val="15000"/>
+              </a:schemeClr>
+            </a:lnRef>
+            <a:fillRef idx="1">
+              <a:schemeClr val="accent1"/>
+            </a:fillRef>
+            <a:effectRef idx="0">
+              <a:schemeClr val="accent1"/>
+            </a:effectRef>
+            <a:fontRef idx="minor">
+              <a:schemeClr val="lt1"/>
+            </a:fontRef>
+          </p:style>
+          <p:txBody>
+            <a:bodyPr rtlCol="0" anchor="ctr"/>
+            <a:lstStyle/>
+            <a:p>
+              <a:pPr algn="ctr"/>
+              <a:endParaRPr lang="en-US"/>
+            </a:p>
+          </p:txBody>
+        </p:sp>
+      </p:grpSp>
+    </p:spTree>
+    <p:extLst>
+      <p:ext uri="{BB962C8B-B14F-4D97-AF65-F5344CB8AC3E}">
+        <p14:creationId xmlns:p14="http://schemas.microsoft.com/office/powerpoint/2010/main" val="1361099007"/>
+      </p:ext>
+    </p:extLst>
+  </p:cSld>
+  <p:clrMapOvr>
+    <a:masterClrMapping/>
+  </p:clrMapOvr>
+</p:sld>
+</file>
+
+<file path=ppt/slides/slide5.xml><?xml version="1.0" encoding="utf-8"?>
+<p:sld xmlns:a="http://schemas.openxmlformats.org/drawingml/2006/main" xmlns:r="http://schemas.openxmlformats.org/officeDocument/2006/relationships" xmlns:p="http://schemas.openxmlformats.org/presentationml/2006/main">
+  <p:cSld>
+    <p:spTree>
+      <p:nvGrpSpPr>
+        <p:cNvPr id="1" name=""/>
+        <p:cNvGrpSpPr/>
+        <p:nvPr/>
+      </p:nvGrpSpPr>
+      <p:grpSpPr>
+        <a:xfrm>
+          <a:off x="0" y="0"/>
+          <a:ext cx="0" cy="0"/>
+          <a:chOff x="0" y="0"/>
+          <a:chExt cx="0" cy="0"/>
+        </a:xfrm>
+      </p:grpSpPr>
+      <p:grpSp>
+        <p:nvGrpSpPr>
+          <p:cNvPr id="2" name="Grupo 1">
+            <a:extLst>
+              <a:ext uri="{FF2B5EF4-FFF2-40B4-BE49-F238E27FC236}">
+                <a16:creationId xmlns:a16="http://schemas.microsoft.com/office/drawing/2014/main" id="{860CBE0C-3D29-6D93-6FC0-38ECB330E7EE}"/>
+              </a:ext>
+            </a:extLst>
+          </p:cNvPr>
+          <p:cNvGrpSpPr/>
+          <p:nvPr/>
+        </p:nvGrpSpPr>
+        <p:grpSpPr>
+          <a:xfrm>
+            <a:off x="4122425" y="1438420"/>
+            <a:ext cx="3745753" cy="3604088"/>
+            <a:chOff x="4103571" y="1589120"/>
+            <a:chExt cx="3745753" cy="3604088"/>
+          </a:xfrm>
+        </p:grpSpPr>
+        <p:grpSp>
+          <p:nvGrpSpPr>
+            <p:cNvPr id="3" name="Grupo 2">
+              <a:extLst>
+                <a:ext uri="{FF2B5EF4-FFF2-40B4-BE49-F238E27FC236}">
+                  <a16:creationId xmlns:a16="http://schemas.microsoft.com/office/drawing/2014/main" id="{06D5A8E4-46E0-13B0-4C14-F02461E4CE4A}"/>
+                </a:ext>
+              </a:extLst>
+            </p:cNvPr>
+            <p:cNvGrpSpPr/>
+            <p:nvPr/>
+          </p:nvGrpSpPr>
+          <p:grpSpPr>
+            <a:xfrm>
+              <a:off x="4103571" y="1589120"/>
+              <a:ext cx="3745753" cy="3604088"/>
+              <a:chOff x="4103571" y="1589120"/>
+              <a:chExt cx="3745753" cy="3604088"/>
+            </a:xfrm>
+          </p:grpSpPr>
+          <p:grpSp>
+            <p:nvGrpSpPr>
+              <p:cNvPr id="18" name="Grupo 17">
+                <a:extLst>
+                  <a:ext uri="{FF2B5EF4-FFF2-40B4-BE49-F238E27FC236}">
+                    <a16:creationId xmlns:a16="http://schemas.microsoft.com/office/drawing/2014/main" id="{16838589-6687-51C7-5EE3-DFD4159C9780}"/>
+                  </a:ext>
+                </a:extLst>
+              </p:cNvPr>
+              <p:cNvGrpSpPr/>
+              <p:nvPr/>
+            </p:nvGrpSpPr>
+            <p:grpSpPr>
+              <a:xfrm>
+                <a:off x="4103571" y="1589120"/>
+                <a:ext cx="3745753" cy="3604088"/>
+                <a:chOff x="4103571" y="1589120"/>
+                <a:chExt cx="3745753" cy="3604088"/>
+              </a:xfrm>
+            </p:grpSpPr>
+            <p:sp>
+              <p:nvSpPr>
+                <p:cNvPr id="20" name="Elipse 19">
+                  <a:extLst>
+                    <a:ext uri="{FF2B5EF4-FFF2-40B4-BE49-F238E27FC236}">
+                      <a16:creationId xmlns:a16="http://schemas.microsoft.com/office/drawing/2014/main" id="{C4CEE17B-C106-FC70-C51D-7CD4B92C11AE}"/>
+                    </a:ext>
+                  </a:extLst>
+                </p:cNvPr>
+                <p:cNvSpPr/>
+                <p:nvPr/>
+              </p:nvSpPr>
+              <p:spPr>
+                <a:xfrm>
+                  <a:off x="6081951" y="2070641"/>
+                  <a:ext cx="1767373" cy="1767373"/>
+                </a:xfrm>
+                <a:prstGeom prst="ellipse">
+                  <a:avLst/>
+                </a:prstGeom>
+                <a:solidFill>
+                  <a:srgbClr val="D3435D"/>
+                </a:solidFill>
+                <a:ln>
+                  <a:noFill/>
+                </a:ln>
+              </p:spPr>
+              <p:style>
+                <a:lnRef idx="2">
+                  <a:schemeClr val="accent1">
+                    <a:shade val="15000"/>
+                  </a:schemeClr>
+                </a:lnRef>
+                <a:fillRef idx="1">
+                  <a:schemeClr val="accent1"/>
+                </a:fillRef>
+                <a:effectRef idx="0">
+                  <a:schemeClr val="accent1"/>
+                </a:effectRef>
+                <a:fontRef idx="minor">
+                  <a:schemeClr val="lt1"/>
+                </a:fontRef>
+              </p:style>
+              <p:txBody>
+                <a:bodyPr rtlCol="0" anchor="ctr"/>
+                <a:lstStyle/>
+                <a:p>
+                  <a:pPr algn="ctr"/>
+                  <a:endParaRPr lang="en-US"/>
+                </a:p>
+              </p:txBody>
+            </p:sp>
+            <p:sp>
+              <p:nvSpPr>
+                <p:cNvPr id="21" name="Elipse 20">
+                  <a:extLst>
+                    <a:ext uri="{FF2B5EF4-FFF2-40B4-BE49-F238E27FC236}">
+                      <a16:creationId xmlns:a16="http://schemas.microsoft.com/office/drawing/2014/main" id="{364A0D50-5AE9-3FF2-68BE-A35D2254A06E}"/>
+                    </a:ext>
+                  </a:extLst>
+                </p:cNvPr>
+                <p:cNvSpPr/>
+                <p:nvPr/>
+              </p:nvSpPr>
+              <p:spPr>
+                <a:xfrm>
+                  <a:off x="4451037" y="2441291"/>
+                  <a:ext cx="2514600" cy="2556164"/>
+                </a:xfrm>
+                <a:prstGeom prst="ellipse">
+                  <a:avLst/>
+                </a:prstGeom>
+                <a:solidFill>
+                  <a:srgbClr val="300764">
+                    <a:alpha val="73000"/>
+                  </a:srgbClr>
+                </a:solidFill>
+                <a:ln>
+                  <a:noFill/>
+                </a:ln>
+              </p:spPr>
+              <p:style>
+                <a:lnRef idx="2">
+                  <a:schemeClr val="accent1">
+                    <a:shade val="15000"/>
+                  </a:schemeClr>
+                </a:lnRef>
+                <a:fillRef idx="1">
+                  <a:schemeClr val="accent1"/>
+                </a:fillRef>
+                <a:effectRef idx="0">
+                  <a:schemeClr val="accent1"/>
+                </a:effectRef>
+                <a:fontRef idx="minor">
+                  <a:schemeClr val="lt1"/>
+                </a:fontRef>
+              </p:style>
+              <p:txBody>
+                <a:bodyPr rtlCol="0" anchor="ctr"/>
+                <a:lstStyle/>
+                <a:p>
+                  <a:pPr algn="ctr"/>
+                  <a:endParaRPr lang="en-US"/>
+                </a:p>
+              </p:txBody>
+            </p:sp>
+            <p:sp>
+              <p:nvSpPr>
+                <p:cNvPr id="22" name="Elipse 21">
+                  <a:extLst>
+                    <a:ext uri="{FF2B5EF4-FFF2-40B4-BE49-F238E27FC236}">
+                      <a16:creationId xmlns:a16="http://schemas.microsoft.com/office/drawing/2014/main" id="{17C87D79-D10E-69D8-391A-A74CC2F5FB67}"/>
+                    </a:ext>
+                  </a:extLst>
+                </p:cNvPr>
+                <p:cNvSpPr/>
+                <p:nvPr/>
+              </p:nvSpPr>
+              <p:spPr>
+                <a:xfrm>
+                  <a:off x="4859088" y="2098425"/>
+                  <a:ext cx="2795215" cy="2841417"/>
+                </a:xfrm>
+                <a:prstGeom prst="ellipse">
+                  <a:avLst/>
+                </a:prstGeom>
+                <a:solidFill>
+                  <a:srgbClr val="073ED1"/>
+                </a:solidFill>
+                <a:ln>
+                  <a:noFill/>
+                </a:ln>
+              </p:spPr>
+              <p:style>
+                <a:lnRef idx="2">
+                  <a:schemeClr val="accent1">
+                    <a:shade val="15000"/>
+                  </a:schemeClr>
+                </a:lnRef>
+                <a:fillRef idx="1">
+                  <a:schemeClr val="accent1"/>
+                </a:fillRef>
+                <a:effectRef idx="0">
+                  <a:schemeClr val="accent1"/>
+                </a:effectRef>
+                <a:fontRef idx="minor">
+                  <a:schemeClr val="lt1"/>
+                </a:fontRef>
+              </p:style>
+              <p:txBody>
+                <a:bodyPr rtlCol="0" anchor="ctr"/>
+                <a:lstStyle/>
+                <a:p>
+                  <a:pPr algn="ctr"/>
+                  <a:endParaRPr lang="en-US"/>
+                </a:p>
+              </p:txBody>
+            </p:sp>
+            <p:sp>
+              <p:nvSpPr>
+                <p:cNvPr id="23" name="Elipse 22">
+                  <a:extLst>
+                    <a:ext uri="{FF2B5EF4-FFF2-40B4-BE49-F238E27FC236}">
+                      <a16:creationId xmlns:a16="http://schemas.microsoft.com/office/drawing/2014/main" id="{FBE6E25B-420C-DDFD-921B-37D608C78951}"/>
+                    </a:ext>
+                  </a:extLst>
+                </p:cNvPr>
+                <p:cNvSpPr/>
+                <p:nvPr/>
+              </p:nvSpPr>
+              <p:spPr>
+                <a:xfrm>
+                  <a:off x="4660622" y="1921412"/>
+                  <a:ext cx="2795215" cy="2841417"/>
+                </a:xfrm>
+                <a:prstGeom prst="ellipse">
+                  <a:avLst/>
+                </a:prstGeom>
+                <a:solidFill>
+                  <a:srgbClr val="69235F">
+                    <a:alpha val="64000"/>
+                  </a:srgbClr>
+                </a:solidFill>
+                <a:ln>
+                  <a:noFill/>
+                </a:ln>
+              </p:spPr>
+              <p:style>
+                <a:lnRef idx="2">
+                  <a:schemeClr val="accent1">
+                    <a:shade val="15000"/>
+                  </a:schemeClr>
+                </a:lnRef>
+                <a:fillRef idx="1">
+                  <a:schemeClr val="accent1"/>
+                </a:fillRef>
+                <a:effectRef idx="0">
+                  <a:schemeClr val="accent1"/>
+                </a:effectRef>
+                <a:fontRef idx="minor">
+                  <a:schemeClr val="lt1"/>
+                </a:fontRef>
+              </p:style>
+              <p:txBody>
+                <a:bodyPr rtlCol="0" anchor="ctr"/>
+                <a:lstStyle/>
+                <a:p>
+                  <a:pPr algn="ctr"/>
+                  <a:endParaRPr lang="en-US"/>
+                </a:p>
+              </p:txBody>
+            </p:sp>
+            <p:sp>
+              <p:nvSpPr>
+                <p:cNvPr id="24" name="Elipse 23">
+                  <a:extLst>
+                    <a:ext uri="{FF2B5EF4-FFF2-40B4-BE49-F238E27FC236}">
+                      <a16:creationId xmlns:a16="http://schemas.microsoft.com/office/drawing/2014/main" id="{3D932BAF-F7EB-C250-E5F0-962BD8194576}"/>
+                    </a:ext>
+                  </a:extLst>
+                </p:cNvPr>
+                <p:cNvSpPr/>
+                <p:nvPr/>
+              </p:nvSpPr>
+              <p:spPr>
+                <a:xfrm>
+                  <a:off x="4670504" y="1589120"/>
+                  <a:ext cx="1767373" cy="1767373"/>
+                </a:xfrm>
+                <a:prstGeom prst="ellipse">
+                  <a:avLst/>
+                </a:prstGeom>
+                <a:solidFill>
+                  <a:srgbClr val="D0853A"/>
+                </a:solidFill>
+                <a:ln>
+                  <a:noFill/>
+                </a:ln>
+              </p:spPr>
+              <p:style>
+                <a:lnRef idx="2">
+                  <a:schemeClr val="accent1">
+                    <a:shade val="15000"/>
+                  </a:schemeClr>
+                </a:lnRef>
+                <a:fillRef idx="1">
+                  <a:schemeClr val="accent1"/>
+                </a:fillRef>
+                <a:effectRef idx="0">
+                  <a:schemeClr val="accent1"/>
+                </a:effectRef>
+                <a:fontRef idx="minor">
+                  <a:schemeClr val="lt1"/>
+                </a:fontRef>
+              </p:style>
+              <p:txBody>
+                <a:bodyPr rtlCol="0" anchor="ctr"/>
+                <a:lstStyle/>
+                <a:p>
+                  <a:pPr algn="ctr"/>
+                  <a:endParaRPr lang="en-US"/>
+                </a:p>
+              </p:txBody>
+            </p:sp>
+            <p:sp>
+              <p:nvSpPr>
+                <p:cNvPr id="25" name="Elipse 24">
+                  <a:extLst>
+                    <a:ext uri="{FF2B5EF4-FFF2-40B4-BE49-F238E27FC236}">
+                      <a16:creationId xmlns:a16="http://schemas.microsoft.com/office/drawing/2014/main" id="{37F989C5-991F-D6A8-7AA6-2D72E634CA6E}"/>
+                    </a:ext>
+                  </a:extLst>
+                </p:cNvPr>
+                <p:cNvSpPr/>
+                <p:nvPr/>
+              </p:nvSpPr>
+              <p:spPr>
+                <a:xfrm>
+                  <a:off x="4741281" y="2070641"/>
+                  <a:ext cx="2514600" cy="2556164"/>
+                </a:xfrm>
+                <a:prstGeom prst="ellipse">
+                  <a:avLst/>
+                </a:prstGeom>
+                <a:solidFill>
+                  <a:srgbClr val="6911DA"/>
+                </a:solidFill>
+                <a:ln>
+                  <a:noFill/>
+                </a:ln>
+              </p:spPr>
+              <p:style>
+                <a:lnRef idx="2">
+                  <a:schemeClr val="accent1">
+                    <a:shade val="15000"/>
+                  </a:schemeClr>
+                </a:lnRef>
+                <a:fillRef idx="1">
+                  <a:schemeClr val="accent1"/>
+                </a:fillRef>
+                <a:effectRef idx="0">
+                  <a:schemeClr val="accent1"/>
+                </a:effectRef>
+                <a:fontRef idx="minor">
+                  <a:schemeClr val="lt1"/>
+                </a:fontRef>
+              </p:style>
+              <p:txBody>
+                <a:bodyPr rtlCol="0" anchor="ctr"/>
+                <a:lstStyle/>
+                <a:p>
+                  <a:pPr algn="ctr"/>
+                  <a:endParaRPr lang="en-US"/>
+                </a:p>
+              </p:txBody>
+            </p:sp>
+            <p:sp>
+              <p:nvSpPr>
+                <p:cNvPr id="26" name="Elipse 25">
+                  <a:extLst>
+                    <a:ext uri="{FF2B5EF4-FFF2-40B4-BE49-F238E27FC236}">
+                      <a16:creationId xmlns:a16="http://schemas.microsoft.com/office/drawing/2014/main" id="{836E8852-0E22-D135-1BC9-BF234D3F5EB6}"/>
+                    </a:ext>
+                  </a:extLst>
+                </p:cNvPr>
+                <p:cNvSpPr/>
+                <p:nvPr/>
+              </p:nvSpPr>
+              <p:spPr>
+                <a:xfrm>
+                  <a:off x="6905058" y="1663317"/>
+                  <a:ext cx="241070" cy="241070"/>
+                </a:xfrm>
+                <a:prstGeom prst="ellipse">
+                  <a:avLst/>
+                </a:prstGeom>
+                <a:solidFill>
+                  <a:srgbClr val="D3435D"/>
+                </a:solidFill>
+                <a:ln>
+                  <a:noFill/>
+                </a:ln>
+              </p:spPr>
+              <p:style>
+                <a:lnRef idx="2">
+                  <a:schemeClr val="accent1">
+                    <a:shade val="15000"/>
+                  </a:schemeClr>
+                </a:lnRef>
+                <a:fillRef idx="1">
+                  <a:schemeClr val="accent1"/>
+                </a:fillRef>
+                <a:effectRef idx="0">
+                  <a:schemeClr val="accent1"/>
+                </a:effectRef>
+                <a:fontRef idx="minor">
+                  <a:schemeClr val="lt1"/>
+                </a:fontRef>
+              </p:style>
+              <p:txBody>
+                <a:bodyPr rtlCol="0" anchor="ctr"/>
+                <a:lstStyle/>
+                <a:p>
+                  <a:pPr algn="ctr"/>
+                  <a:endParaRPr lang="en-US"/>
+                </a:p>
+              </p:txBody>
+            </p:sp>
+            <p:sp>
+              <p:nvSpPr>
+                <p:cNvPr id="27" name="Elipse 26">
+                  <a:extLst>
+                    <a:ext uri="{FF2B5EF4-FFF2-40B4-BE49-F238E27FC236}">
+                      <a16:creationId xmlns:a16="http://schemas.microsoft.com/office/drawing/2014/main" id="{7230A43D-51BB-B10C-882A-CB5EBBEDE2F8}"/>
+                    </a:ext>
+                  </a:extLst>
+                </p:cNvPr>
+                <p:cNvSpPr/>
+                <p:nvPr/>
+              </p:nvSpPr>
+              <p:spPr>
+                <a:xfrm>
+                  <a:off x="4103571" y="3061934"/>
+                  <a:ext cx="457200" cy="457200"/>
+                </a:xfrm>
+                <a:prstGeom prst="ellipse">
+                  <a:avLst/>
+                </a:prstGeom>
+                <a:solidFill>
+                  <a:srgbClr val="D3435D"/>
+                </a:solidFill>
+                <a:ln>
+                  <a:noFill/>
+                </a:ln>
+              </p:spPr>
+              <p:style>
+                <a:lnRef idx="2">
+                  <a:schemeClr val="accent1">
+                    <a:shade val="15000"/>
+                  </a:schemeClr>
+                </a:lnRef>
+                <a:fillRef idx="1">
+                  <a:schemeClr val="accent1"/>
+                </a:fillRef>
+                <a:effectRef idx="0">
+                  <a:schemeClr val="accent1"/>
+                </a:effectRef>
+                <a:fontRef idx="minor">
+                  <a:schemeClr val="lt1"/>
+                </a:fontRef>
+              </p:style>
+              <p:txBody>
+                <a:bodyPr rtlCol="0" anchor="ctr"/>
+                <a:lstStyle/>
+                <a:p>
+                  <a:pPr algn="ctr"/>
+                  <a:endParaRPr lang="en-US"/>
+                </a:p>
+              </p:txBody>
+            </p:sp>
+            <p:sp>
+              <p:nvSpPr>
+                <p:cNvPr id="28" name="Elipse 27">
+                  <a:extLst>
+                    <a:ext uri="{FF2B5EF4-FFF2-40B4-BE49-F238E27FC236}">
+                      <a16:creationId xmlns:a16="http://schemas.microsoft.com/office/drawing/2014/main" id="{C9DA857D-6A04-BF3C-FA04-CF54886CA67E}"/>
+                    </a:ext>
+                  </a:extLst>
+                </p:cNvPr>
+                <p:cNvSpPr/>
+                <p:nvPr/>
+              </p:nvSpPr>
+              <p:spPr>
+                <a:xfrm>
+                  <a:off x="7025615" y="4952138"/>
+                  <a:ext cx="241070" cy="241070"/>
+                </a:xfrm>
+                <a:prstGeom prst="ellipse">
+                  <a:avLst/>
+                </a:prstGeom>
+                <a:solidFill>
+                  <a:srgbClr val="D0853A"/>
+                </a:solidFill>
+                <a:ln>
+                  <a:noFill/>
+                </a:ln>
+              </p:spPr>
+              <p:style>
+                <a:lnRef idx="2">
+                  <a:schemeClr val="accent1">
+                    <a:shade val="15000"/>
+                  </a:schemeClr>
+                </a:lnRef>
+                <a:fillRef idx="1">
+                  <a:schemeClr val="accent1"/>
+                </a:fillRef>
+                <a:effectRef idx="0">
+                  <a:schemeClr val="accent1"/>
+                </a:effectRef>
+                <a:fontRef idx="minor">
+                  <a:schemeClr val="lt1"/>
+                </a:fontRef>
+              </p:style>
+              <p:txBody>
+                <a:bodyPr rtlCol="0" anchor="ctr"/>
+                <a:lstStyle/>
+                <a:p>
+                  <a:pPr algn="ctr"/>
+                  <a:endParaRPr lang="en-US"/>
+                </a:p>
+              </p:txBody>
+            </p:sp>
+            <p:sp>
+              <p:nvSpPr>
+                <p:cNvPr id="29" name="Elipse 28">
+                  <a:extLst>
+                    <a:ext uri="{FF2B5EF4-FFF2-40B4-BE49-F238E27FC236}">
+                      <a16:creationId xmlns:a16="http://schemas.microsoft.com/office/drawing/2014/main" id="{ADF83B05-9E03-E968-8B1A-F3E78A92EB00}"/>
+                    </a:ext>
+                  </a:extLst>
+                </p:cNvPr>
+                <p:cNvSpPr/>
+                <p:nvPr/>
+              </p:nvSpPr>
+              <p:spPr>
+                <a:xfrm>
+                  <a:off x="4513226" y="4626805"/>
+                  <a:ext cx="241070" cy="241070"/>
+                </a:xfrm>
+                <a:prstGeom prst="ellipse">
+                  <a:avLst/>
+                </a:prstGeom>
+                <a:solidFill>
+                  <a:srgbClr val="6911DA"/>
+                </a:solidFill>
+                <a:ln>
+                  <a:noFill/>
+                </a:ln>
+              </p:spPr>
+              <p:style>
+                <a:lnRef idx="2">
+                  <a:schemeClr val="accent1">
+                    <a:shade val="15000"/>
+                  </a:schemeClr>
+                </a:lnRef>
+                <a:fillRef idx="1">
+                  <a:schemeClr val="accent1"/>
+                </a:fillRef>
+                <a:effectRef idx="0">
+                  <a:schemeClr val="accent1"/>
+                </a:effectRef>
+                <a:fontRef idx="minor">
+                  <a:schemeClr val="lt1"/>
+                </a:fontRef>
+              </p:style>
+              <p:txBody>
+                <a:bodyPr rtlCol="0" anchor="ctr"/>
+                <a:lstStyle/>
+                <a:p>
+                  <a:pPr algn="ctr"/>
+                  <a:endParaRPr lang="en-US"/>
+                </a:p>
+              </p:txBody>
+            </p:sp>
+          </p:grpSp>
+          <p:grpSp>
+            <p:nvGrpSpPr>
+              <p:cNvPr id="10" name="Grupo 9">
+                <a:extLst>
+                  <a:ext uri="{FF2B5EF4-FFF2-40B4-BE49-F238E27FC236}">
+                    <a16:creationId xmlns:a16="http://schemas.microsoft.com/office/drawing/2014/main" id="{D10346B5-747C-D09C-31E9-C5DC1A3B5E43}"/>
+                  </a:ext>
+                </a:extLst>
+              </p:cNvPr>
+              <p:cNvGrpSpPr/>
+              <p:nvPr/>
+            </p:nvGrpSpPr>
+            <p:grpSpPr>
+              <a:xfrm>
+                <a:off x="4664377" y="4122460"/>
+                <a:ext cx="243959" cy="378904"/>
+                <a:chOff x="4664377" y="4122460"/>
+                <a:chExt cx="243959" cy="378904"/>
+              </a:xfrm>
+            </p:grpSpPr>
+            <p:sp>
+              <p:nvSpPr>
+                <p:cNvPr id="15" name="Elipse 14">
+                  <a:extLst>
+                    <a:ext uri="{FF2B5EF4-FFF2-40B4-BE49-F238E27FC236}">
+                      <a16:creationId xmlns:a16="http://schemas.microsoft.com/office/drawing/2014/main" id="{01161DCC-4F2D-7418-2B76-92CD918792DB}"/>
+                    </a:ext>
+                  </a:extLst>
+                </p:cNvPr>
+                <p:cNvSpPr/>
+                <p:nvPr/>
+              </p:nvSpPr>
+              <p:spPr>
+                <a:xfrm>
+                  <a:off x="4693406" y="4226091"/>
+                  <a:ext cx="83645" cy="83645"/>
+                </a:xfrm>
+                <a:prstGeom prst="ellipse">
+                  <a:avLst/>
+                </a:prstGeom>
+                <a:solidFill>
+                  <a:srgbClr val="F5F7F9"/>
+                </a:solidFill>
+                <a:ln>
+                  <a:noFill/>
+                </a:ln>
+              </p:spPr>
+              <p:style>
+                <a:lnRef idx="2">
+                  <a:schemeClr val="accent1">
+                    <a:shade val="15000"/>
+                  </a:schemeClr>
+                </a:lnRef>
+                <a:fillRef idx="1">
+                  <a:schemeClr val="accent1"/>
+                </a:fillRef>
+                <a:effectRef idx="0">
+                  <a:schemeClr val="accent1"/>
+                </a:effectRef>
+                <a:fontRef idx="minor">
+                  <a:schemeClr val="lt1"/>
+                </a:fontRef>
+              </p:style>
+              <p:txBody>
+                <a:bodyPr rtlCol="0" anchor="ctr"/>
+                <a:lstStyle/>
+                <a:p>
+                  <a:pPr algn="ctr"/>
+                  <a:endParaRPr lang="en-US"/>
+                </a:p>
+              </p:txBody>
+            </p:sp>
+            <p:sp>
+              <p:nvSpPr>
+                <p:cNvPr id="16" name="Elipse 15">
+                  <a:extLst>
+                    <a:ext uri="{FF2B5EF4-FFF2-40B4-BE49-F238E27FC236}">
+                      <a16:creationId xmlns:a16="http://schemas.microsoft.com/office/drawing/2014/main" id="{ECA35082-F74A-BCC4-73D2-208789555F44}"/>
+                    </a:ext>
+                  </a:extLst>
+                </p:cNvPr>
+                <p:cNvSpPr/>
+                <p:nvPr/>
+              </p:nvSpPr>
+              <p:spPr>
+                <a:xfrm>
+                  <a:off x="4782336" y="4375364"/>
+                  <a:ext cx="126000" cy="126000"/>
+                </a:xfrm>
+                <a:prstGeom prst="ellipse">
+                  <a:avLst/>
+                </a:prstGeom>
+                <a:solidFill>
+                  <a:srgbClr val="F5F7F9"/>
+                </a:solidFill>
+                <a:ln>
+                  <a:noFill/>
+                </a:ln>
+              </p:spPr>
+              <p:style>
+                <a:lnRef idx="2">
+                  <a:schemeClr val="accent1">
+                    <a:shade val="15000"/>
+                  </a:schemeClr>
+                </a:lnRef>
+                <a:fillRef idx="1">
+                  <a:schemeClr val="accent1"/>
+                </a:fillRef>
+                <a:effectRef idx="0">
+                  <a:schemeClr val="accent1"/>
+                </a:effectRef>
+                <a:fontRef idx="minor">
+                  <a:schemeClr val="lt1"/>
+                </a:fontRef>
+              </p:style>
+              <p:txBody>
+                <a:bodyPr rtlCol="0" anchor="ctr"/>
+                <a:lstStyle/>
+                <a:p>
+                  <a:pPr algn="ctr"/>
+                  <a:endParaRPr lang="en-US"/>
+                </a:p>
+              </p:txBody>
+            </p:sp>
+            <p:sp>
+              <p:nvSpPr>
+                <p:cNvPr id="17" name="Elipse 16">
+                  <a:extLst>
+                    <a:ext uri="{FF2B5EF4-FFF2-40B4-BE49-F238E27FC236}">
+                      <a16:creationId xmlns:a16="http://schemas.microsoft.com/office/drawing/2014/main" id="{1BC5CE6A-7AC7-AFF2-E80A-7AC39E719FB3}"/>
+                    </a:ext>
+                  </a:extLst>
+                </p:cNvPr>
+                <p:cNvSpPr/>
+                <p:nvPr/>
+              </p:nvSpPr>
+              <p:spPr>
+                <a:xfrm rot="10517817">
+                  <a:off x="4664377" y="4122460"/>
+                  <a:ext cx="36000" cy="36000"/>
+                </a:xfrm>
+                <a:prstGeom prst="ellipse">
+                  <a:avLst/>
+                </a:prstGeom>
+                <a:solidFill>
+                  <a:srgbClr val="F5F7F9"/>
+                </a:solidFill>
+                <a:ln>
+                  <a:noFill/>
+                </a:ln>
+              </p:spPr>
+              <p:style>
+                <a:lnRef idx="2">
+                  <a:schemeClr val="accent1">
+                    <a:shade val="15000"/>
+                  </a:schemeClr>
+                </a:lnRef>
+                <a:fillRef idx="1">
+                  <a:schemeClr val="accent1"/>
+                </a:fillRef>
+                <a:effectRef idx="0">
+                  <a:schemeClr val="accent1"/>
+                </a:effectRef>
+                <a:fontRef idx="minor">
+                  <a:schemeClr val="lt1"/>
+                </a:fontRef>
+              </p:style>
+              <p:txBody>
+                <a:bodyPr rtlCol="0" anchor="ctr"/>
+                <a:lstStyle/>
+                <a:p>
+                  <a:pPr algn="ctr"/>
+                  <a:endParaRPr lang="en-US"/>
+                </a:p>
+              </p:txBody>
+            </p:sp>
+          </p:grpSp>
+          <p:grpSp>
+            <p:nvGrpSpPr>
+              <p:cNvPr id="11" name="Grupo 10">
+                <a:extLst>
+                  <a:ext uri="{FF2B5EF4-FFF2-40B4-BE49-F238E27FC236}">
+                    <a16:creationId xmlns:a16="http://schemas.microsoft.com/office/drawing/2014/main" id="{FA9FA10C-5934-A1D1-1DAC-BFF9D3A1B8C4}"/>
+                  </a:ext>
+                </a:extLst>
+              </p:cNvPr>
+              <p:cNvGrpSpPr/>
+              <p:nvPr/>
+            </p:nvGrpSpPr>
+            <p:grpSpPr>
+              <a:xfrm rot="10517817">
+                <a:off x="6709063" y="3748724"/>
+                <a:ext cx="245470" cy="283626"/>
+                <a:chOff x="5019789" y="3730426"/>
+                <a:chExt cx="245470" cy="283626"/>
+              </a:xfrm>
+            </p:grpSpPr>
+            <p:sp>
+              <p:nvSpPr>
+                <p:cNvPr id="12" name="Elipse 11">
+                  <a:extLst>
+                    <a:ext uri="{FF2B5EF4-FFF2-40B4-BE49-F238E27FC236}">
+                      <a16:creationId xmlns:a16="http://schemas.microsoft.com/office/drawing/2014/main" id="{516FA843-C08E-4B3B-35F1-76DE84245202}"/>
+                    </a:ext>
+                  </a:extLst>
+                </p:cNvPr>
+                <p:cNvSpPr/>
+                <p:nvPr/>
+              </p:nvSpPr>
+              <p:spPr>
+                <a:xfrm>
+                  <a:off x="5139259" y="3888052"/>
+                  <a:ext cx="126000" cy="126000"/>
+                </a:xfrm>
+                <a:prstGeom prst="ellipse">
+                  <a:avLst/>
+                </a:prstGeom>
+                <a:solidFill>
+                  <a:srgbClr val="F5F7F9"/>
+                </a:solidFill>
+                <a:ln>
+                  <a:noFill/>
+                </a:ln>
+              </p:spPr>
+              <p:style>
+                <a:lnRef idx="2">
+                  <a:schemeClr val="accent1">
+                    <a:shade val="15000"/>
+                  </a:schemeClr>
+                </a:lnRef>
+                <a:fillRef idx="1">
+                  <a:schemeClr val="accent1"/>
+                </a:fillRef>
+                <a:effectRef idx="0">
+                  <a:schemeClr val="accent1"/>
+                </a:effectRef>
+                <a:fontRef idx="minor">
+                  <a:schemeClr val="lt1"/>
+                </a:fontRef>
+              </p:style>
+              <p:txBody>
+                <a:bodyPr rtlCol="0" anchor="ctr"/>
+                <a:lstStyle/>
+                <a:p>
+                  <a:pPr algn="ctr"/>
+                  <a:endParaRPr lang="en-US"/>
+                </a:p>
+              </p:txBody>
+            </p:sp>
+            <p:sp>
+              <p:nvSpPr>
+                <p:cNvPr id="13" name="Elipse 12">
+                  <a:extLst>
+                    <a:ext uri="{FF2B5EF4-FFF2-40B4-BE49-F238E27FC236}">
+                      <a16:creationId xmlns:a16="http://schemas.microsoft.com/office/drawing/2014/main" id="{4A2468AB-0911-1238-77E9-0BEDB69950FA}"/>
+                    </a:ext>
+                  </a:extLst>
+                </p:cNvPr>
+                <p:cNvSpPr/>
+                <p:nvPr/>
+              </p:nvSpPr>
+              <p:spPr>
+                <a:xfrm>
+                  <a:off x="5050284" y="3730426"/>
+                  <a:ext cx="83645" cy="83645"/>
+                </a:xfrm>
+                <a:prstGeom prst="ellipse">
+                  <a:avLst/>
+                </a:prstGeom>
+                <a:solidFill>
+                  <a:srgbClr val="F5F7F9"/>
+                </a:solidFill>
+                <a:ln>
+                  <a:noFill/>
+                </a:ln>
+              </p:spPr>
+              <p:style>
+                <a:lnRef idx="2">
+                  <a:schemeClr val="accent1">
+                    <a:shade val="15000"/>
+                  </a:schemeClr>
+                </a:lnRef>
+                <a:fillRef idx="1">
+                  <a:schemeClr val="accent1"/>
+                </a:fillRef>
+                <a:effectRef idx="0">
+                  <a:schemeClr val="accent1"/>
+                </a:effectRef>
+                <a:fontRef idx="minor">
+                  <a:schemeClr val="lt1"/>
+                </a:fontRef>
+              </p:style>
+              <p:txBody>
+                <a:bodyPr rtlCol="0" anchor="ctr"/>
+                <a:lstStyle/>
+                <a:p>
+                  <a:pPr algn="ctr"/>
+                  <a:endParaRPr lang="en-US"/>
+                </a:p>
+              </p:txBody>
+            </p:sp>
+            <p:sp>
+              <p:nvSpPr>
+                <p:cNvPr id="14" name="Elipse 13">
+                  <a:extLst>
+                    <a:ext uri="{FF2B5EF4-FFF2-40B4-BE49-F238E27FC236}">
+                      <a16:creationId xmlns:a16="http://schemas.microsoft.com/office/drawing/2014/main" id="{4A53E1E1-F132-E2FE-43DF-86DE1214AAD3}"/>
+                    </a:ext>
+                  </a:extLst>
+                </p:cNvPr>
+                <p:cNvSpPr/>
+                <p:nvPr/>
+              </p:nvSpPr>
+              <p:spPr>
+                <a:xfrm>
+                  <a:off x="5019789" y="3885260"/>
+                  <a:ext cx="36000" cy="36000"/>
+                </a:xfrm>
+                <a:prstGeom prst="ellipse">
+                  <a:avLst/>
+                </a:prstGeom>
+                <a:solidFill>
+                  <a:srgbClr val="F5F7F9"/>
+                </a:solidFill>
+                <a:ln>
+                  <a:noFill/>
+                </a:ln>
+              </p:spPr>
+              <p:style>
+                <a:lnRef idx="2">
+                  <a:schemeClr val="accent1">
+                    <a:shade val="15000"/>
+                  </a:schemeClr>
+                </a:lnRef>
+                <a:fillRef idx="1">
+                  <a:schemeClr val="accent1"/>
+                </a:fillRef>
+                <a:effectRef idx="0">
+                  <a:schemeClr val="accent1"/>
+                </a:effectRef>
+                <a:fontRef idx="minor">
+                  <a:schemeClr val="lt1"/>
+                </a:fontRef>
+              </p:style>
+              <p:txBody>
+                <a:bodyPr rtlCol="0" anchor="ctr"/>
+                <a:lstStyle/>
+                <a:p>
+                  <a:pPr algn="ctr"/>
+                  <a:endParaRPr lang="en-US"/>
+                </a:p>
+              </p:txBody>
+            </p:sp>
+          </p:grpSp>
+        </p:grpSp>
+        <p:sp>
+          <p:nvSpPr>
+            <p:cNvPr id="4" name="Elipse 3">
+              <a:extLst>
+                <a:ext uri="{FF2B5EF4-FFF2-40B4-BE49-F238E27FC236}">
+                  <a16:creationId xmlns:a16="http://schemas.microsoft.com/office/drawing/2014/main" id="{D1752FC8-5562-B65F-BBA8-BB6F94243F95}"/>
+                </a:ext>
+              </a:extLst>
+            </p:cNvPr>
+            <p:cNvSpPr/>
+            <p:nvPr/>
+          </p:nvSpPr>
+          <p:spPr>
+            <a:xfrm rot="8902455">
+              <a:off x="5010665" y="3800355"/>
+              <a:ext cx="126000" cy="126000"/>
+            </a:xfrm>
+            <a:prstGeom prst="ellipse">
+              <a:avLst/>
+            </a:prstGeom>
+            <a:solidFill>
+              <a:srgbClr val="F5F7F9"/>
+            </a:solidFill>
+            <a:ln>
+              <a:noFill/>
+            </a:ln>
+          </p:spPr>
+          <p:style>
+            <a:lnRef idx="2">
+              <a:schemeClr val="accent1">
+                <a:shade val="15000"/>
+              </a:schemeClr>
+            </a:lnRef>
+            <a:fillRef idx="1">
+              <a:schemeClr val="accent1"/>
+            </a:fillRef>
+            <a:effectRef idx="0">
+              <a:schemeClr val="accent1"/>
+            </a:effectRef>
+            <a:fontRef idx="minor">
+              <a:schemeClr val="lt1"/>
+            </a:fontRef>
+          </p:style>
+          <p:txBody>
+            <a:bodyPr rtlCol="0" anchor="ctr"/>
+            <a:lstStyle/>
+            <a:p>
+              <a:pPr algn="ctr"/>
+              <a:endParaRPr lang="en-US"/>
+            </a:p>
+          </p:txBody>
+        </p:sp>
+        <p:sp>
+          <p:nvSpPr>
+            <p:cNvPr id="5" name="Elipse 4">
+              <a:extLst>
+                <a:ext uri="{FF2B5EF4-FFF2-40B4-BE49-F238E27FC236}">
+                  <a16:creationId xmlns:a16="http://schemas.microsoft.com/office/drawing/2014/main" id="{0954696E-5C58-8E1B-45BA-4B4ACD7DBE39}"/>
+                </a:ext>
+              </a:extLst>
+            </p:cNvPr>
+            <p:cNvSpPr/>
+            <p:nvPr/>
+          </p:nvSpPr>
+          <p:spPr>
+            <a:xfrm rot="8902455">
+              <a:off x="5156285" y="3990703"/>
+              <a:ext cx="83645" cy="83645"/>
+            </a:xfrm>
+            <a:prstGeom prst="ellipse">
+              <a:avLst/>
+            </a:prstGeom>
+            <a:solidFill>
+              <a:srgbClr val="F5F7F9"/>
+            </a:solidFill>
+            <a:ln>
+              <a:noFill/>
+            </a:ln>
+          </p:spPr>
+          <p:style>
+            <a:lnRef idx="2">
+              <a:schemeClr val="accent1">
+                <a:shade val="15000"/>
+              </a:schemeClr>
+            </a:lnRef>
+            <a:fillRef idx="1">
+              <a:schemeClr val="accent1"/>
+            </a:fillRef>
+            <a:effectRef idx="0">
+              <a:schemeClr val="accent1"/>
+            </a:effectRef>
+            <a:fontRef idx="minor">
+              <a:schemeClr val="lt1"/>
+            </a:fontRef>
+          </p:style>
+          <p:txBody>
+            <a:bodyPr rtlCol="0" anchor="ctr"/>
+            <a:lstStyle/>
+            <a:p>
+              <a:pPr algn="ctr"/>
+              <a:endParaRPr lang="en-US"/>
+            </a:p>
+          </p:txBody>
+        </p:sp>
+        <p:sp>
+          <p:nvSpPr>
+            <p:cNvPr id="6" name="Elipse 5">
+              <a:extLst>
+                <a:ext uri="{FF2B5EF4-FFF2-40B4-BE49-F238E27FC236}">
+                  <a16:creationId xmlns:a16="http://schemas.microsoft.com/office/drawing/2014/main" id="{1453E9FA-FDBD-1CF2-42CE-A3C88AF06C8C}"/>
+                </a:ext>
+              </a:extLst>
+            </p:cNvPr>
+            <p:cNvSpPr/>
+            <p:nvPr/>
+          </p:nvSpPr>
+          <p:spPr>
+            <a:xfrm rot="8902455">
+              <a:off x="5223500" y="3879501"/>
+              <a:ext cx="36000" cy="36000"/>
+            </a:xfrm>
+            <a:prstGeom prst="ellipse">
+              <a:avLst/>
+            </a:prstGeom>
+            <a:solidFill>
+              <a:srgbClr val="F5F7F9"/>
+            </a:solidFill>
+            <a:ln>
+              <a:noFill/>
+            </a:ln>
+          </p:spPr>
+          <p:style>
+            <a:lnRef idx="2">
+              <a:schemeClr val="accent1">
+                <a:shade val="15000"/>
+              </a:schemeClr>
+            </a:lnRef>
+            <a:fillRef idx="1">
+              <a:schemeClr val="accent1"/>
+            </a:fillRef>
+            <a:effectRef idx="0">
+              <a:schemeClr val="accent1"/>
+            </a:effectRef>
+            <a:fontRef idx="minor">
+              <a:schemeClr val="lt1"/>
+            </a:fontRef>
+          </p:style>
+          <p:txBody>
+            <a:bodyPr rtlCol="0" anchor="ctr"/>
+            <a:lstStyle/>
+            <a:p>
+              <a:pPr algn="ctr"/>
+              <a:endParaRPr lang="en-US"/>
+            </a:p>
+          </p:txBody>
+        </p:sp>
+      </p:grpSp>
+    </p:spTree>
+    <p:extLst>
+      <p:ext uri="{BB962C8B-B14F-4D97-AF65-F5344CB8AC3E}">
+        <p14:creationId xmlns:p14="http://schemas.microsoft.com/office/powerpoint/2010/main" val="2514477830"/>
       </p:ext>
     </p:extLst>
   </p:cSld>
